--- a/Cuda/cute/swizzle/figures/swizzle.pptx
+++ b/Cuda/cute/swizzle/figures/swizzle.pptx
@@ -5,11 +5,12 @@
     <p:sldMasterId id="2147483648" r:id="rId1"/>
   </p:sldMasterIdLst>
   <p:notesMasterIdLst>
-    <p:notesMasterId r:id="rId4"/>
+    <p:notesMasterId r:id="rId5"/>
   </p:notesMasterIdLst>
   <p:sldIdLst>
     <p:sldId id="256" r:id="rId2"/>
     <p:sldId id="257" r:id="rId3"/>
+    <p:sldId id="258" r:id="rId4"/>
   </p:sldIdLst>
   <p:sldSz cx="12192000" cy="6858000"/>
   <p:notesSz cx="6858000" cy="9144000"/>
@@ -111,12 +112,12 @@
   <p:extLst>
     <p:ext uri="{EFAFB233-063F-42B5-8137-9DF3F51BA10A}">
       <p15:sldGuideLst xmlns:p15="http://schemas.microsoft.com/office/powerpoint/2012/main">
-        <p15:guide id="1" orient="horz" pos="3793" userDrawn="1">
+        <p15:guide id="1" orient="horz" pos="3498" userDrawn="1">
           <p15:clr>
             <a:srgbClr val="A4A3A4"/>
           </p15:clr>
         </p15:guide>
-        <p15:guide id="2" userDrawn="1">
+        <p15:guide id="2" pos="4226" userDrawn="1">
           <p15:clr>
             <a:srgbClr val="A4A3A4"/>
           </p15:clr>
@@ -209,7 +210,7 @@
           <a:p>
             <a:fld id="{4DF583D5-1008-D446-97C0-CD7064827C20}" type="datetimeFigureOut">
               <a:rPr kumimoji="1" lang="zh-CN" altLang="en-US" smtClean="0"/>
-              <a:t>2023/12/8</a:t>
+              <a:t>2024/8/5</a:t>
             </a:fld>
             <a:endParaRPr kumimoji="1" lang="zh-CN" altLang="en-US"/>
           </a:p>
@@ -560,6 +561,114 @@
 </p:notes>
 </file>
 
+<file path=ppt/notesSlides/notesSlide2.xml><?xml version="1.0" encoding="utf-8"?>
+<p:notes xmlns:a="http://schemas.openxmlformats.org/drawingml/2006/main" xmlns:r="http://schemas.openxmlformats.org/officeDocument/2006/relationships" xmlns:p="http://schemas.openxmlformats.org/presentationml/2006/main">
+  <p:cSld>
+    <p:spTree>
+      <p:nvGrpSpPr>
+        <p:cNvPr id="1" name="">
+          <a:extLst>
+            <a:ext uri="{FF2B5EF4-FFF2-40B4-BE49-F238E27FC236}">
+              <a16:creationId xmlns:a16="http://schemas.microsoft.com/office/drawing/2014/main" id="{4737C369-F00C-CF92-0E40-13B488916C08}"/>
+            </a:ext>
+          </a:extLst>
+        </p:cNvPr>
+        <p:cNvGrpSpPr/>
+        <p:nvPr/>
+      </p:nvGrpSpPr>
+      <p:grpSpPr>
+        <a:xfrm>
+          <a:off x="0" y="0"/>
+          <a:ext cx="0" cy="0"/>
+          <a:chOff x="0" y="0"/>
+          <a:chExt cx="0" cy="0"/>
+        </a:xfrm>
+      </p:grpSpPr>
+      <p:sp>
+        <p:nvSpPr>
+          <p:cNvPr id="2" name="幻灯片图像占位符 1">
+            <a:extLst>
+              <a:ext uri="{FF2B5EF4-FFF2-40B4-BE49-F238E27FC236}">
+                <a16:creationId xmlns:a16="http://schemas.microsoft.com/office/drawing/2014/main" id="{37E38CA4-F3AB-28F8-6918-29C42ADDE194}"/>
+              </a:ext>
+            </a:extLst>
+          </p:cNvPr>
+          <p:cNvSpPr>
+            <a:spLocks noGrp="1" noRot="1" noChangeAspect="1"/>
+          </p:cNvSpPr>
+          <p:nvPr>
+            <p:ph type="sldImg"/>
+          </p:nvPr>
+        </p:nvSpPr>
+        <p:spPr/>
+      </p:sp>
+      <p:sp>
+        <p:nvSpPr>
+          <p:cNvPr id="3" name="备注占位符 2">
+            <a:extLst>
+              <a:ext uri="{FF2B5EF4-FFF2-40B4-BE49-F238E27FC236}">
+                <a16:creationId xmlns:a16="http://schemas.microsoft.com/office/drawing/2014/main" id="{2BC54B5C-B72F-5F05-9D54-CA043067D19F}"/>
+              </a:ext>
+            </a:extLst>
+          </p:cNvPr>
+          <p:cNvSpPr>
+            <a:spLocks noGrp="1"/>
+          </p:cNvSpPr>
+          <p:nvPr>
+            <p:ph type="body" idx="1"/>
+          </p:nvPr>
+        </p:nvSpPr>
+        <p:spPr/>
+        <p:txBody>
+          <a:bodyPr/>
+          <a:lstStyle/>
+          <a:p>
+            <a:endParaRPr kumimoji="1" lang="zh-CN" altLang="en-US" dirty="0"/>
+          </a:p>
+        </p:txBody>
+      </p:sp>
+      <p:sp>
+        <p:nvSpPr>
+          <p:cNvPr id="4" name="灯片编号占位符 3">
+            <a:extLst>
+              <a:ext uri="{FF2B5EF4-FFF2-40B4-BE49-F238E27FC236}">
+                <a16:creationId xmlns:a16="http://schemas.microsoft.com/office/drawing/2014/main" id="{99C5A88F-CD08-1B48-4AD3-823482BDB514}"/>
+              </a:ext>
+            </a:extLst>
+          </p:cNvPr>
+          <p:cNvSpPr>
+            <a:spLocks noGrp="1"/>
+          </p:cNvSpPr>
+          <p:nvPr>
+            <p:ph type="sldNum" sz="quarter" idx="5"/>
+          </p:nvPr>
+        </p:nvSpPr>
+        <p:spPr/>
+        <p:txBody>
+          <a:bodyPr/>
+          <a:lstStyle/>
+          <a:p>
+            <a:fld id="{EC5669E3-5A0F-754E-BEEC-ED80869F4B7E}" type="slidenum">
+              <a:rPr kumimoji="1" lang="zh-CN" altLang="en-US" smtClean="0"/>
+              <a:t>3</a:t>
+            </a:fld>
+            <a:endParaRPr kumimoji="1" lang="zh-CN" altLang="en-US"/>
+          </a:p>
+        </p:txBody>
+      </p:sp>
+    </p:spTree>
+    <p:extLst>
+      <p:ext uri="{BB962C8B-B14F-4D97-AF65-F5344CB8AC3E}">
+        <p14:creationId xmlns:p14="http://schemas.microsoft.com/office/powerpoint/2010/main" val="393877703"/>
+      </p:ext>
+    </p:extLst>
+  </p:cSld>
+  <p:clrMapOvr>
+    <a:masterClrMapping/>
+  </p:clrMapOvr>
+</p:notes>
+</file>
+
 <file path=ppt/slideLayouts/slideLayout1.xml><?xml version="1.0" encoding="utf-8"?>
 <p:sldLayout xmlns:a="http://schemas.openxmlformats.org/drawingml/2006/main" xmlns:r="http://schemas.openxmlformats.org/officeDocument/2006/relationships" xmlns:p="http://schemas.openxmlformats.org/presentationml/2006/main" type="title" preserve="1">
   <p:cSld name="标题幻灯片">
@@ -707,7 +816,7 @@
           <a:p>
             <a:fld id="{A35F331D-0B4B-1F46-AF4A-3D01B4331A06}" type="datetimeFigureOut">
               <a:rPr kumimoji="1" lang="zh-CN" altLang="en-US" smtClean="0"/>
-              <a:t>2023/12/8</a:t>
+              <a:t>2024/8/5</a:t>
             </a:fld>
             <a:endParaRPr kumimoji="1" lang="zh-CN" altLang="en-US"/>
           </a:p>
@@ -905,7 +1014,7 @@
           <a:p>
             <a:fld id="{A35F331D-0B4B-1F46-AF4A-3D01B4331A06}" type="datetimeFigureOut">
               <a:rPr kumimoji="1" lang="zh-CN" altLang="en-US" smtClean="0"/>
-              <a:t>2023/12/8</a:t>
+              <a:t>2024/8/5</a:t>
             </a:fld>
             <a:endParaRPr kumimoji="1" lang="zh-CN" altLang="en-US"/>
           </a:p>
@@ -1113,7 +1222,7 @@
           <a:p>
             <a:fld id="{A35F331D-0B4B-1F46-AF4A-3D01B4331A06}" type="datetimeFigureOut">
               <a:rPr kumimoji="1" lang="zh-CN" altLang="en-US" smtClean="0"/>
-              <a:t>2023/12/8</a:t>
+              <a:t>2024/8/5</a:t>
             </a:fld>
             <a:endParaRPr kumimoji="1" lang="zh-CN" altLang="en-US"/>
           </a:p>
@@ -1311,7 +1420,7 @@
           <a:p>
             <a:fld id="{A35F331D-0B4B-1F46-AF4A-3D01B4331A06}" type="datetimeFigureOut">
               <a:rPr kumimoji="1" lang="zh-CN" altLang="en-US" smtClean="0"/>
-              <a:t>2023/12/8</a:t>
+              <a:t>2024/8/5</a:t>
             </a:fld>
             <a:endParaRPr kumimoji="1" lang="zh-CN" altLang="en-US"/>
           </a:p>
@@ -1586,7 +1695,7 @@
           <a:p>
             <a:fld id="{A35F331D-0B4B-1F46-AF4A-3D01B4331A06}" type="datetimeFigureOut">
               <a:rPr kumimoji="1" lang="zh-CN" altLang="en-US" smtClean="0"/>
-              <a:t>2023/12/8</a:t>
+              <a:t>2024/8/5</a:t>
             </a:fld>
             <a:endParaRPr kumimoji="1" lang="zh-CN" altLang="en-US"/>
           </a:p>
@@ -1851,7 +1960,7 @@
           <a:p>
             <a:fld id="{A35F331D-0B4B-1F46-AF4A-3D01B4331A06}" type="datetimeFigureOut">
               <a:rPr kumimoji="1" lang="zh-CN" altLang="en-US" smtClean="0"/>
-              <a:t>2023/12/8</a:t>
+              <a:t>2024/8/5</a:t>
             </a:fld>
             <a:endParaRPr kumimoji="1" lang="zh-CN" altLang="en-US"/>
           </a:p>
@@ -2263,7 +2372,7 @@
           <a:p>
             <a:fld id="{A35F331D-0B4B-1F46-AF4A-3D01B4331A06}" type="datetimeFigureOut">
               <a:rPr kumimoji="1" lang="zh-CN" altLang="en-US" smtClean="0"/>
-              <a:t>2023/12/8</a:t>
+              <a:t>2024/8/5</a:t>
             </a:fld>
             <a:endParaRPr kumimoji="1" lang="zh-CN" altLang="en-US"/>
           </a:p>
@@ -2404,7 +2513,7 @@
           <a:p>
             <a:fld id="{A35F331D-0B4B-1F46-AF4A-3D01B4331A06}" type="datetimeFigureOut">
               <a:rPr kumimoji="1" lang="zh-CN" altLang="en-US" smtClean="0"/>
-              <a:t>2023/12/8</a:t>
+              <a:t>2024/8/5</a:t>
             </a:fld>
             <a:endParaRPr kumimoji="1" lang="zh-CN" altLang="en-US"/>
           </a:p>
@@ -2517,7 +2626,7 @@
           <a:p>
             <a:fld id="{A35F331D-0B4B-1F46-AF4A-3D01B4331A06}" type="datetimeFigureOut">
               <a:rPr kumimoji="1" lang="zh-CN" altLang="en-US" smtClean="0"/>
-              <a:t>2023/12/8</a:t>
+              <a:t>2024/8/5</a:t>
             </a:fld>
             <a:endParaRPr kumimoji="1" lang="zh-CN" altLang="en-US"/>
           </a:p>
@@ -2828,7 +2937,7 @@
           <a:p>
             <a:fld id="{A35F331D-0B4B-1F46-AF4A-3D01B4331A06}" type="datetimeFigureOut">
               <a:rPr kumimoji="1" lang="zh-CN" altLang="en-US" smtClean="0"/>
-              <a:t>2023/12/8</a:t>
+              <a:t>2024/8/5</a:t>
             </a:fld>
             <a:endParaRPr kumimoji="1" lang="zh-CN" altLang="en-US"/>
           </a:p>
@@ -3116,7 +3225,7 @@
           <a:p>
             <a:fld id="{A35F331D-0B4B-1F46-AF4A-3D01B4331A06}" type="datetimeFigureOut">
               <a:rPr kumimoji="1" lang="zh-CN" altLang="en-US" smtClean="0"/>
-              <a:t>2023/12/8</a:t>
+              <a:t>2024/8/5</a:t>
             </a:fld>
             <a:endParaRPr kumimoji="1" lang="zh-CN" altLang="en-US"/>
           </a:p>
@@ -3357,7 +3466,7 @@
           <a:p>
             <a:fld id="{A35F331D-0B4B-1F46-AF4A-3D01B4331A06}" type="datetimeFigureOut">
               <a:rPr kumimoji="1" lang="zh-CN" altLang="en-US" smtClean="0"/>
-              <a:t>2023/12/8</a:t>
+              <a:t>2024/8/5</a:t>
             </a:fld>
             <a:endParaRPr kumimoji="1" lang="zh-CN" altLang="en-US"/>
           </a:p>
@@ -16969,8 +17078,8 @@
             <a:chExt cx="3412144" cy="393730"/>
           </a:xfrm>
         </p:grpSpPr>
-        <mc:AlternateContent xmlns:mc="http://schemas.openxmlformats.org/markup-compatibility/2006">
-          <mc:Choice xmlns:a14="http://schemas.microsoft.com/office/drawing/2010/main" Requires="a14">
+        <mc:AlternateContent xmlns:mc="http://schemas.openxmlformats.org/markup-compatibility/2006" xmlns:a14="http://schemas.microsoft.com/office/drawing/2010/main">
+          <mc:Choice Requires="a14">
             <p:sp>
               <p:nvSpPr>
                 <p:cNvPr id="33" name="文本框 32">
@@ -16999,6 +17108,7 @@
                 </a:bodyPr>
                 <a:lstStyle/>
                 <a:p>
+                  <a:pPr/>
                   <a14:m>
                     <m:oMathPara xmlns:m="http://schemas.openxmlformats.org/officeDocument/2006/math">
                       <m:oMathParaPr>
@@ -17038,7 +17148,7 @@
               </p:txBody>
             </p:sp>
           </mc:Choice>
-          <mc:Fallback>
+          <mc:Fallback xmlns="">
             <p:sp>
               <p:nvSpPr>
                 <p:cNvPr id="33" name="文本框 32">
@@ -17083,8 +17193,8 @@
             </p:sp>
           </mc:Fallback>
         </mc:AlternateContent>
-        <mc:AlternateContent xmlns:mc="http://schemas.openxmlformats.org/markup-compatibility/2006">
-          <mc:Choice xmlns:a14="http://schemas.microsoft.com/office/drawing/2010/main" Requires="a14">
+        <mc:AlternateContent xmlns:mc="http://schemas.openxmlformats.org/markup-compatibility/2006" xmlns:a14="http://schemas.microsoft.com/office/drawing/2010/main">
+          <mc:Choice Requires="a14">
             <p:sp>
               <p:nvSpPr>
                 <p:cNvPr id="34" name="文本框 33">
@@ -17113,6 +17223,7 @@
                 </a:bodyPr>
                 <a:lstStyle/>
                 <a:p>
+                  <a:pPr/>
                   <a14:m>
                     <m:oMathPara xmlns:m="http://schemas.openxmlformats.org/officeDocument/2006/math">
                       <m:oMathParaPr>
@@ -17152,7 +17263,7 @@
               </p:txBody>
             </p:sp>
           </mc:Choice>
-          <mc:Fallback>
+          <mc:Fallback xmlns="">
             <p:sp>
               <p:nvSpPr>
                 <p:cNvPr id="34" name="文本框 33">
@@ -17197,8 +17308,8 @@
             </p:sp>
           </mc:Fallback>
         </mc:AlternateContent>
-        <mc:AlternateContent xmlns:mc="http://schemas.openxmlformats.org/markup-compatibility/2006">
-          <mc:Choice xmlns:a14="http://schemas.microsoft.com/office/drawing/2010/main" Requires="a14">
+        <mc:AlternateContent xmlns:mc="http://schemas.openxmlformats.org/markup-compatibility/2006" xmlns:a14="http://schemas.microsoft.com/office/drawing/2010/main">
+          <mc:Choice Requires="a14">
             <p:sp>
               <p:nvSpPr>
                 <p:cNvPr id="35" name="文本框 34">
@@ -17227,6 +17338,7 @@
                 </a:bodyPr>
                 <a:lstStyle/>
                 <a:p>
+                  <a:pPr/>
                   <a14:m>
                     <m:oMathPara xmlns:m="http://schemas.openxmlformats.org/officeDocument/2006/math">
                       <m:oMathParaPr>
@@ -17266,7 +17378,7 @@
               </p:txBody>
             </p:sp>
           </mc:Choice>
-          <mc:Fallback>
+          <mc:Fallback xmlns="">
             <p:sp>
               <p:nvSpPr>
                 <p:cNvPr id="35" name="文本框 34">
@@ -17311,8 +17423,8 @@
             </p:sp>
           </mc:Fallback>
         </mc:AlternateContent>
-        <mc:AlternateContent xmlns:mc="http://schemas.openxmlformats.org/markup-compatibility/2006">
-          <mc:Choice xmlns:a14="http://schemas.microsoft.com/office/drawing/2010/main" Requires="a14">
+        <mc:AlternateContent xmlns:mc="http://schemas.openxmlformats.org/markup-compatibility/2006" xmlns:a14="http://schemas.microsoft.com/office/drawing/2010/main">
+          <mc:Choice Requires="a14">
             <p:sp>
               <p:nvSpPr>
                 <p:cNvPr id="36" name="文本框 35">
@@ -17341,6 +17453,7 @@
                 </a:bodyPr>
                 <a:lstStyle/>
                 <a:p>
+                  <a:pPr/>
                   <a14:m>
                     <m:oMathPara xmlns:m="http://schemas.openxmlformats.org/officeDocument/2006/math">
                       <m:oMathParaPr>
@@ -17380,7 +17493,7 @@
               </p:txBody>
             </p:sp>
           </mc:Choice>
-          <mc:Fallback>
+          <mc:Fallback xmlns="">
             <p:sp>
               <p:nvSpPr>
                 <p:cNvPr id="36" name="文本框 35">
@@ -17425,8 +17538,8 @@
             </p:sp>
           </mc:Fallback>
         </mc:AlternateContent>
-        <mc:AlternateContent xmlns:mc="http://schemas.openxmlformats.org/markup-compatibility/2006">
-          <mc:Choice xmlns:a14="http://schemas.microsoft.com/office/drawing/2010/main" Requires="a14">
+        <mc:AlternateContent xmlns:mc="http://schemas.openxmlformats.org/markup-compatibility/2006" xmlns:a14="http://schemas.microsoft.com/office/drawing/2010/main">
+          <mc:Choice Requires="a14">
             <p:sp>
               <p:nvSpPr>
                 <p:cNvPr id="37" name="文本框 36">
@@ -17455,6 +17568,7 @@
                 </a:bodyPr>
                 <a:lstStyle/>
                 <a:p>
+                  <a:pPr/>
                   <a14:m>
                     <m:oMathPara xmlns:m="http://schemas.openxmlformats.org/officeDocument/2006/math">
                       <m:oMathParaPr>
@@ -17494,7 +17608,7 @@
               </p:txBody>
             </p:sp>
           </mc:Choice>
-          <mc:Fallback>
+          <mc:Fallback xmlns="">
             <p:sp>
               <p:nvSpPr>
                 <p:cNvPr id="37" name="文本框 36">
@@ -17539,8 +17653,8 @@
             </p:sp>
           </mc:Fallback>
         </mc:AlternateContent>
-        <mc:AlternateContent xmlns:mc="http://schemas.openxmlformats.org/markup-compatibility/2006">
-          <mc:Choice xmlns:a14="http://schemas.microsoft.com/office/drawing/2010/main" Requires="a14">
+        <mc:AlternateContent xmlns:mc="http://schemas.openxmlformats.org/markup-compatibility/2006" xmlns:a14="http://schemas.microsoft.com/office/drawing/2010/main">
+          <mc:Choice Requires="a14">
             <p:sp>
               <p:nvSpPr>
                 <p:cNvPr id="38" name="文本框 37">
@@ -17569,6 +17683,7 @@
                 </a:bodyPr>
                 <a:lstStyle/>
                 <a:p>
+                  <a:pPr/>
                   <a14:m>
                     <m:oMathPara xmlns:m="http://schemas.openxmlformats.org/officeDocument/2006/math">
                       <m:oMathParaPr>
@@ -17608,7 +17723,7 @@
               </p:txBody>
             </p:sp>
           </mc:Choice>
-          <mc:Fallback>
+          <mc:Fallback xmlns="">
             <p:sp>
               <p:nvSpPr>
                 <p:cNvPr id="38" name="文本框 37">
@@ -17653,8 +17768,8 @@
             </p:sp>
           </mc:Fallback>
         </mc:AlternateContent>
-        <mc:AlternateContent xmlns:mc="http://schemas.openxmlformats.org/markup-compatibility/2006">
-          <mc:Choice xmlns:a14="http://schemas.microsoft.com/office/drawing/2010/main" Requires="a14">
+        <mc:AlternateContent xmlns:mc="http://schemas.openxmlformats.org/markup-compatibility/2006" xmlns:a14="http://schemas.microsoft.com/office/drawing/2010/main">
+          <mc:Choice Requires="a14">
             <p:sp>
               <p:nvSpPr>
                 <p:cNvPr id="39" name="文本框 38">
@@ -17683,6 +17798,7 @@
                 </a:bodyPr>
                 <a:lstStyle/>
                 <a:p>
+                  <a:pPr/>
                   <a14:m>
                     <m:oMathPara xmlns:m="http://schemas.openxmlformats.org/officeDocument/2006/math">
                       <m:oMathParaPr>
@@ -17722,7 +17838,7 @@
               </p:txBody>
             </p:sp>
           </mc:Choice>
-          <mc:Fallback>
+          <mc:Fallback xmlns="">
             <p:sp>
               <p:nvSpPr>
                 <p:cNvPr id="39" name="文本框 38">
@@ -17767,8 +17883,8 @@
             </p:sp>
           </mc:Fallback>
         </mc:AlternateContent>
-        <mc:AlternateContent xmlns:mc="http://schemas.openxmlformats.org/markup-compatibility/2006">
-          <mc:Choice xmlns:a14="http://schemas.microsoft.com/office/drawing/2010/main" Requires="a14">
+        <mc:AlternateContent xmlns:mc="http://schemas.openxmlformats.org/markup-compatibility/2006" xmlns:a14="http://schemas.microsoft.com/office/drawing/2010/main">
+          <mc:Choice Requires="a14">
             <p:sp>
               <p:nvSpPr>
                 <p:cNvPr id="40" name="文本框 39">
@@ -17797,6 +17913,7 @@
                 </a:bodyPr>
                 <a:lstStyle/>
                 <a:p>
+                  <a:pPr/>
                   <a14:m>
                     <m:oMathPara xmlns:m="http://schemas.openxmlformats.org/officeDocument/2006/math">
                       <m:oMathParaPr>
@@ -17836,7 +17953,7 @@
               </p:txBody>
             </p:sp>
           </mc:Choice>
-          <mc:Fallback>
+          <mc:Fallback xmlns="">
             <p:sp>
               <p:nvSpPr>
                 <p:cNvPr id="40" name="文本框 39">
@@ -17938,8 +18055,8 @@
             </a:p>
           </p:txBody>
         </p:sp>
-        <mc:AlternateContent xmlns:mc="http://schemas.openxmlformats.org/markup-compatibility/2006">
-          <mc:Choice xmlns:a14="http://schemas.microsoft.com/office/drawing/2010/main" Requires="a14">
+        <mc:AlternateContent xmlns:mc="http://schemas.openxmlformats.org/markup-compatibility/2006" xmlns:a14="http://schemas.microsoft.com/office/drawing/2010/main">
+          <mc:Choice Requires="a14">
             <p:sp>
               <p:nvSpPr>
                 <p:cNvPr id="43" name="文本框 42">
@@ -17968,6 +18085,7 @@
                 </a:bodyPr>
                 <a:lstStyle/>
                 <a:p>
+                  <a:pPr/>
                   <a14:m>
                     <m:oMathPara xmlns:m="http://schemas.openxmlformats.org/officeDocument/2006/math">
                       <m:oMathParaPr>
@@ -18007,7 +18125,7 @@
               </p:txBody>
             </p:sp>
           </mc:Choice>
-          <mc:Fallback>
+          <mc:Fallback xmlns="">
             <p:sp>
               <p:nvSpPr>
                 <p:cNvPr id="43" name="文本框 42">
@@ -18052,8 +18170,8 @@
             </p:sp>
           </mc:Fallback>
         </mc:AlternateContent>
-        <mc:AlternateContent xmlns:mc="http://schemas.openxmlformats.org/markup-compatibility/2006">
-          <mc:Choice xmlns:a14="http://schemas.microsoft.com/office/drawing/2010/main" Requires="a14">
+        <mc:AlternateContent xmlns:mc="http://schemas.openxmlformats.org/markup-compatibility/2006" xmlns:a14="http://schemas.microsoft.com/office/drawing/2010/main">
+          <mc:Choice Requires="a14">
             <p:sp>
               <p:nvSpPr>
                 <p:cNvPr id="44" name="文本框 43">
@@ -18082,6 +18200,7 @@
                 </a:bodyPr>
                 <a:lstStyle/>
                 <a:p>
+                  <a:pPr/>
                   <a14:m>
                     <m:oMathPara xmlns:m="http://schemas.openxmlformats.org/officeDocument/2006/math">
                       <m:oMathParaPr>
@@ -18121,7 +18240,7 @@
               </p:txBody>
             </p:sp>
           </mc:Choice>
-          <mc:Fallback>
+          <mc:Fallback xmlns="">
             <p:sp>
               <p:nvSpPr>
                 <p:cNvPr id="44" name="文本框 43">
@@ -18237,10 +18356,6723 @@
 </p:sld>
 </file>
 
+<file path=ppt/slides/slide3.xml><?xml version="1.0" encoding="utf-8"?>
+<p:sld xmlns:a="http://schemas.openxmlformats.org/drawingml/2006/main" xmlns:r="http://schemas.openxmlformats.org/officeDocument/2006/relationships" xmlns:p="http://schemas.openxmlformats.org/presentationml/2006/main">
+  <p:cSld>
+    <p:bg>
+      <p:bgPr>
+        <a:solidFill>
+          <a:schemeClr val="bg1"/>
+        </a:solidFill>
+        <a:effectLst/>
+      </p:bgPr>
+    </p:bg>
+    <p:spTree>
+      <p:nvGrpSpPr>
+        <p:cNvPr id="1" name="">
+          <a:extLst>
+            <a:ext uri="{FF2B5EF4-FFF2-40B4-BE49-F238E27FC236}">
+              <a16:creationId xmlns:a16="http://schemas.microsoft.com/office/drawing/2014/main" id="{60208D76-E553-6CA5-6831-FB7266A95270}"/>
+            </a:ext>
+          </a:extLst>
+        </p:cNvPr>
+        <p:cNvGrpSpPr/>
+        <p:nvPr/>
+      </p:nvGrpSpPr>
+      <p:grpSpPr>
+        <a:xfrm>
+          <a:off x="0" y="0"/>
+          <a:ext cx="0" cy="0"/>
+          <a:chOff x="0" y="0"/>
+          <a:chExt cx="0" cy="0"/>
+        </a:xfrm>
+      </p:grpSpPr>
+      <p:sp>
+        <p:nvSpPr>
+          <p:cNvPr id="8" name="矩形 7">
+            <a:extLst>
+              <a:ext uri="{FF2B5EF4-FFF2-40B4-BE49-F238E27FC236}">
+                <a16:creationId xmlns:a16="http://schemas.microsoft.com/office/drawing/2014/main" id="{D9047FD3-2A3E-C44F-80DF-079993E40B5C}"/>
+              </a:ext>
+            </a:extLst>
+          </p:cNvPr>
+          <p:cNvSpPr/>
+          <p:nvPr/>
+        </p:nvSpPr>
+        <p:spPr>
+          <a:xfrm>
+            <a:off x="4136122" y="4148153"/>
+            <a:ext cx="329453" cy="237866"/>
+          </a:xfrm>
+          <a:prstGeom prst="rect">
+            <a:avLst/>
+          </a:prstGeom>
+          <a:solidFill>
+            <a:schemeClr val="tx2">
+              <a:lumMod val="20000"/>
+              <a:lumOff val="80000"/>
+            </a:schemeClr>
+          </a:solidFill>
+          <a:ln w="9525">
+            <a:noFill/>
+          </a:ln>
+        </p:spPr>
+        <p:style>
+          <a:lnRef idx="2">
+            <a:schemeClr val="accent1">
+              <a:shade val="15000"/>
+            </a:schemeClr>
+          </a:lnRef>
+          <a:fillRef idx="1">
+            <a:schemeClr val="accent1"/>
+          </a:fillRef>
+          <a:effectRef idx="0">
+            <a:schemeClr val="accent1"/>
+          </a:effectRef>
+          <a:fontRef idx="minor">
+            <a:schemeClr val="lt1"/>
+          </a:fontRef>
+        </p:style>
+        <p:txBody>
+          <a:bodyPr rtlCol="0" anchor="ctr"/>
+          <a:lstStyle/>
+          <a:p>
+            <a:pPr algn="ctr"/>
+            <a:endParaRPr kumimoji="1" lang="zh-CN" altLang="en-US"/>
+          </a:p>
+        </p:txBody>
+      </p:sp>
+      <p:sp>
+        <p:nvSpPr>
+          <p:cNvPr id="9" name="矩形 8">
+            <a:extLst>
+              <a:ext uri="{FF2B5EF4-FFF2-40B4-BE49-F238E27FC236}">
+                <a16:creationId xmlns:a16="http://schemas.microsoft.com/office/drawing/2014/main" id="{4E13D43F-A501-19D3-6DF7-4FBC4C2088D2}"/>
+              </a:ext>
+            </a:extLst>
+          </p:cNvPr>
+          <p:cNvSpPr/>
+          <p:nvPr/>
+        </p:nvSpPr>
+        <p:spPr>
+          <a:xfrm>
+            <a:off x="3887345" y="4148153"/>
+            <a:ext cx="248775" cy="237866"/>
+          </a:xfrm>
+          <a:prstGeom prst="rect">
+            <a:avLst/>
+          </a:prstGeom>
+          <a:solidFill>
+            <a:schemeClr val="accent4">
+              <a:lumMod val="20000"/>
+              <a:lumOff val="80000"/>
+            </a:schemeClr>
+          </a:solidFill>
+          <a:ln w="9525">
+            <a:noFill/>
+          </a:ln>
+        </p:spPr>
+        <p:style>
+          <a:lnRef idx="2">
+            <a:schemeClr val="accent1">
+              <a:shade val="15000"/>
+            </a:schemeClr>
+          </a:lnRef>
+          <a:fillRef idx="1">
+            <a:schemeClr val="accent1"/>
+          </a:fillRef>
+          <a:effectRef idx="0">
+            <a:schemeClr val="accent1"/>
+          </a:effectRef>
+          <a:fontRef idx="minor">
+            <a:schemeClr val="lt1"/>
+          </a:fontRef>
+        </p:style>
+        <p:txBody>
+          <a:bodyPr rtlCol="0" anchor="ctr"/>
+          <a:lstStyle/>
+          <a:p>
+            <a:pPr algn="ctr"/>
+            <a:endParaRPr kumimoji="1" lang="zh-CN" altLang="en-US"/>
+          </a:p>
+        </p:txBody>
+      </p:sp>
+      <p:sp>
+        <p:nvSpPr>
+          <p:cNvPr id="12" name="矩形 11">
+            <a:extLst>
+              <a:ext uri="{FF2B5EF4-FFF2-40B4-BE49-F238E27FC236}">
+                <a16:creationId xmlns:a16="http://schemas.microsoft.com/office/drawing/2014/main" id="{29E4AB8E-BA9A-EF49-944C-D4B5424C9656}"/>
+              </a:ext>
+            </a:extLst>
+          </p:cNvPr>
+          <p:cNvSpPr/>
+          <p:nvPr/>
+        </p:nvSpPr>
+        <p:spPr>
+          <a:xfrm>
+            <a:off x="3563691" y="4150613"/>
+            <a:ext cx="205938" cy="237866"/>
+          </a:xfrm>
+          <a:prstGeom prst="rect">
+            <a:avLst/>
+          </a:prstGeom>
+          <a:solidFill>
+            <a:schemeClr val="accent4">
+              <a:lumMod val="20000"/>
+              <a:lumOff val="80000"/>
+            </a:schemeClr>
+          </a:solidFill>
+          <a:ln w="9525">
+            <a:noFill/>
+          </a:ln>
+        </p:spPr>
+        <p:style>
+          <a:lnRef idx="2">
+            <a:schemeClr val="accent1">
+              <a:shade val="15000"/>
+            </a:schemeClr>
+          </a:lnRef>
+          <a:fillRef idx="1">
+            <a:schemeClr val="accent1"/>
+          </a:fillRef>
+          <a:effectRef idx="0">
+            <a:schemeClr val="accent1"/>
+          </a:effectRef>
+          <a:fontRef idx="minor">
+            <a:schemeClr val="lt1"/>
+          </a:fontRef>
+        </p:style>
+        <p:txBody>
+          <a:bodyPr rtlCol="0" anchor="ctr"/>
+          <a:lstStyle/>
+          <a:p>
+            <a:pPr algn="ctr"/>
+            <a:endParaRPr kumimoji="1" lang="zh-CN" altLang="en-US"/>
+          </a:p>
+        </p:txBody>
+      </p:sp>
+      <p:sp>
+        <p:nvSpPr>
+          <p:cNvPr id="2" name="矩形 1">
+            <a:extLst>
+              <a:ext uri="{FF2B5EF4-FFF2-40B4-BE49-F238E27FC236}">
+                <a16:creationId xmlns:a16="http://schemas.microsoft.com/office/drawing/2014/main" id="{FB2D6CC1-418D-7A95-4D80-28B8F886D900}"/>
+              </a:ext>
+            </a:extLst>
+          </p:cNvPr>
+          <p:cNvSpPr/>
+          <p:nvPr/>
+        </p:nvSpPr>
+        <p:spPr>
+          <a:xfrm>
+            <a:off x="1147225" y="4156862"/>
+            <a:ext cx="2420698" cy="242430"/>
+          </a:xfrm>
+          <a:prstGeom prst="rect">
+            <a:avLst/>
+          </a:prstGeom>
+          <a:solidFill>
+            <a:schemeClr val="bg1">
+              <a:lumMod val="95000"/>
+            </a:schemeClr>
+          </a:solidFill>
+          <a:ln w="9525">
+            <a:noFill/>
+          </a:ln>
+        </p:spPr>
+        <p:style>
+          <a:lnRef idx="2">
+            <a:schemeClr val="accent1">
+              <a:shade val="15000"/>
+            </a:schemeClr>
+          </a:lnRef>
+          <a:fillRef idx="1">
+            <a:schemeClr val="accent1"/>
+          </a:fillRef>
+          <a:effectRef idx="0">
+            <a:schemeClr val="accent1"/>
+          </a:effectRef>
+          <a:fontRef idx="minor">
+            <a:schemeClr val="lt1"/>
+          </a:fontRef>
+        </p:style>
+        <p:txBody>
+          <a:bodyPr rtlCol="0" anchor="ctr"/>
+          <a:lstStyle/>
+          <a:p>
+            <a:pPr algn="ctr"/>
+            <a:endParaRPr kumimoji="1" lang="zh-CN" altLang="en-US"/>
+          </a:p>
+        </p:txBody>
+      </p:sp>
+      <p:grpSp>
+        <p:nvGrpSpPr>
+          <p:cNvPr id="84" name="组合 83">
+            <a:extLst>
+              <a:ext uri="{FF2B5EF4-FFF2-40B4-BE49-F238E27FC236}">
+                <a16:creationId xmlns:a16="http://schemas.microsoft.com/office/drawing/2014/main" id="{3A6358B4-3FC2-8D21-A417-9C43DA6E259E}"/>
+              </a:ext>
+            </a:extLst>
+          </p:cNvPr>
+          <p:cNvGrpSpPr/>
+          <p:nvPr/>
+        </p:nvGrpSpPr>
+        <p:grpSpPr>
+          <a:xfrm>
+            <a:off x="3252378" y="2829663"/>
+            <a:ext cx="731980" cy="365760"/>
+            <a:chOff x="3252378" y="2829663"/>
+            <a:chExt cx="731980" cy="365760"/>
+          </a:xfrm>
+        </p:grpSpPr>
+        <mc:AlternateContent xmlns:mc="http://schemas.openxmlformats.org/markup-compatibility/2006" xmlns:a14="http://schemas.microsoft.com/office/drawing/2010/main">
+          <mc:Choice Requires="a14">
+            <p:sp>
+              <p:nvSpPr>
+                <p:cNvPr id="61" name="矩形 60">
+                  <a:extLst>
+                    <a:ext uri="{FF2B5EF4-FFF2-40B4-BE49-F238E27FC236}">
+                      <a16:creationId xmlns:a16="http://schemas.microsoft.com/office/drawing/2014/main" id="{5BA57B02-098D-03E9-A5B6-B0DF4C6DD2DE}"/>
+                    </a:ext>
+                  </a:extLst>
+                </p:cNvPr>
+                <p:cNvSpPr/>
+                <p:nvPr/>
+              </p:nvSpPr>
+              <p:spPr>
+                <a:xfrm>
+                  <a:off x="3252378" y="2829663"/>
+                  <a:ext cx="148045" cy="365760"/>
+                </a:xfrm>
+                <a:prstGeom prst="rect">
+                  <a:avLst/>
+                </a:prstGeom>
+                <a:noFill/>
+                <a:ln>
+                  <a:noFill/>
+                </a:ln>
+              </p:spPr>
+              <p:style>
+                <a:lnRef idx="2">
+                  <a:schemeClr val="accent1">
+                    <a:shade val="15000"/>
+                  </a:schemeClr>
+                </a:lnRef>
+                <a:fillRef idx="1">
+                  <a:schemeClr val="accent1"/>
+                </a:fillRef>
+                <a:effectRef idx="0">
+                  <a:schemeClr val="accent1"/>
+                </a:effectRef>
+                <a:fontRef idx="minor">
+                  <a:schemeClr val="lt1"/>
+                </a:fontRef>
+              </p:style>
+              <p:txBody>
+                <a:bodyPr rtlCol="0" anchor="ctr"/>
+                <a:lstStyle/>
+                <a:p>
+                  <a:pPr algn="ctr"/>
+                  <a14:m>
+                    <m:oMathPara xmlns:m="http://schemas.openxmlformats.org/officeDocument/2006/math">
+                      <m:oMathParaPr>
+                        <m:jc m:val="center"/>
+                      </m:oMathParaPr>
+                      <m:oMath xmlns:m="http://schemas.openxmlformats.org/officeDocument/2006/math">
+                        <m:r>
+                          <a:rPr kumimoji="1" lang="en-US" altLang="zh-CN" b="0" i="1" smtClean="0">
+                            <a:solidFill>
+                              <a:schemeClr val="tx1"/>
+                            </a:solidFill>
+                            <a:latin typeface="Cambria Math" panose="02040503050406030204" pitchFamily="18" charset="0"/>
+                          </a:rPr>
+                          <m:t>1</m:t>
+                        </m:r>
+                      </m:oMath>
+                    </m:oMathPara>
+                  </a14:m>
+                  <a:endParaRPr kumimoji="1" lang="zh-CN" altLang="en-US" dirty="0">
+                    <a:solidFill>
+                      <a:schemeClr val="tx1"/>
+                    </a:solidFill>
+                  </a:endParaRPr>
+                </a:p>
+              </p:txBody>
+            </p:sp>
+          </mc:Choice>
+          <mc:Fallback xmlns="">
+            <p:sp>
+              <p:nvSpPr>
+                <p:cNvPr id="61" name="矩形 60">
+                  <a:extLst>
+                    <a:ext uri="{FF2B5EF4-FFF2-40B4-BE49-F238E27FC236}">
+                      <a16:creationId xmlns:a16="http://schemas.microsoft.com/office/drawing/2014/main" id="{5BA57B02-098D-03E9-A5B6-B0DF4C6DD2DE}"/>
+                    </a:ext>
+                  </a:extLst>
+                </p:cNvPr>
+                <p:cNvSpPr>
+                  <a:spLocks noRot="1" noChangeAspect="1" noMove="1" noResize="1" noEditPoints="1" noAdjustHandles="1" noChangeArrowheads="1" noChangeShapeType="1" noTextEdit="1"/>
+                </p:cNvSpPr>
+                <p:nvPr/>
+              </p:nvSpPr>
+              <p:spPr>
+                <a:xfrm>
+                  <a:off x="3252378" y="2829663"/>
+                  <a:ext cx="148045" cy="365760"/>
+                </a:xfrm>
+                <a:prstGeom prst="rect">
+                  <a:avLst/>
+                </a:prstGeom>
+                <a:blipFill>
+                  <a:blip r:embed="rId3"/>
+                  <a:stretch>
+                    <a:fillRect l="-66667" r="-25000"/>
+                  </a:stretch>
+                </a:blipFill>
+                <a:ln>
+                  <a:noFill/>
+                </a:ln>
+              </p:spPr>
+              <p:txBody>
+                <a:bodyPr/>
+                <a:lstStyle/>
+                <a:p>
+                  <a:r>
+                    <a:rPr lang="zh-CN" altLang="en-US">
+                      <a:noFill/>
+                    </a:rPr>
+                    <a:t> </a:t>
+                  </a:r>
+                </a:p>
+              </p:txBody>
+            </p:sp>
+          </mc:Fallback>
+        </mc:AlternateContent>
+        <mc:AlternateContent xmlns:mc="http://schemas.openxmlformats.org/markup-compatibility/2006" xmlns:a14="http://schemas.microsoft.com/office/drawing/2010/main">
+          <mc:Choice Requires="a14">
+            <p:sp>
+              <p:nvSpPr>
+                <p:cNvPr id="62" name="矩形 61">
+                  <a:extLst>
+                    <a:ext uri="{FF2B5EF4-FFF2-40B4-BE49-F238E27FC236}">
+                      <a16:creationId xmlns:a16="http://schemas.microsoft.com/office/drawing/2014/main" id="{CEB6A4E8-C72F-9784-D6C4-851EDF77F0CF}"/>
+                    </a:ext>
+                  </a:extLst>
+                </p:cNvPr>
+                <p:cNvSpPr/>
+                <p:nvPr/>
+              </p:nvSpPr>
+              <p:spPr>
+                <a:xfrm>
+                  <a:off x="3398362" y="2829663"/>
+                  <a:ext cx="148045" cy="365760"/>
+                </a:xfrm>
+                <a:prstGeom prst="rect">
+                  <a:avLst/>
+                </a:prstGeom>
+                <a:noFill/>
+                <a:ln>
+                  <a:noFill/>
+                </a:ln>
+              </p:spPr>
+              <p:style>
+                <a:lnRef idx="2">
+                  <a:schemeClr val="accent1">
+                    <a:shade val="15000"/>
+                  </a:schemeClr>
+                </a:lnRef>
+                <a:fillRef idx="1">
+                  <a:schemeClr val="accent1"/>
+                </a:fillRef>
+                <a:effectRef idx="0">
+                  <a:schemeClr val="accent1"/>
+                </a:effectRef>
+                <a:fontRef idx="minor">
+                  <a:schemeClr val="lt1"/>
+                </a:fontRef>
+              </p:style>
+              <p:txBody>
+                <a:bodyPr rtlCol="0" anchor="ctr"/>
+                <a:lstStyle/>
+                <a:p>
+                  <a:pPr algn="ctr"/>
+                  <a14:m>
+                    <m:oMathPara xmlns:m="http://schemas.openxmlformats.org/officeDocument/2006/math">
+                      <m:oMathParaPr>
+                        <m:jc m:val="center"/>
+                      </m:oMathParaPr>
+                      <m:oMath xmlns:m="http://schemas.openxmlformats.org/officeDocument/2006/math">
+                        <m:r>
+                          <a:rPr kumimoji="1" lang="en-US" altLang="zh-CN" b="0" i="1" smtClean="0">
+                            <a:solidFill>
+                              <a:schemeClr val="tx1"/>
+                            </a:solidFill>
+                            <a:latin typeface="Cambria Math" panose="02040503050406030204" pitchFamily="18" charset="0"/>
+                          </a:rPr>
+                          <m:t>1</m:t>
+                        </m:r>
+                      </m:oMath>
+                    </m:oMathPara>
+                  </a14:m>
+                  <a:endParaRPr kumimoji="1" lang="zh-CN" altLang="en-US" dirty="0">
+                    <a:solidFill>
+                      <a:schemeClr val="tx1"/>
+                    </a:solidFill>
+                  </a:endParaRPr>
+                </a:p>
+              </p:txBody>
+            </p:sp>
+          </mc:Choice>
+          <mc:Fallback xmlns="">
+            <p:sp>
+              <p:nvSpPr>
+                <p:cNvPr id="62" name="矩形 61">
+                  <a:extLst>
+                    <a:ext uri="{FF2B5EF4-FFF2-40B4-BE49-F238E27FC236}">
+                      <a16:creationId xmlns:a16="http://schemas.microsoft.com/office/drawing/2014/main" id="{CEB6A4E8-C72F-9784-D6C4-851EDF77F0CF}"/>
+                    </a:ext>
+                  </a:extLst>
+                </p:cNvPr>
+                <p:cNvSpPr>
+                  <a:spLocks noRot="1" noChangeAspect="1" noMove="1" noResize="1" noEditPoints="1" noAdjustHandles="1" noChangeArrowheads="1" noChangeShapeType="1" noTextEdit="1"/>
+                </p:cNvSpPr>
+                <p:nvPr/>
+              </p:nvSpPr>
+              <p:spPr>
+                <a:xfrm>
+                  <a:off x="3398362" y="2829663"/>
+                  <a:ext cx="148045" cy="365760"/>
+                </a:xfrm>
+                <a:prstGeom prst="rect">
+                  <a:avLst/>
+                </a:prstGeom>
+                <a:blipFill>
+                  <a:blip r:embed="rId4"/>
+                  <a:stretch>
+                    <a:fillRect l="-61538" r="-23077"/>
+                  </a:stretch>
+                </a:blipFill>
+                <a:ln>
+                  <a:noFill/>
+                </a:ln>
+              </p:spPr>
+              <p:txBody>
+                <a:bodyPr/>
+                <a:lstStyle/>
+                <a:p>
+                  <a:r>
+                    <a:rPr lang="zh-CN" altLang="en-US">
+                      <a:noFill/>
+                    </a:rPr>
+                    <a:t> </a:t>
+                  </a:r>
+                </a:p>
+              </p:txBody>
+            </p:sp>
+          </mc:Fallback>
+        </mc:AlternateContent>
+        <mc:AlternateContent xmlns:mc="http://schemas.openxmlformats.org/markup-compatibility/2006" xmlns:a14="http://schemas.microsoft.com/office/drawing/2010/main">
+          <mc:Choice Requires="a14">
+            <p:sp>
+              <p:nvSpPr>
+                <p:cNvPr id="63" name="矩形 62">
+                  <a:extLst>
+                    <a:ext uri="{FF2B5EF4-FFF2-40B4-BE49-F238E27FC236}">
+                      <a16:creationId xmlns:a16="http://schemas.microsoft.com/office/drawing/2014/main" id="{B01063AC-B52C-85F2-3DA7-FFCEF12212C9}"/>
+                    </a:ext>
+                  </a:extLst>
+                </p:cNvPr>
+                <p:cNvSpPr/>
+                <p:nvPr/>
+              </p:nvSpPr>
+              <p:spPr>
+                <a:xfrm>
+                  <a:off x="3544346" y="2829663"/>
+                  <a:ext cx="148045" cy="365760"/>
+                </a:xfrm>
+                <a:prstGeom prst="rect">
+                  <a:avLst/>
+                </a:prstGeom>
+                <a:noFill/>
+                <a:ln>
+                  <a:noFill/>
+                </a:ln>
+              </p:spPr>
+              <p:style>
+                <a:lnRef idx="2">
+                  <a:schemeClr val="accent1">
+                    <a:shade val="15000"/>
+                  </a:schemeClr>
+                </a:lnRef>
+                <a:fillRef idx="1">
+                  <a:schemeClr val="accent1"/>
+                </a:fillRef>
+                <a:effectRef idx="0">
+                  <a:schemeClr val="accent1"/>
+                </a:effectRef>
+                <a:fontRef idx="minor">
+                  <a:schemeClr val="lt1"/>
+                </a:fontRef>
+              </p:style>
+              <p:txBody>
+                <a:bodyPr rtlCol="0" anchor="ctr"/>
+                <a:lstStyle/>
+                <a:p>
+                  <a:pPr algn="ctr"/>
+                  <a14:m>
+                    <m:oMathPara xmlns:m="http://schemas.openxmlformats.org/officeDocument/2006/math">
+                      <m:oMathParaPr>
+                        <m:jc m:val="center"/>
+                      </m:oMathParaPr>
+                      <m:oMath xmlns:m="http://schemas.openxmlformats.org/officeDocument/2006/math">
+                        <m:r>
+                          <a:rPr kumimoji="1" lang="en-US" altLang="zh-CN" b="0" i="1" smtClean="0">
+                            <a:solidFill>
+                              <a:schemeClr val="tx1"/>
+                            </a:solidFill>
+                            <a:latin typeface="Cambria Math" panose="02040503050406030204" pitchFamily="18" charset="0"/>
+                          </a:rPr>
+                          <m:t>0</m:t>
+                        </m:r>
+                      </m:oMath>
+                    </m:oMathPara>
+                  </a14:m>
+                  <a:endParaRPr kumimoji="1" lang="zh-CN" altLang="en-US" dirty="0">
+                    <a:solidFill>
+                      <a:schemeClr val="tx1"/>
+                    </a:solidFill>
+                  </a:endParaRPr>
+                </a:p>
+              </p:txBody>
+            </p:sp>
+          </mc:Choice>
+          <mc:Fallback xmlns="">
+            <p:sp>
+              <p:nvSpPr>
+                <p:cNvPr id="63" name="矩形 62">
+                  <a:extLst>
+                    <a:ext uri="{FF2B5EF4-FFF2-40B4-BE49-F238E27FC236}">
+                      <a16:creationId xmlns:a16="http://schemas.microsoft.com/office/drawing/2014/main" id="{B01063AC-B52C-85F2-3DA7-FFCEF12212C9}"/>
+                    </a:ext>
+                  </a:extLst>
+                </p:cNvPr>
+                <p:cNvSpPr>
+                  <a:spLocks noRot="1" noChangeAspect="1" noMove="1" noResize="1" noEditPoints="1" noAdjustHandles="1" noChangeArrowheads="1" noChangeShapeType="1" noTextEdit="1"/>
+                </p:cNvSpPr>
+                <p:nvPr/>
+              </p:nvSpPr>
+              <p:spPr>
+                <a:xfrm>
+                  <a:off x="3544346" y="2829663"/>
+                  <a:ext cx="148045" cy="365760"/>
+                </a:xfrm>
+                <a:prstGeom prst="rect">
+                  <a:avLst/>
+                </a:prstGeom>
+                <a:blipFill>
+                  <a:blip r:embed="rId5"/>
+                  <a:stretch>
+                    <a:fillRect l="-53846" r="-23077"/>
+                  </a:stretch>
+                </a:blipFill>
+                <a:ln>
+                  <a:noFill/>
+                </a:ln>
+              </p:spPr>
+              <p:txBody>
+                <a:bodyPr/>
+                <a:lstStyle/>
+                <a:p>
+                  <a:r>
+                    <a:rPr lang="zh-CN" altLang="en-US">
+                      <a:noFill/>
+                    </a:rPr>
+                    <a:t> </a:t>
+                  </a:r>
+                </a:p>
+              </p:txBody>
+            </p:sp>
+          </mc:Fallback>
+        </mc:AlternateContent>
+        <mc:AlternateContent xmlns:mc="http://schemas.openxmlformats.org/markup-compatibility/2006" xmlns:a14="http://schemas.microsoft.com/office/drawing/2010/main">
+          <mc:Choice Requires="a14">
+            <p:sp>
+              <p:nvSpPr>
+                <p:cNvPr id="64" name="矩形 63">
+                  <a:extLst>
+                    <a:ext uri="{FF2B5EF4-FFF2-40B4-BE49-F238E27FC236}">
+                      <a16:creationId xmlns:a16="http://schemas.microsoft.com/office/drawing/2014/main" id="{68D0F7BC-CD33-D718-F098-D3D460A5C7FE}"/>
+                    </a:ext>
+                  </a:extLst>
+                </p:cNvPr>
+                <p:cNvSpPr/>
+                <p:nvPr/>
+              </p:nvSpPr>
+              <p:spPr>
+                <a:xfrm>
+                  <a:off x="3690330" y="2829663"/>
+                  <a:ext cx="148045" cy="365760"/>
+                </a:xfrm>
+                <a:prstGeom prst="rect">
+                  <a:avLst/>
+                </a:prstGeom>
+                <a:noFill/>
+                <a:ln>
+                  <a:noFill/>
+                </a:ln>
+              </p:spPr>
+              <p:style>
+                <a:lnRef idx="2">
+                  <a:schemeClr val="accent1">
+                    <a:shade val="15000"/>
+                  </a:schemeClr>
+                </a:lnRef>
+                <a:fillRef idx="1">
+                  <a:schemeClr val="accent1"/>
+                </a:fillRef>
+                <a:effectRef idx="0">
+                  <a:schemeClr val="accent1"/>
+                </a:effectRef>
+                <a:fontRef idx="minor">
+                  <a:schemeClr val="lt1"/>
+                </a:fontRef>
+              </p:style>
+              <p:txBody>
+                <a:bodyPr rtlCol="0" anchor="ctr"/>
+                <a:lstStyle/>
+                <a:p>
+                  <a:pPr algn="ctr"/>
+                  <a14:m>
+                    <m:oMathPara xmlns:m="http://schemas.openxmlformats.org/officeDocument/2006/math">
+                      <m:oMathParaPr>
+                        <m:jc m:val="center"/>
+                      </m:oMathParaPr>
+                      <m:oMath xmlns:m="http://schemas.openxmlformats.org/officeDocument/2006/math">
+                        <m:r>
+                          <a:rPr kumimoji="1" lang="en-US" altLang="zh-CN" b="0" i="1" smtClean="0">
+                            <a:solidFill>
+                              <a:schemeClr val="tx1"/>
+                            </a:solidFill>
+                            <a:latin typeface="Cambria Math" panose="02040503050406030204" pitchFamily="18" charset="0"/>
+                          </a:rPr>
+                          <m:t>0</m:t>
+                        </m:r>
+                      </m:oMath>
+                    </m:oMathPara>
+                  </a14:m>
+                  <a:endParaRPr kumimoji="1" lang="zh-CN" altLang="en-US" dirty="0">
+                    <a:solidFill>
+                      <a:schemeClr val="tx1"/>
+                    </a:solidFill>
+                  </a:endParaRPr>
+                </a:p>
+              </p:txBody>
+            </p:sp>
+          </mc:Choice>
+          <mc:Fallback xmlns="">
+            <p:sp>
+              <p:nvSpPr>
+                <p:cNvPr id="64" name="矩形 63">
+                  <a:extLst>
+                    <a:ext uri="{FF2B5EF4-FFF2-40B4-BE49-F238E27FC236}">
+                      <a16:creationId xmlns:a16="http://schemas.microsoft.com/office/drawing/2014/main" id="{68D0F7BC-CD33-D718-F098-D3D460A5C7FE}"/>
+                    </a:ext>
+                  </a:extLst>
+                </p:cNvPr>
+                <p:cNvSpPr>
+                  <a:spLocks noRot="1" noChangeAspect="1" noMove="1" noResize="1" noEditPoints="1" noAdjustHandles="1" noChangeArrowheads="1" noChangeShapeType="1" noTextEdit="1"/>
+                </p:cNvSpPr>
+                <p:nvPr/>
+              </p:nvSpPr>
+              <p:spPr>
+                <a:xfrm>
+                  <a:off x="3690330" y="2829663"/>
+                  <a:ext cx="148045" cy="365760"/>
+                </a:xfrm>
+                <a:prstGeom prst="rect">
+                  <a:avLst/>
+                </a:prstGeom>
+                <a:blipFill>
+                  <a:blip r:embed="rId6"/>
+                  <a:stretch>
+                    <a:fillRect l="-61538" r="-23077"/>
+                  </a:stretch>
+                </a:blipFill>
+                <a:ln>
+                  <a:noFill/>
+                </a:ln>
+              </p:spPr>
+              <p:txBody>
+                <a:bodyPr/>
+                <a:lstStyle/>
+                <a:p>
+                  <a:r>
+                    <a:rPr lang="zh-CN" altLang="en-US">
+                      <a:noFill/>
+                    </a:rPr>
+                    <a:t> </a:t>
+                  </a:r>
+                </a:p>
+              </p:txBody>
+            </p:sp>
+          </mc:Fallback>
+        </mc:AlternateContent>
+        <mc:AlternateContent xmlns:mc="http://schemas.openxmlformats.org/markup-compatibility/2006" xmlns:a14="http://schemas.microsoft.com/office/drawing/2010/main">
+          <mc:Choice Requires="a14">
+            <p:sp>
+              <p:nvSpPr>
+                <p:cNvPr id="65" name="矩形 64">
+                  <a:extLst>
+                    <a:ext uri="{FF2B5EF4-FFF2-40B4-BE49-F238E27FC236}">
+                      <a16:creationId xmlns:a16="http://schemas.microsoft.com/office/drawing/2014/main" id="{2A3A3D70-5401-BFE0-8D55-D602C315A3A9}"/>
+                    </a:ext>
+                  </a:extLst>
+                </p:cNvPr>
+                <p:cNvSpPr/>
+                <p:nvPr/>
+              </p:nvSpPr>
+              <p:spPr>
+                <a:xfrm>
+                  <a:off x="3836313" y="2829663"/>
+                  <a:ext cx="148045" cy="365760"/>
+                </a:xfrm>
+                <a:prstGeom prst="rect">
+                  <a:avLst/>
+                </a:prstGeom>
+                <a:noFill/>
+                <a:ln>
+                  <a:noFill/>
+                </a:ln>
+              </p:spPr>
+              <p:style>
+                <a:lnRef idx="2">
+                  <a:schemeClr val="accent1">
+                    <a:shade val="15000"/>
+                  </a:schemeClr>
+                </a:lnRef>
+                <a:fillRef idx="1">
+                  <a:schemeClr val="accent1"/>
+                </a:fillRef>
+                <a:effectRef idx="0">
+                  <a:schemeClr val="accent1"/>
+                </a:effectRef>
+                <a:fontRef idx="minor">
+                  <a:schemeClr val="lt1"/>
+                </a:fontRef>
+              </p:style>
+              <p:txBody>
+                <a:bodyPr rtlCol="0" anchor="ctr"/>
+                <a:lstStyle/>
+                <a:p>
+                  <a:pPr algn="ctr"/>
+                  <a14:m>
+                    <m:oMathPara xmlns:m="http://schemas.openxmlformats.org/officeDocument/2006/math">
+                      <m:oMathParaPr>
+                        <m:jc m:val="center"/>
+                      </m:oMathParaPr>
+                      <m:oMath xmlns:m="http://schemas.openxmlformats.org/officeDocument/2006/math">
+                        <m:r>
+                          <a:rPr kumimoji="1" lang="en-US" altLang="zh-CN" b="0" i="1" smtClean="0">
+                            <a:solidFill>
+                              <a:schemeClr val="tx1"/>
+                            </a:solidFill>
+                            <a:latin typeface="Cambria Math" panose="02040503050406030204" pitchFamily="18" charset="0"/>
+                          </a:rPr>
+                          <m:t>0</m:t>
+                        </m:r>
+                      </m:oMath>
+                    </m:oMathPara>
+                  </a14:m>
+                  <a:endParaRPr kumimoji="1" lang="zh-CN" altLang="en-US" dirty="0">
+                    <a:solidFill>
+                      <a:schemeClr val="tx1"/>
+                    </a:solidFill>
+                  </a:endParaRPr>
+                </a:p>
+              </p:txBody>
+            </p:sp>
+          </mc:Choice>
+          <mc:Fallback xmlns="">
+            <p:sp>
+              <p:nvSpPr>
+                <p:cNvPr id="65" name="矩形 64">
+                  <a:extLst>
+                    <a:ext uri="{FF2B5EF4-FFF2-40B4-BE49-F238E27FC236}">
+                      <a16:creationId xmlns:a16="http://schemas.microsoft.com/office/drawing/2014/main" id="{2A3A3D70-5401-BFE0-8D55-D602C315A3A9}"/>
+                    </a:ext>
+                  </a:extLst>
+                </p:cNvPr>
+                <p:cNvSpPr>
+                  <a:spLocks noRot="1" noChangeAspect="1" noMove="1" noResize="1" noEditPoints="1" noAdjustHandles="1" noChangeArrowheads="1" noChangeShapeType="1" noTextEdit="1"/>
+                </p:cNvSpPr>
+                <p:nvPr/>
+              </p:nvSpPr>
+              <p:spPr>
+                <a:xfrm>
+                  <a:off x="3836313" y="2829663"/>
+                  <a:ext cx="148045" cy="365760"/>
+                </a:xfrm>
+                <a:prstGeom prst="rect">
+                  <a:avLst/>
+                </a:prstGeom>
+                <a:blipFill>
+                  <a:blip r:embed="rId5"/>
+                  <a:stretch>
+                    <a:fillRect l="-53846" r="-23077"/>
+                  </a:stretch>
+                </a:blipFill>
+                <a:ln>
+                  <a:noFill/>
+                </a:ln>
+              </p:spPr>
+              <p:txBody>
+                <a:bodyPr/>
+                <a:lstStyle/>
+                <a:p>
+                  <a:r>
+                    <a:rPr lang="zh-CN" altLang="en-US">
+                      <a:noFill/>
+                    </a:rPr>
+                    <a:t> </a:t>
+                  </a:r>
+                </a:p>
+              </p:txBody>
+            </p:sp>
+          </mc:Fallback>
+        </mc:AlternateContent>
+        <p:cxnSp>
+          <p:nvCxnSpPr>
+            <p:cNvPr id="67" name="直线箭头连接符 66">
+              <a:extLst>
+                <a:ext uri="{FF2B5EF4-FFF2-40B4-BE49-F238E27FC236}">
+                  <a16:creationId xmlns:a16="http://schemas.microsoft.com/office/drawing/2014/main" id="{5119A9DA-A2AE-CD71-D59F-CDD2E7ABDE33}"/>
+                </a:ext>
+              </a:extLst>
+            </p:cNvPr>
+            <p:cNvCxnSpPr>
+              <a:cxnSpLocks/>
+            </p:cNvCxnSpPr>
+            <p:nvPr/>
+          </p:nvCxnSpPr>
+          <p:spPr>
+            <a:xfrm flipH="1">
+              <a:off x="3524238" y="3173883"/>
+              <a:ext cx="380244" cy="0"/>
+            </a:xfrm>
+            <a:prstGeom prst="straightConnector1">
+              <a:avLst/>
+            </a:prstGeom>
+            <a:ln w="9525">
+              <a:solidFill>
+                <a:schemeClr val="tx1"/>
+              </a:solidFill>
+              <a:headEnd type="triangle" w="sm" len="med"/>
+              <a:tailEnd type="triangle" w="sm" len="med"/>
+            </a:ln>
+          </p:spPr>
+          <p:style>
+            <a:lnRef idx="2">
+              <a:schemeClr val="accent1"/>
+            </a:lnRef>
+            <a:fillRef idx="0">
+              <a:schemeClr val="accent1"/>
+            </a:fillRef>
+            <a:effectRef idx="1">
+              <a:schemeClr val="accent1"/>
+            </a:effectRef>
+            <a:fontRef idx="minor">
+              <a:schemeClr val="tx1"/>
+            </a:fontRef>
+          </p:style>
+        </p:cxnSp>
+      </p:grpSp>
+      <p:sp>
+        <p:nvSpPr>
+          <p:cNvPr id="68" name="文本框 67">
+            <a:extLst>
+              <a:ext uri="{FF2B5EF4-FFF2-40B4-BE49-F238E27FC236}">
+                <a16:creationId xmlns:a16="http://schemas.microsoft.com/office/drawing/2014/main" id="{EB565F7C-7980-F537-BC9F-2E130941FD01}"/>
+              </a:ext>
+            </a:extLst>
+          </p:cNvPr>
+          <p:cNvSpPr txBox="1"/>
+          <p:nvPr/>
+        </p:nvSpPr>
+        <p:spPr>
+          <a:xfrm>
+            <a:off x="3381517" y="3146300"/>
+            <a:ext cx="778369" cy="338554"/>
+          </a:xfrm>
+          <a:prstGeom prst="rect">
+            <a:avLst/>
+          </a:prstGeom>
+          <a:noFill/>
+        </p:spPr>
+        <p:txBody>
+          <a:bodyPr wrap="square" rtlCol="0">
+            <a:spAutoFit/>
+          </a:bodyPr>
+          <a:lstStyle/>
+          <a:p>
+            <a:r>
+              <a:rPr kumimoji="1" lang="en-US" altLang="zh-CN" sz="1600" dirty="0" err="1">
+                <a:latin typeface="Calibri" panose="020F0502020204030204" pitchFamily="34" charset="0"/>
+                <a:cs typeface="Calibri" panose="020F0502020204030204" pitchFamily="34" charset="0"/>
+              </a:rPr>
+              <a:t>MBase</a:t>
+            </a:r>
+            <a:endParaRPr kumimoji="1" lang="zh-CN" altLang="en-US" sz="1600" dirty="0">
+              <a:latin typeface="Calibri" panose="020F0502020204030204" pitchFamily="34" charset="0"/>
+              <a:cs typeface="Calibri" panose="020F0502020204030204" pitchFamily="34" charset="0"/>
+            </a:endParaRPr>
+          </a:p>
+        </p:txBody>
+      </p:sp>
+      <p:sp>
+        <p:nvSpPr>
+          <p:cNvPr id="69" name="文本框 68">
+            <a:extLst>
+              <a:ext uri="{FF2B5EF4-FFF2-40B4-BE49-F238E27FC236}">
+                <a16:creationId xmlns:a16="http://schemas.microsoft.com/office/drawing/2014/main" id="{E2A2DFB6-EDB8-5C2B-8E88-80858928FA9F}"/>
+              </a:ext>
+            </a:extLst>
+          </p:cNvPr>
+          <p:cNvSpPr txBox="1"/>
+          <p:nvPr/>
+        </p:nvSpPr>
+        <p:spPr>
+          <a:xfrm>
+            <a:off x="1036372" y="2599152"/>
+            <a:ext cx="1130115" cy="338554"/>
+          </a:xfrm>
+          <a:prstGeom prst="rect">
+            <a:avLst/>
+          </a:prstGeom>
+          <a:noFill/>
+        </p:spPr>
+        <p:txBody>
+          <a:bodyPr wrap="square" rtlCol="0">
+            <a:spAutoFit/>
+          </a:bodyPr>
+          <a:lstStyle/>
+          <a:p>
+            <a:r>
+              <a:rPr kumimoji="1" lang="en-US" altLang="zh-CN" sz="1600" dirty="0" err="1">
+                <a:solidFill>
+                  <a:schemeClr val="tx2">
+                    <a:lumMod val="75000"/>
+                    <a:lumOff val="25000"/>
+                  </a:schemeClr>
+                </a:solidFill>
+                <a:latin typeface="Calibri" panose="020F0502020204030204" pitchFamily="34" charset="0"/>
+                <a:cs typeface="Calibri" panose="020F0502020204030204" pitchFamily="34" charset="0"/>
+              </a:rPr>
+              <a:t>yyy</a:t>
+            </a:r>
+            <a:r>
+              <a:rPr kumimoji="1" lang="zh-CN" altLang="en-US" sz="1600" dirty="0">
+                <a:solidFill>
+                  <a:schemeClr val="tx2">
+                    <a:lumMod val="75000"/>
+                    <a:lumOff val="25000"/>
+                  </a:schemeClr>
+                </a:solidFill>
+                <a:latin typeface="Calibri" panose="020F0502020204030204" pitchFamily="34" charset="0"/>
+                <a:cs typeface="Calibri" panose="020F0502020204030204" pitchFamily="34" charset="0"/>
+              </a:rPr>
+              <a:t> </a:t>
+            </a:r>
+            <a:r>
+              <a:rPr kumimoji="1" lang="en-US" altLang="zh-CN" sz="1600" dirty="0">
+                <a:solidFill>
+                  <a:schemeClr val="tx2">
+                    <a:lumMod val="75000"/>
+                    <a:lumOff val="25000"/>
+                  </a:schemeClr>
+                </a:solidFill>
+                <a:latin typeface="Calibri" panose="020F0502020204030204" pitchFamily="34" charset="0"/>
+                <a:cs typeface="Calibri" panose="020F0502020204030204" pitchFamily="34" charset="0"/>
+              </a:rPr>
+              <a:t>mask</a:t>
+            </a:r>
+            <a:endParaRPr kumimoji="1" lang="zh-CN" altLang="en-US" sz="1600" dirty="0">
+              <a:solidFill>
+                <a:schemeClr val="tx2">
+                  <a:lumMod val="75000"/>
+                  <a:lumOff val="25000"/>
+                </a:schemeClr>
+              </a:solidFill>
+              <a:latin typeface="Calibri" panose="020F0502020204030204" pitchFamily="34" charset="0"/>
+              <a:cs typeface="Calibri" panose="020F0502020204030204" pitchFamily="34" charset="0"/>
+            </a:endParaRPr>
+          </a:p>
+        </p:txBody>
+      </p:sp>
+      <p:sp>
+        <p:nvSpPr>
+          <p:cNvPr id="70" name="文本框 69">
+            <a:extLst>
+              <a:ext uri="{FF2B5EF4-FFF2-40B4-BE49-F238E27FC236}">
+                <a16:creationId xmlns:a16="http://schemas.microsoft.com/office/drawing/2014/main" id="{2E595CAD-8072-0F90-5C85-C696EA4DB61B}"/>
+              </a:ext>
+            </a:extLst>
+          </p:cNvPr>
+          <p:cNvSpPr txBox="1"/>
+          <p:nvPr/>
+        </p:nvSpPr>
+        <p:spPr>
+          <a:xfrm>
+            <a:off x="1060662" y="2843266"/>
+            <a:ext cx="1081535" cy="338554"/>
+          </a:xfrm>
+          <a:prstGeom prst="rect">
+            <a:avLst/>
+          </a:prstGeom>
+          <a:noFill/>
+        </p:spPr>
+        <p:txBody>
+          <a:bodyPr wrap="square" rtlCol="0">
+            <a:spAutoFit/>
+          </a:bodyPr>
+          <a:lstStyle/>
+          <a:p>
+            <a:r>
+              <a:rPr kumimoji="1" lang="en-US" altLang="zh-CN" sz="1600" dirty="0">
+                <a:solidFill>
+                  <a:schemeClr val="tx2">
+                    <a:lumMod val="75000"/>
+                    <a:lumOff val="25000"/>
+                  </a:schemeClr>
+                </a:solidFill>
+                <a:latin typeface="Calibri" panose="020F0502020204030204" pitchFamily="34" charset="0"/>
+                <a:cs typeface="Calibri" panose="020F0502020204030204" pitchFamily="34" charset="0"/>
+              </a:rPr>
+              <a:t>zzz</a:t>
+            </a:r>
+            <a:r>
+              <a:rPr kumimoji="1" lang="zh-CN" altLang="en-US" sz="1600" dirty="0">
+                <a:solidFill>
+                  <a:schemeClr val="tx2">
+                    <a:lumMod val="75000"/>
+                    <a:lumOff val="25000"/>
+                  </a:schemeClr>
+                </a:solidFill>
+                <a:latin typeface="Calibri" panose="020F0502020204030204" pitchFamily="34" charset="0"/>
+                <a:cs typeface="Calibri" panose="020F0502020204030204" pitchFamily="34" charset="0"/>
+              </a:rPr>
+              <a:t> </a:t>
+            </a:r>
+            <a:r>
+              <a:rPr kumimoji="1" lang="en-US" altLang="zh-CN" sz="1600" dirty="0">
+                <a:solidFill>
+                  <a:schemeClr val="tx2">
+                    <a:lumMod val="75000"/>
+                    <a:lumOff val="25000"/>
+                  </a:schemeClr>
+                </a:solidFill>
+                <a:latin typeface="Calibri" panose="020F0502020204030204" pitchFamily="34" charset="0"/>
+                <a:cs typeface="Calibri" panose="020F0502020204030204" pitchFamily="34" charset="0"/>
+              </a:rPr>
+              <a:t>mask</a:t>
+            </a:r>
+            <a:endParaRPr kumimoji="1" lang="zh-CN" altLang="en-US" sz="1600" dirty="0">
+              <a:solidFill>
+                <a:schemeClr val="tx2">
+                  <a:lumMod val="75000"/>
+                  <a:lumOff val="25000"/>
+                </a:schemeClr>
+              </a:solidFill>
+              <a:latin typeface="Calibri" panose="020F0502020204030204" pitchFamily="34" charset="0"/>
+              <a:cs typeface="Calibri" panose="020F0502020204030204" pitchFamily="34" charset="0"/>
+            </a:endParaRPr>
+          </a:p>
+        </p:txBody>
+      </p:sp>
+      <p:grpSp>
+        <p:nvGrpSpPr>
+          <p:cNvPr id="39" name="组合 38">
+            <a:extLst>
+              <a:ext uri="{FF2B5EF4-FFF2-40B4-BE49-F238E27FC236}">
+                <a16:creationId xmlns:a16="http://schemas.microsoft.com/office/drawing/2014/main" id="{0D356421-4867-5C41-E2A2-B16000F6F905}"/>
+              </a:ext>
+            </a:extLst>
+          </p:cNvPr>
+          <p:cNvGrpSpPr/>
+          <p:nvPr/>
+        </p:nvGrpSpPr>
+        <p:grpSpPr>
+          <a:xfrm>
+            <a:off x="2816624" y="2585549"/>
+            <a:ext cx="1167454" cy="365760"/>
+            <a:chOff x="3252378" y="2567694"/>
+            <a:chExt cx="1167454" cy="365760"/>
+          </a:xfrm>
+        </p:grpSpPr>
+        <mc:AlternateContent xmlns:mc="http://schemas.openxmlformats.org/markup-compatibility/2006" xmlns:a14="http://schemas.microsoft.com/office/drawing/2010/main">
+          <mc:Choice Requires="a14">
+            <p:sp>
+              <p:nvSpPr>
+                <p:cNvPr id="26" name="矩形 25">
+                  <a:extLst>
+                    <a:ext uri="{FF2B5EF4-FFF2-40B4-BE49-F238E27FC236}">
+                      <a16:creationId xmlns:a16="http://schemas.microsoft.com/office/drawing/2014/main" id="{4F83CAA3-97C4-E763-B980-42A76DEDB361}"/>
+                    </a:ext>
+                  </a:extLst>
+                </p:cNvPr>
+                <p:cNvSpPr/>
+                <p:nvPr/>
+              </p:nvSpPr>
+              <p:spPr>
+                <a:xfrm>
+                  <a:off x="3252378" y="2567694"/>
+                  <a:ext cx="148045" cy="365760"/>
+                </a:xfrm>
+                <a:prstGeom prst="rect">
+                  <a:avLst/>
+                </a:prstGeom>
+                <a:noFill/>
+                <a:ln>
+                  <a:noFill/>
+                </a:ln>
+              </p:spPr>
+              <p:style>
+                <a:lnRef idx="2">
+                  <a:schemeClr val="accent1">
+                    <a:shade val="15000"/>
+                  </a:schemeClr>
+                </a:lnRef>
+                <a:fillRef idx="1">
+                  <a:schemeClr val="accent1"/>
+                </a:fillRef>
+                <a:effectRef idx="0">
+                  <a:schemeClr val="accent1"/>
+                </a:effectRef>
+                <a:fontRef idx="minor">
+                  <a:schemeClr val="lt1"/>
+                </a:fontRef>
+              </p:style>
+              <p:txBody>
+                <a:bodyPr rtlCol="0" anchor="ctr"/>
+                <a:lstStyle/>
+                <a:p>
+                  <a:pPr algn="ctr"/>
+                  <a14:m>
+                    <m:oMathPara xmlns:m="http://schemas.openxmlformats.org/officeDocument/2006/math">
+                      <m:oMathParaPr>
+                        <m:jc m:val="center"/>
+                      </m:oMathParaPr>
+                      <m:oMath xmlns:m="http://schemas.openxmlformats.org/officeDocument/2006/math">
+                        <m:r>
+                          <a:rPr kumimoji="1" lang="en-US" altLang="zh-CN" b="0" i="1" smtClean="0">
+                            <a:solidFill>
+                              <a:schemeClr val="tx1"/>
+                            </a:solidFill>
+                            <a:latin typeface="Cambria Math" panose="02040503050406030204" pitchFamily="18" charset="0"/>
+                          </a:rPr>
+                          <m:t>1</m:t>
+                        </m:r>
+                      </m:oMath>
+                    </m:oMathPara>
+                  </a14:m>
+                  <a:endParaRPr kumimoji="1" lang="zh-CN" altLang="en-US" dirty="0">
+                    <a:solidFill>
+                      <a:schemeClr val="tx1"/>
+                    </a:solidFill>
+                  </a:endParaRPr>
+                </a:p>
+              </p:txBody>
+            </p:sp>
+          </mc:Choice>
+          <mc:Fallback xmlns="">
+            <p:sp>
+              <p:nvSpPr>
+                <p:cNvPr id="26" name="矩形 25">
+                  <a:extLst>
+                    <a:ext uri="{FF2B5EF4-FFF2-40B4-BE49-F238E27FC236}">
+                      <a16:creationId xmlns:a16="http://schemas.microsoft.com/office/drawing/2014/main" id="{4F83CAA3-97C4-E763-B980-42A76DEDB361}"/>
+                    </a:ext>
+                  </a:extLst>
+                </p:cNvPr>
+                <p:cNvSpPr>
+                  <a:spLocks noRot="1" noChangeAspect="1" noMove="1" noResize="1" noEditPoints="1" noAdjustHandles="1" noChangeArrowheads="1" noChangeShapeType="1" noTextEdit="1"/>
+                </p:cNvSpPr>
+                <p:nvPr/>
+              </p:nvSpPr>
+              <p:spPr>
+                <a:xfrm>
+                  <a:off x="3252378" y="2567694"/>
+                  <a:ext cx="148045" cy="365760"/>
+                </a:xfrm>
+                <a:prstGeom prst="rect">
+                  <a:avLst/>
+                </a:prstGeom>
+                <a:blipFill>
+                  <a:blip r:embed="rId7"/>
+                  <a:stretch>
+                    <a:fillRect l="-53846" r="-23077"/>
+                  </a:stretch>
+                </a:blipFill>
+                <a:ln>
+                  <a:noFill/>
+                </a:ln>
+              </p:spPr>
+              <p:txBody>
+                <a:bodyPr/>
+                <a:lstStyle/>
+                <a:p>
+                  <a:r>
+                    <a:rPr lang="zh-CN" altLang="en-US">
+                      <a:noFill/>
+                    </a:rPr>
+                    <a:t> </a:t>
+                  </a:r>
+                </a:p>
+              </p:txBody>
+            </p:sp>
+          </mc:Fallback>
+        </mc:AlternateContent>
+        <mc:AlternateContent xmlns:mc="http://schemas.openxmlformats.org/markup-compatibility/2006" xmlns:a14="http://schemas.microsoft.com/office/drawing/2010/main">
+          <mc:Choice Requires="a14">
+            <p:sp>
+              <p:nvSpPr>
+                <p:cNvPr id="27" name="矩形 26">
+                  <a:extLst>
+                    <a:ext uri="{FF2B5EF4-FFF2-40B4-BE49-F238E27FC236}">
+                      <a16:creationId xmlns:a16="http://schemas.microsoft.com/office/drawing/2014/main" id="{340FABA0-0279-122F-C491-4C3D4E401495}"/>
+                    </a:ext>
+                  </a:extLst>
+                </p:cNvPr>
+                <p:cNvSpPr/>
+                <p:nvPr/>
+              </p:nvSpPr>
+              <p:spPr>
+                <a:xfrm>
+                  <a:off x="3398362" y="2567694"/>
+                  <a:ext cx="148045" cy="365760"/>
+                </a:xfrm>
+                <a:prstGeom prst="rect">
+                  <a:avLst/>
+                </a:prstGeom>
+                <a:noFill/>
+                <a:ln>
+                  <a:noFill/>
+                </a:ln>
+              </p:spPr>
+              <p:style>
+                <a:lnRef idx="2">
+                  <a:schemeClr val="accent1">
+                    <a:shade val="15000"/>
+                  </a:schemeClr>
+                </a:lnRef>
+                <a:fillRef idx="1">
+                  <a:schemeClr val="accent1"/>
+                </a:fillRef>
+                <a:effectRef idx="0">
+                  <a:schemeClr val="accent1"/>
+                </a:effectRef>
+                <a:fontRef idx="minor">
+                  <a:schemeClr val="lt1"/>
+                </a:fontRef>
+              </p:style>
+              <p:txBody>
+                <a:bodyPr rtlCol="0" anchor="ctr"/>
+                <a:lstStyle/>
+                <a:p>
+                  <a:pPr algn="ctr"/>
+                  <a14:m>
+                    <m:oMathPara xmlns:m="http://schemas.openxmlformats.org/officeDocument/2006/math">
+                      <m:oMathParaPr>
+                        <m:jc m:val="center"/>
+                      </m:oMathParaPr>
+                      <m:oMath xmlns:m="http://schemas.openxmlformats.org/officeDocument/2006/math">
+                        <m:r>
+                          <a:rPr kumimoji="1" lang="en-US" altLang="zh-CN" b="0" i="1" smtClean="0">
+                            <a:solidFill>
+                              <a:schemeClr val="tx1"/>
+                            </a:solidFill>
+                            <a:latin typeface="Cambria Math" panose="02040503050406030204" pitchFamily="18" charset="0"/>
+                          </a:rPr>
+                          <m:t>1</m:t>
+                        </m:r>
+                      </m:oMath>
+                    </m:oMathPara>
+                  </a14:m>
+                  <a:endParaRPr kumimoji="1" lang="zh-CN" altLang="en-US" dirty="0">
+                    <a:solidFill>
+                      <a:schemeClr val="tx1"/>
+                    </a:solidFill>
+                  </a:endParaRPr>
+                </a:p>
+              </p:txBody>
+            </p:sp>
+          </mc:Choice>
+          <mc:Fallback xmlns="">
+            <p:sp>
+              <p:nvSpPr>
+                <p:cNvPr id="27" name="矩形 26">
+                  <a:extLst>
+                    <a:ext uri="{FF2B5EF4-FFF2-40B4-BE49-F238E27FC236}">
+                      <a16:creationId xmlns:a16="http://schemas.microsoft.com/office/drawing/2014/main" id="{340FABA0-0279-122F-C491-4C3D4E401495}"/>
+                    </a:ext>
+                  </a:extLst>
+                </p:cNvPr>
+                <p:cNvSpPr>
+                  <a:spLocks noRot="1" noChangeAspect="1" noMove="1" noResize="1" noEditPoints="1" noAdjustHandles="1" noChangeArrowheads="1" noChangeShapeType="1" noTextEdit="1"/>
+                </p:cNvSpPr>
+                <p:nvPr/>
+              </p:nvSpPr>
+              <p:spPr>
+                <a:xfrm>
+                  <a:off x="3398362" y="2567694"/>
+                  <a:ext cx="148045" cy="365760"/>
+                </a:xfrm>
+                <a:prstGeom prst="rect">
+                  <a:avLst/>
+                </a:prstGeom>
+                <a:blipFill>
+                  <a:blip r:embed="rId8"/>
+                  <a:stretch>
+                    <a:fillRect l="-66667" r="-25000"/>
+                  </a:stretch>
+                </a:blipFill>
+                <a:ln>
+                  <a:noFill/>
+                </a:ln>
+              </p:spPr>
+              <p:txBody>
+                <a:bodyPr/>
+                <a:lstStyle/>
+                <a:p>
+                  <a:r>
+                    <a:rPr lang="zh-CN" altLang="en-US">
+                      <a:noFill/>
+                    </a:rPr>
+                    <a:t> </a:t>
+                  </a:r>
+                </a:p>
+              </p:txBody>
+            </p:sp>
+          </mc:Fallback>
+        </mc:AlternateContent>
+        <mc:AlternateContent xmlns:mc="http://schemas.openxmlformats.org/markup-compatibility/2006" xmlns:a14="http://schemas.microsoft.com/office/drawing/2010/main">
+          <mc:Choice Requires="a14">
+            <p:sp>
+              <p:nvSpPr>
+                <p:cNvPr id="31" name="矩形 30">
+                  <a:extLst>
+                    <a:ext uri="{FF2B5EF4-FFF2-40B4-BE49-F238E27FC236}">
+                      <a16:creationId xmlns:a16="http://schemas.microsoft.com/office/drawing/2014/main" id="{4657F15E-1719-8044-1422-C884DB220A16}"/>
+                    </a:ext>
+                  </a:extLst>
+                </p:cNvPr>
+                <p:cNvSpPr/>
+                <p:nvPr/>
+              </p:nvSpPr>
+              <p:spPr>
+                <a:xfrm>
+                  <a:off x="3544346" y="2567694"/>
+                  <a:ext cx="148045" cy="365760"/>
+                </a:xfrm>
+                <a:prstGeom prst="rect">
+                  <a:avLst/>
+                </a:prstGeom>
+                <a:noFill/>
+                <a:ln>
+                  <a:noFill/>
+                </a:ln>
+              </p:spPr>
+              <p:style>
+                <a:lnRef idx="2">
+                  <a:schemeClr val="accent1">
+                    <a:shade val="15000"/>
+                  </a:schemeClr>
+                </a:lnRef>
+                <a:fillRef idx="1">
+                  <a:schemeClr val="accent1"/>
+                </a:fillRef>
+                <a:effectRef idx="0">
+                  <a:schemeClr val="accent1"/>
+                </a:effectRef>
+                <a:fontRef idx="minor">
+                  <a:schemeClr val="lt1"/>
+                </a:fontRef>
+              </p:style>
+              <p:txBody>
+                <a:bodyPr rtlCol="0" anchor="ctr"/>
+                <a:lstStyle/>
+                <a:p>
+                  <a:pPr algn="ctr"/>
+                  <a14:m>
+                    <m:oMathPara xmlns:m="http://schemas.openxmlformats.org/officeDocument/2006/math">
+                      <m:oMathParaPr>
+                        <m:jc m:val="center"/>
+                      </m:oMathParaPr>
+                      <m:oMath xmlns:m="http://schemas.openxmlformats.org/officeDocument/2006/math">
+                        <m:r>
+                          <a:rPr kumimoji="1" lang="en-US" altLang="zh-CN" b="0" i="1" smtClean="0">
+                            <a:solidFill>
+                              <a:schemeClr val="tx1"/>
+                            </a:solidFill>
+                            <a:latin typeface="Cambria Math" panose="02040503050406030204" pitchFamily="18" charset="0"/>
+                          </a:rPr>
+                          <m:t>0</m:t>
+                        </m:r>
+                      </m:oMath>
+                    </m:oMathPara>
+                  </a14:m>
+                  <a:endParaRPr kumimoji="1" lang="zh-CN" altLang="en-US" dirty="0">
+                    <a:solidFill>
+                      <a:schemeClr val="tx1"/>
+                    </a:solidFill>
+                  </a:endParaRPr>
+                </a:p>
+              </p:txBody>
+            </p:sp>
+          </mc:Choice>
+          <mc:Fallback xmlns="">
+            <p:sp>
+              <p:nvSpPr>
+                <p:cNvPr id="31" name="矩形 30">
+                  <a:extLst>
+                    <a:ext uri="{FF2B5EF4-FFF2-40B4-BE49-F238E27FC236}">
+                      <a16:creationId xmlns:a16="http://schemas.microsoft.com/office/drawing/2014/main" id="{4657F15E-1719-8044-1422-C884DB220A16}"/>
+                    </a:ext>
+                  </a:extLst>
+                </p:cNvPr>
+                <p:cNvSpPr>
+                  <a:spLocks noRot="1" noChangeAspect="1" noMove="1" noResize="1" noEditPoints="1" noAdjustHandles="1" noChangeArrowheads="1" noChangeShapeType="1" noTextEdit="1"/>
+                </p:cNvSpPr>
+                <p:nvPr/>
+              </p:nvSpPr>
+              <p:spPr>
+                <a:xfrm>
+                  <a:off x="3544346" y="2567694"/>
+                  <a:ext cx="148045" cy="365760"/>
+                </a:xfrm>
+                <a:prstGeom prst="rect">
+                  <a:avLst/>
+                </a:prstGeom>
+                <a:blipFill>
+                  <a:blip r:embed="rId9"/>
+                  <a:stretch>
+                    <a:fillRect l="-53846" r="-23077"/>
+                  </a:stretch>
+                </a:blipFill>
+                <a:ln>
+                  <a:noFill/>
+                </a:ln>
+              </p:spPr>
+              <p:txBody>
+                <a:bodyPr/>
+                <a:lstStyle/>
+                <a:p>
+                  <a:r>
+                    <a:rPr lang="zh-CN" altLang="en-US">
+                      <a:noFill/>
+                    </a:rPr>
+                    <a:t> </a:t>
+                  </a:r>
+                </a:p>
+              </p:txBody>
+            </p:sp>
+          </mc:Fallback>
+        </mc:AlternateContent>
+        <mc:AlternateContent xmlns:mc="http://schemas.openxmlformats.org/markup-compatibility/2006" xmlns:a14="http://schemas.microsoft.com/office/drawing/2010/main">
+          <mc:Choice Requires="a14">
+            <p:sp>
+              <p:nvSpPr>
+                <p:cNvPr id="33" name="矩形 32">
+                  <a:extLst>
+                    <a:ext uri="{FF2B5EF4-FFF2-40B4-BE49-F238E27FC236}">
+                      <a16:creationId xmlns:a16="http://schemas.microsoft.com/office/drawing/2014/main" id="{3A2084A5-3115-25A9-DE50-94638C4A4B83}"/>
+                    </a:ext>
+                  </a:extLst>
+                </p:cNvPr>
+                <p:cNvSpPr/>
+                <p:nvPr/>
+              </p:nvSpPr>
+              <p:spPr>
+                <a:xfrm>
+                  <a:off x="3690330" y="2567694"/>
+                  <a:ext cx="148045" cy="365760"/>
+                </a:xfrm>
+                <a:prstGeom prst="rect">
+                  <a:avLst/>
+                </a:prstGeom>
+                <a:noFill/>
+                <a:ln>
+                  <a:noFill/>
+                </a:ln>
+              </p:spPr>
+              <p:style>
+                <a:lnRef idx="2">
+                  <a:schemeClr val="accent1">
+                    <a:shade val="15000"/>
+                  </a:schemeClr>
+                </a:lnRef>
+                <a:fillRef idx="1">
+                  <a:schemeClr val="accent1"/>
+                </a:fillRef>
+                <a:effectRef idx="0">
+                  <a:schemeClr val="accent1"/>
+                </a:effectRef>
+                <a:fontRef idx="minor">
+                  <a:schemeClr val="lt1"/>
+                </a:fontRef>
+              </p:style>
+              <p:txBody>
+                <a:bodyPr rtlCol="0" anchor="ctr"/>
+                <a:lstStyle/>
+                <a:p>
+                  <a:pPr algn="ctr"/>
+                  <a14:m>
+                    <m:oMathPara xmlns:m="http://schemas.openxmlformats.org/officeDocument/2006/math">
+                      <m:oMathParaPr>
+                        <m:jc m:val="center"/>
+                      </m:oMathParaPr>
+                      <m:oMath xmlns:m="http://schemas.openxmlformats.org/officeDocument/2006/math">
+                        <m:r>
+                          <a:rPr kumimoji="1" lang="en-US" altLang="zh-CN" b="0" i="1" smtClean="0">
+                            <a:solidFill>
+                              <a:schemeClr val="tx1"/>
+                            </a:solidFill>
+                            <a:latin typeface="Cambria Math" panose="02040503050406030204" pitchFamily="18" charset="0"/>
+                          </a:rPr>
+                          <m:t>0</m:t>
+                        </m:r>
+                      </m:oMath>
+                    </m:oMathPara>
+                  </a14:m>
+                  <a:endParaRPr kumimoji="1" lang="zh-CN" altLang="en-US" dirty="0">
+                    <a:solidFill>
+                      <a:schemeClr val="tx1"/>
+                    </a:solidFill>
+                  </a:endParaRPr>
+                </a:p>
+              </p:txBody>
+            </p:sp>
+          </mc:Choice>
+          <mc:Fallback xmlns="">
+            <p:sp>
+              <p:nvSpPr>
+                <p:cNvPr id="33" name="矩形 32">
+                  <a:extLst>
+                    <a:ext uri="{FF2B5EF4-FFF2-40B4-BE49-F238E27FC236}">
+                      <a16:creationId xmlns:a16="http://schemas.microsoft.com/office/drawing/2014/main" id="{3A2084A5-3115-25A9-DE50-94638C4A4B83}"/>
+                    </a:ext>
+                  </a:extLst>
+                </p:cNvPr>
+                <p:cNvSpPr>
+                  <a:spLocks noRot="1" noChangeAspect="1" noMove="1" noResize="1" noEditPoints="1" noAdjustHandles="1" noChangeArrowheads="1" noChangeShapeType="1" noTextEdit="1"/>
+                </p:cNvSpPr>
+                <p:nvPr/>
+              </p:nvSpPr>
+              <p:spPr>
+                <a:xfrm>
+                  <a:off x="3690330" y="2567694"/>
+                  <a:ext cx="148045" cy="365760"/>
+                </a:xfrm>
+                <a:prstGeom prst="rect">
+                  <a:avLst/>
+                </a:prstGeom>
+                <a:blipFill>
+                  <a:blip r:embed="rId10"/>
+                  <a:stretch>
+                    <a:fillRect l="-66667" r="-25000"/>
+                  </a:stretch>
+                </a:blipFill>
+                <a:ln>
+                  <a:noFill/>
+                </a:ln>
+              </p:spPr>
+              <p:txBody>
+                <a:bodyPr/>
+                <a:lstStyle/>
+                <a:p>
+                  <a:r>
+                    <a:rPr lang="zh-CN" altLang="en-US">
+                      <a:noFill/>
+                    </a:rPr>
+                    <a:t> </a:t>
+                  </a:r>
+                </a:p>
+              </p:txBody>
+            </p:sp>
+          </mc:Fallback>
+        </mc:AlternateContent>
+        <mc:AlternateContent xmlns:mc="http://schemas.openxmlformats.org/markup-compatibility/2006" xmlns:a14="http://schemas.microsoft.com/office/drawing/2010/main">
+          <mc:Choice Requires="a14">
+            <p:sp>
+              <p:nvSpPr>
+                <p:cNvPr id="34" name="矩形 33">
+                  <a:extLst>
+                    <a:ext uri="{FF2B5EF4-FFF2-40B4-BE49-F238E27FC236}">
+                      <a16:creationId xmlns:a16="http://schemas.microsoft.com/office/drawing/2014/main" id="{B0325848-6221-758A-F589-77B465131554}"/>
+                    </a:ext>
+                  </a:extLst>
+                </p:cNvPr>
+                <p:cNvSpPr/>
+                <p:nvPr/>
+              </p:nvSpPr>
+              <p:spPr>
+                <a:xfrm>
+                  <a:off x="3836313" y="2567694"/>
+                  <a:ext cx="148045" cy="365760"/>
+                </a:xfrm>
+                <a:prstGeom prst="rect">
+                  <a:avLst/>
+                </a:prstGeom>
+                <a:noFill/>
+                <a:ln>
+                  <a:noFill/>
+                </a:ln>
+              </p:spPr>
+              <p:style>
+                <a:lnRef idx="2">
+                  <a:schemeClr val="accent1">
+                    <a:shade val="15000"/>
+                  </a:schemeClr>
+                </a:lnRef>
+                <a:fillRef idx="1">
+                  <a:schemeClr val="accent1"/>
+                </a:fillRef>
+                <a:effectRef idx="0">
+                  <a:schemeClr val="accent1"/>
+                </a:effectRef>
+                <a:fontRef idx="minor">
+                  <a:schemeClr val="lt1"/>
+                </a:fontRef>
+              </p:style>
+              <p:txBody>
+                <a:bodyPr rtlCol="0" anchor="ctr"/>
+                <a:lstStyle/>
+                <a:p>
+                  <a:pPr algn="ctr"/>
+                  <a14:m>
+                    <m:oMathPara xmlns:m="http://schemas.openxmlformats.org/officeDocument/2006/math">
+                      <m:oMathParaPr>
+                        <m:jc m:val="center"/>
+                      </m:oMathParaPr>
+                      <m:oMath xmlns:m="http://schemas.openxmlformats.org/officeDocument/2006/math">
+                        <m:r>
+                          <a:rPr kumimoji="1" lang="en-US" altLang="zh-CN" b="0" i="1" smtClean="0">
+                            <a:solidFill>
+                              <a:schemeClr val="tx1"/>
+                            </a:solidFill>
+                            <a:latin typeface="Cambria Math" panose="02040503050406030204" pitchFamily="18" charset="0"/>
+                          </a:rPr>
+                          <m:t>0</m:t>
+                        </m:r>
+                      </m:oMath>
+                    </m:oMathPara>
+                  </a14:m>
+                  <a:endParaRPr kumimoji="1" lang="zh-CN" altLang="en-US" dirty="0">
+                    <a:solidFill>
+                      <a:schemeClr val="tx1"/>
+                    </a:solidFill>
+                  </a:endParaRPr>
+                </a:p>
+              </p:txBody>
+            </p:sp>
+          </mc:Choice>
+          <mc:Fallback xmlns="">
+            <p:sp>
+              <p:nvSpPr>
+                <p:cNvPr id="34" name="矩形 33">
+                  <a:extLst>
+                    <a:ext uri="{FF2B5EF4-FFF2-40B4-BE49-F238E27FC236}">
+                      <a16:creationId xmlns:a16="http://schemas.microsoft.com/office/drawing/2014/main" id="{B0325848-6221-758A-F589-77B465131554}"/>
+                    </a:ext>
+                  </a:extLst>
+                </p:cNvPr>
+                <p:cNvSpPr>
+                  <a:spLocks noRot="1" noChangeAspect="1" noMove="1" noResize="1" noEditPoints="1" noAdjustHandles="1" noChangeArrowheads="1" noChangeShapeType="1" noTextEdit="1"/>
+                </p:cNvSpPr>
+                <p:nvPr/>
+              </p:nvSpPr>
+              <p:spPr>
+                <a:xfrm>
+                  <a:off x="3836313" y="2567694"/>
+                  <a:ext cx="148045" cy="365760"/>
+                </a:xfrm>
+                <a:prstGeom prst="rect">
+                  <a:avLst/>
+                </a:prstGeom>
+                <a:blipFill>
+                  <a:blip r:embed="rId11"/>
+                  <a:stretch>
+                    <a:fillRect l="-61538" r="-23077"/>
+                  </a:stretch>
+                </a:blipFill>
+                <a:ln>
+                  <a:noFill/>
+                </a:ln>
+              </p:spPr>
+              <p:txBody>
+                <a:bodyPr/>
+                <a:lstStyle/>
+                <a:p>
+                  <a:r>
+                    <a:rPr lang="zh-CN" altLang="en-US">
+                      <a:noFill/>
+                    </a:rPr>
+                    <a:t> </a:t>
+                  </a:r>
+                </a:p>
+              </p:txBody>
+            </p:sp>
+          </mc:Fallback>
+        </mc:AlternateContent>
+        <mc:AlternateContent xmlns:mc="http://schemas.openxmlformats.org/markup-compatibility/2006" xmlns:a14="http://schemas.microsoft.com/office/drawing/2010/main">
+          <mc:Choice Requires="a14">
+            <p:sp>
+              <p:nvSpPr>
+                <p:cNvPr id="36" name="矩形 35">
+                  <a:extLst>
+                    <a:ext uri="{FF2B5EF4-FFF2-40B4-BE49-F238E27FC236}">
+                      <a16:creationId xmlns:a16="http://schemas.microsoft.com/office/drawing/2014/main" id="{6484086A-6E66-9520-05B5-682DAA2D2454}"/>
+                    </a:ext>
+                  </a:extLst>
+                </p:cNvPr>
+                <p:cNvSpPr/>
+                <p:nvPr/>
+              </p:nvSpPr>
+              <p:spPr>
+                <a:xfrm>
+                  <a:off x="3979820" y="2567694"/>
+                  <a:ext cx="148045" cy="365760"/>
+                </a:xfrm>
+                <a:prstGeom prst="rect">
+                  <a:avLst/>
+                </a:prstGeom>
+                <a:noFill/>
+                <a:ln>
+                  <a:noFill/>
+                </a:ln>
+              </p:spPr>
+              <p:style>
+                <a:lnRef idx="2">
+                  <a:schemeClr val="accent1">
+                    <a:shade val="15000"/>
+                  </a:schemeClr>
+                </a:lnRef>
+                <a:fillRef idx="1">
+                  <a:schemeClr val="accent1"/>
+                </a:fillRef>
+                <a:effectRef idx="0">
+                  <a:schemeClr val="accent1"/>
+                </a:effectRef>
+                <a:fontRef idx="minor">
+                  <a:schemeClr val="lt1"/>
+                </a:fontRef>
+              </p:style>
+              <p:txBody>
+                <a:bodyPr rtlCol="0" anchor="ctr"/>
+                <a:lstStyle/>
+                <a:p>
+                  <a:pPr algn="ctr"/>
+                  <a14:m>
+                    <m:oMathPara xmlns:m="http://schemas.openxmlformats.org/officeDocument/2006/math">
+                      <m:oMathParaPr>
+                        <m:jc m:val="center"/>
+                      </m:oMathParaPr>
+                      <m:oMath xmlns:m="http://schemas.openxmlformats.org/officeDocument/2006/math">
+                        <m:r>
+                          <a:rPr kumimoji="1" lang="en-US" altLang="zh-CN" b="0" i="1" smtClean="0">
+                            <a:solidFill>
+                              <a:schemeClr val="tx1"/>
+                            </a:solidFill>
+                            <a:latin typeface="Cambria Math" panose="02040503050406030204" pitchFamily="18" charset="0"/>
+                          </a:rPr>
+                          <m:t>0</m:t>
+                        </m:r>
+                      </m:oMath>
+                    </m:oMathPara>
+                  </a14:m>
+                  <a:endParaRPr kumimoji="1" lang="zh-CN" altLang="en-US" dirty="0">
+                    <a:solidFill>
+                      <a:schemeClr val="tx1"/>
+                    </a:solidFill>
+                  </a:endParaRPr>
+                </a:p>
+              </p:txBody>
+            </p:sp>
+          </mc:Choice>
+          <mc:Fallback xmlns="">
+            <p:sp>
+              <p:nvSpPr>
+                <p:cNvPr id="36" name="矩形 35">
+                  <a:extLst>
+                    <a:ext uri="{FF2B5EF4-FFF2-40B4-BE49-F238E27FC236}">
+                      <a16:creationId xmlns:a16="http://schemas.microsoft.com/office/drawing/2014/main" id="{6484086A-6E66-9520-05B5-682DAA2D2454}"/>
+                    </a:ext>
+                  </a:extLst>
+                </p:cNvPr>
+                <p:cNvSpPr>
+                  <a:spLocks noRot="1" noChangeAspect="1" noMove="1" noResize="1" noEditPoints="1" noAdjustHandles="1" noChangeArrowheads="1" noChangeShapeType="1" noTextEdit="1"/>
+                </p:cNvSpPr>
+                <p:nvPr/>
+              </p:nvSpPr>
+              <p:spPr>
+                <a:xfrm>
+                  <a:off x="3979820" y="2567694"/>
+                  <a:ext cx="148045" cy="365760"/>
+                </a:xfrm>
+                <a:prstGeom prst="rect">
+                  <a:avLst/>
+                </a:prstGeom>
+                <a:blipFill>
+                  <a:blip r:embed="rId10"/>
+                  <a:stretch>
+                    <a:fillRect l="-53846" r="-23077"/>
+                  </a:stretch>
+                </a:blipFill>
+                <a:ln>
+                  <a:noFill/>
+                </a:ln>
+              </p:spPr>
+              <p:txBody>
+                <a:bodyPr/>
+                <a:lstStyle/>
+                <a:p>
+                  <a:r>
+                    <a:rPr lang="zh-CN" altLang="en-US">
+                      <a:noFill/>
+                    </a:rPr>
+                    <a:t> </a:t>
+                  </a:r>
+                </a:p>
+              </p:txBody>
+            </p:sp>
+          </mc:Fallback>
+        </mc:AlternateContent>
+        <mc:AlternateContent xmlns:mc="http://schemas.openxmlformats.org/markup-compatibility/2006" xmlns:a14="http://schemas.microsoft.com/office/drawing/2010/main">
+          <mc:Choice Requires="a14">
+            <p:sp>
+              <p:nvSpPr>
+                <p:cNvPr id="37" name="矩形 36">
+                  <a:extLst>
+                    <a:ext uri="{FF2B5EF4-FFF2-40B4-BE49-F238E27FC236}">
+                      <a16:creationId xmlns:a16="http://schemas.microsoft.com/office/drawing/2014/main" id="{BEEE6B2F-29E4-D5F0-71E9-F0053DFC1BC2}"/>
+                    </a:ext>
+                  </a:extLst>
+                </p:cNvPr>
+                <p:cNvSpPr/>
+                <p:nvPr/>
+              </p:nvSpPr>
+              <p:spPr>
+                <a:xfrm>
+                  <a:off x="4125804" y="2567694"/>
+                  <a:ext cx="148045" cy="365760"/>
+                </a:xfrm>
+                <a:prstGeom prst="rect">
+                  <a:avLst/>
+                </a:prstGeom>
+                <a:noFill/>
+                <a:ln>
+                  <a:noFill/>
+                </a:ln>
+              </p:spPr>
+              <p:style>
+                <a:lnRef idx="2">
+                  <a:schemeClr val="accent1">
+                    <a:shade val="15000"/>
+                  </a:schemeClr>
+                </a:lnRef>
+                <a:fillRef idx="1">
+                  <a:schemeClr val="accent1"/>
+                </a:fillRef>
+                <a:effectRef idx="0">
+                  <a:schemeClr val="accent1"/>
+                </a:effectRef>
+                <a:fontRef idx="minor">
+                  <a:schemeClr val="lt1"/>
+                </a:fontRef>
+              </p:style>
+              <p:txBody>
+                <a:bodyPr rtlCol="0" anchor="ctr"/>
+                <a:lstStyle/>
+                <a:p>
+                  <a:pPr algn="ctr"/>
+                  <a14:m>
+                    <m:oMathPara xmlns:m="http://schemas.openxmlformats.org/officeDocument/2006/math">
+                      <m:oMathParaPr>
+                        <m:jc m:val="center"/>
+                      </m:oMathParaPr>
+                      <m:oMath xmlns:m="http://schemas.openxmlformats.org/officeDocument/2006/math">
+                        <m:r>
+                          <a:rPr kumimoji="1" lang="en-US" altLang="zh-CN" b="0" i="1" smtClean="0">
+                            <a:solidFill>
+                              <a:schemeClr val="tx1"/>
+                            </a:solidFill>
+                            <a:latin typeface="Cambria Math" panose="02040503050406030204" pitchFamily="18" charset="0"/>
+                          </a:rPr>
+                          <m:t>0</m:t>
+                        </m:r>
+                      </m:oMath>
+                    </m:oMathPara>
+                  </a14:m>
+                  <a:endParaRPr kumimoji="1" lang="zh-CN" altLang="en-US" dirty="0">
+                    <a:solidFill>
+                      <a:schemeClr val="tx1"/>
+                    </a:solidFill>
+                  </a:endParaRPr>
+                </a:p>
+              </p:txBody>
+            </p:sp>
+          </mc:Choice>
+          <mc:Fallback xmlns="">
+            <p:sp>
+              <p:nvSpPr>
+                <p:cNvPr id="37" name="矩形 36">
+                  <a:extLst>
+                    <a:ext uri="{FF2B5EF4-FFF2-40B4-BE49-F238E27FC236}">
+                      <a16:creationId xmlns:a16="http://schemas.microsoft.com/office/drawing/2014/main" id="{BEEE6B2F-29E4-D5F0-71E9-F0053DFC1BC2}"/>
+                    </a:ext>
+                  </a:extLst>
+                </p:cNvPr>
+                <p:cNvSpPr>
+                  <a:spLocks noRot="1" noChangeAspect="1" noMove="1" noResize="1" noEditPoints="1" noAdjustHandles="1" noChangeArrowheads="1" noChangeShapeType="1" noTextEdit="1"/>
+                </p:cNvSpPr>
+                <p:nvPr/>
+              </p:nvSpPr>
+              <p:spPr>
+                <a:xfrm>
+                  <a:off x="4125804" y="2567694"/>
+                  <a:ext cx="148045" cy="365760"/>
+                </a:xfrm>
+                <a:prstGeom prst="rect">
+                  <a:avLst/>
+                </a:prstGeom>
+                <a:blipFill>
+                  <a:blip r:embed="rId11"/>
+                  <a:stretch>
+                    <a:fillRect l="-61538" r="-23077"/>
+                  </a:stretch>
+                </a:blipFill>
+                <a:ln>
+                  <a:noFill/>
+                </a:ln>
+              </p:spPr>
+              <p:txBody>
+                <a:bodyPr/>
+                <a:lstStyle/>
+                <a:p>
+                  <a:r>
+                    <a:rPr lang="zh-CN" altLang="en-US">
+                      <a:noFill/>
+                    </a:rPr>
+                    <a:t> </a:t>
+                  </a:r>
+                </a:p>
+              </p:txBody>
+            </p:sp>
+          </mc:Fallback>
+        </mc:AlternateContent>
+        <mc:AlternateContent xmlns:mc="http://schemas.openxmlformats.org/markup-compatibility/2006" xmlns:a14="http://schemas.microsoft.com/office/drawing/2010/main">
+          <mc:Choice Requires="a14">
+            <p:sp>
+              <p:nvSpPr>
+                <p:cNvPr id="38" name="矩形 37">
+                  <a:extLst>
+                    <a:ext uri="{FF2B5EF4-FFF2-40B4-BE49-F238E27FC236}">
+                      <a16:creationId xmlns:a16="http://schemas.microsoft.com/office/drawing/2014/main" id="{D1C8BA47-17FB-A1FC-092E-380CD5F9513F}"/>
+                    </a:ext>
+                  </a:extLst>
+                </p:cNvPr>
+                <p:cNvSpPr/>
+                <p:nvPr/>
+              </p:nvSpPr>
+              <p:spPr>
+                <a:xfrm>
+                  <a:off x="4271787" y="2567694"/>
+                  <a:ext cx="148045" cy="365760"/>
+                </a:xfrm>
+                <a:prstGeom prst="rect">
+                  <a:avLst/>
+                </a:prstGeom>
+                <a:noFill/>
+                <a:ln>
+                  <a:noFill/>
+                </a:ln>
+              </p:spPr>
+              <p:style>
+                <a:lnRef idx="2">
+                  <a:schemeClr val="accent1">
+                    <a:shade val="15000"/>
+                  </a:schemeClr>
+                </a:lnRef>
+                <a:fillRef idx="1">
+                  <a:schemeClr val="accent1"/>
+                </a:fillRef>
+                <a:effectRef idx="0">
+                  <a:schemeClr val="accent1"/>
+                </a:effectRef>
+                <a:fontRef idx="minor">
+                  <a:schemeClr val="lt1"/>
+                </a:fontRef>
+              </p:style>
+              <p:txBody>
+                <a:bodyPr rtlCol="0" anchor="ctr"/>
+                <a:lstStyle/>
+                <a:p>
+                  <a:pPr algn="ctr"/>
+                  <a14:m>
+                    <m:oMathPara xmlns:m="http://schemas.openxmlformats.org/officeDocument/2006/math">
+                      <m:oMathParaPr>
+                        <m:jc m:val="center"/>
+                      </m:oMathParaPr>
+                      <m:oMath xmlns:m="http://schemas.openxmlformats.org/officeDocument/2006/math">
+                        <m:r>
+                          <a:rPr kumimoji="1" lang="en-US" altLang="zh-CN" b="0" i="1" smtClean="0">
+                            <a:solidFill>
+                              <a:schemeClr val="tx1"/>
+                            </a:solidFill>
+                            <a:latin typeface="Cambria Math" panose="02040503050406030204" pitchFamily="18" charset="0"/>
+                          </a:rPr>
+                          <m:t>0</m:t>
+                        </m:r>
+                      </m:oMath>
+                    </m:oMathPara>
+                  </a14:m>
+                  <a:endParaRPr kumimoji="1" lang="zh-CN" altLang="en-US" dirty="0">
+                    <a:solidFill>
+                      <a:schemeClr val="tx1"/>
+                    </a:solidFill>
+                  </a:endParaRPr>
+                </a:p>
+              </p:txBody>
+            </p:sp>
+          </mc:Choice>
+          <mc:Fallback xmlns="">
+            <p:sp>
+              <p:nvSpPr>
+                <p:cNvPr id="38" name="矩形 37">
+                  <a:extLst>
+                    <a:ext uri="{FF2B5EF4-FFF2-40B4-BE49-F238E27FC236}">
+                      <a16:creationId xmlns:a16="http://schemas.microsoft.com/office/drawing/2014/main" id="{D1C8BA47-17FB-A1FC-092E-380CD5F9513F}"/>
+                    </a:ext>
+                  </a:extLst>
+                </p:cNvPr>
+                <p:cNvSpPr>
+                  <a:spLocks noRot="1" noChangeAspect="1" noMove="1" noResize="1" noEditPoints="1" noAdjustHandles="1" noChangeArrowheads="1" noChangeShapeType="1" noTextEdit="1"/>
+                </p:cNvSpPr>
+                <p:nvPr/>
+              </p:nvSpPr>
+              <p:spPr>
+                <a:xfrm>
+                  <a:off x="4271787" y="2567694"/>
+                  <a:ext cx="148045" cy="365760"/>
+                </a:xfrm>
+                <a:prstGeom prst="rect">
+                  <a:avLst/>
+                </a:prstGeom>
+                <a:blipFill>
+                  <a:blip r:embed="rId10"/>
+                  <a:stretch>
+                    <a:fillRect l="-53846" r="-23077"/>
+                  </a:stretch>
+                </a:blipFill>
+                <a:ln>
+                  <a:noFill/>
+                </a:ln>
+              </p:spPr>
+              <p:txBody>
+                <a:bodyPr/>
+                <a:lstStyle/>
+                <a:p>
+                  <a:r>
+                    <a:rPr lang="zh-CN" altLang="en-US">
+                      <a:noFill/>
+                    </a:rPr>
+                    <a:t> </a:t>
+                  </a:r>
+                </a:p>
+              </p:txBody>
+            </p:sp>
+          </mc:Fallback>
+        </mc:AlternateContent>
+      </p:grpSp>
+      <p:grpSp>
+        <p:nvGrpSpPr>
+          <p:cNvPr id="89" name="组合 88">
+            <a:extLst>
+              <a:ext uri="{FF2B5EF4-FFF2-40B4-BE49-F238E27FC236}">
+                <a16:creationId xmlns:a16="http://schemas.microsoft.com/office/drawing/2014/main" id="{0FB9CFC0-D38A-764B-7C73-0072162E9380}"/>
+              </a:ext>
+            </a:extLst>
+          </p:cNvPr>
+          <p:cNvGrpSpPr/>
+          <p:nvPr/>
+        </p:nvGrpSpPr>
+        <p:grpSpPr>
+          <a:xfrm>
+            <a:off x="1371019" y="801144"/>
+            <a:ext cx="2712948" cy="1551353"/>
+            <a:chOff x="1371019" y="801144"/>
+            <a:chExt cx="2712948" cy="1551353"/>
+          </a:xfrm>
+        </p:grpSpPr>
+        <mc:AlternateContent xmlns:mc="http://schemas.openxmlformats.org/markup-compatibility/2006" xmlns:a14="http://schemas.microsoft.com/office/drawing/2010/main">
+          <mc:Choice Requires="a14">
+            <p:sp>
+              <p:nvSpPr>
+                <p:cNvPr id="23" name="矩形 22">
+                  <a:extLst>
+                    <a:ext uri="{FF2B5EF4-FFF2-40B4-BE49-F238E27FC236}">
+                      <a16:creationId xmlns:a16="http://schemas.microsoft.com/office/drawing/2014/main" id="{44CA54ED-EEE6-11CC-16AC-4A56FD6C72BE}"/>
+                    </a:ext>
+                  </a:extLst>
+                </p:cNvPr>
+                <p:cNvSpPr/>
+                <p:nvPr/>
+              </p:nvSpPr>
+              <p:spPr>
+                <a:xfrm>
+                  <a:off x="2042036" y="1480459"/>
+                  <a:ext cx="148045" cy="365760"/>
+                </a:xfrm>
+                <a:prstGeom prst="rect">
+                  <a:avLst/>
+                </a:prstGeom>
+                <a:noFill/>
+                <a:ln>
+                  <a:noFill/>
+                </a:ln>
+              </p:spPr>
+              <p:style>
+                <a:lnRef idx="2">
+                  <a:schemeClr val="accent1">
+                    <a:shade val="15000"/>
+                  </a:schemeClr>
+                </a:lnRef>
+                <a:fillRef idx="1">
+                  <a:schemeClr val="accent1"/>
+                </a:fillRef>
+                <a:effectRef idx="0">
+                  <a:schemeClr val="accent1"/>
+                </a:effectRef>
+                <a:fontRef idx="minor">
+                  <a:schemeClr val="lt1"/>
+                </a:fontRef>
+              </p:style>
+              <p:txBody>
+                <a:bodyPr rtlCol="0" anchor="ctr"/>
+                <a:lstStyle/>
+                <a:p>
+                  <a:pPr algn="ctr"/>
+                  <a14:m>
+                    <m:oMathPara xmlns:m="http://schemas.openxmlformats.org/officeDocument/2006/math">
+                      <m:oMathParaPr>
+                        <m:jc m:val="center"/>
+                      </m:oMathParaPr>
+                      <m:oMath xmlns:m="http://schemas.openxmlformats.org/officeDocument/2006/math">
+                        <m:r>
+                          <a:rPr kumimoji="1" lang="en-US" altLang="zh-CN" b="0" i="1" smtClean="0">
+                            <a:solidFill>
+                              <a:schemeClr val="tx1"/>
+                            </a:solidFill>
+                            <a:latin typeface="Cambria Math" panose="02040503050406030204" pitchFamily="18" charset="0"/>
+                          </a:rPr>
+                          <m:t>1</m:t>
+                        </m:r>
+                      </m:oMath>
+                    </m:oMathPara>
+                  </a14:m>
+                  <a:endParaRPr kumimoji="1" lang="zh-CN" altLang="en-US" dirty="0">
+                    <a:solidFill>
+                      <a:schemeClr val="tx1"/>
+                    </a:solidFill>
+                  </a:endParaRPr>
+                </a:p>
+              </p:txBody>
+            </p:sp>
+          </mc:Choice>
+          <mc:Fallback xmlns="">
+            <p:sp>
+              <p:nvSpPr>
+                <p:cNvPr id="23" name="矩形 22">
+                  <a:extLst>
+                    <a:ext uri="{FF2B5EF4-FFF2-40B4-BE49-F238E27FC236}">
+                      <a16:creationId xmlns:a16="http://schemas.microsoft.com/office/drawing/2014/main" id="{44CA54ED-EEE6-11CC-16AC-4A56FD6C72BE}"/>
+                    </a:ext>
+                  </a:extLst>
+                </p:cNvPr>
+                <p:cNvSpPr>
+                  <a:spLocks noRot="1" noChangeAspect="1" noMove="1" noResize="1" noEditPoints="1" noAdjustHandles="1" noChangeArrowheads="1" noChangeShapeType="1" noTextEdit="1"/>
+                </p:cNvSpPr>
+                <p:nvPr/>
+              </p:nvSpPr>
+              <p:spPr>
+                <a:xfrm>
+                  <a:off x="2042036" y="1480459"/>
+                  <a:ext cx="148045" cy="365760"/>
+                </a:xfrm>
+                <a:prstGeom prst="rect">
+                  <a:avLst/>
+                </a:prstGeom>
+                <a:blipFill>
+                  <a:blip r:embed="rId7"/>
+                  <a:stretch>
+                    <a:fillRect l="-53846" r="-23077"/>
+                  </a:stretch>
+                </a:blipFill>
+                <a:ln>
+                  <a:noFill/>
+                </a:ln>
+              </p:spPr>
+              <p:txBody>
+                <a:bodyPr/>
+                <a:lstStyle/>
+                <a:p>
+                  <a:r>
+                    <a:rPr lang="zh-CN" altLang="en-US">
+                      <a:noFill/>
+                    </a:rPr>
+                    <a:t> </a:t>
+                  </a:r>
+                </a:p>
+              </p:txBody>
+            </p:sp>
+          </mc:Fallback>
+        </mc:AlternateContent>
+        <mc:AlternateContent xmlns:mc="http://schemas.openxmlformats.org/markup-compatibility/2006" xmlns:a14="http://schemas.microsoft.com/office/drawing/2010/main">
+          <mc:Choice Requires="a14">
+            <p:sp>
+              <p:nvSpPr>
+                <p:cNvPr id="24" name="矩形 23">
+                  <a:extLst>
+                    <a:ext uri="{FF2B5EF4-FFF2-40B4-BE49-F238E27FC236}">
+                      <a16:creationId xmlns:a16="http://schemas.microsoft.com/office/drawing/2014/main" id="{76B90A30-87D5-F106-AEB9-A0F5ABE115D5}"/>
+                    </a:ext>
+                  </a:extLst>
+                </p:cNvPr>
+                <p:cNvSpPr/>
+                <p:nvPr/>
+              </p:nvSpPr>
+              <p:spPr>
+                <a:xfrm>
+                  <a:off x="2190081" y="1480459"/>
+                  <a:ext cx="148045" cy="365760"/>
+                </a:xfrm>
+                <a:prstGeom prst="rect">
+                  <a:avLst/>
+                </a:prstGeom>
+                <a:noFill/>
+                <a:ln>
+                  <a:noFill/>
+                </a:ln>
+              </p:spPr>
+              <p:style>
+                <a:lnRef idx="2">
+                  <a:schemeClr val="accent1">
+                    <a:shade val="15000"/>
+                  </a:schemeClr>
+                </a:lnRef>
+                <a:fillRef idx="1">
+                  <a:schemeClr val="accent1"/>
+                </a:fillRef>
+                <a:effectRef idx="0">
+                  <a:schemeClr val="accent1"/>
+                </a:effectRef>
+                <a:fontRef idx="minor">
+                  <a:schemeClr val="lt1"/>
+                </a:fontRef>
+              </p:style>
+              <p:txBody>
+                <a:bodyPr rtlCol="0" anchor="ctr"/>
+                <a:lstStyle/>
+                <a:p>
+                  <a:pPr algn="ctr"/>
+                  <a14:m>
+                    <m:oMathPara xmlns:m="http://schemas.openxmlformats.org/officeDocument/2006/math">
+                      <m:oMathParaPr>
+                        <m:jc m:val="center"/>
+                      </m:oMathParaPr>
+                      <m:oMath xmlns:m="http://schemas.openxmlformats.org/officeDocument/2006/math">
+                        <m:r>
+                          <a:rPr kumimoji="1" lang="en-US" altLang="zh-CN" b="0" i="1" smtClean="0">
+                            <a:solidFill>
+                              <a:schemeClr val="tx1"/>
+                            </a:solidFill>
+                            <a:latin typeface="Cambria Math" panose="02040503050406030204" pitchFamily="18" charset="0"/>
+                          </a:rPr>
+                          <m:t>1</m:t>
+                        </m:r>
+                      </m:oMath>
+                    </m:oMathPara>
+                  </a14:m>
+                  <a:endParaRPr kumimoji="1" lang="zh-CN" altLang="en-US" dirty="0">
+                    <a:solidFill>
+                      <a:schemeClr val="tx1"/>
+                    </a:solidFill>
+                  </a:endParaRPr>
+                </a:p>
+              </p:txBody>
+            </p:sp>
+          </mc:Choice>
+          <mc:Fallback xmlns="">
+            <p:sp>
+              <p:nvSpPr>
+                <p:cNvPr id="24" name="矩形 23">
+                  <a:extLst>
+                    <a:ext uri="{FF2B5EF4-FFF2-40B4-BE49-F238E27FC236}">
+                      <a16:creationId xmlns:a16="http://schemas.microsoft.com/office/drawing/2014/main" id="{76B90A30-87D5-F106-AEB9-A0F5ABE115D5}"/>
+                    </a:ext>
+                  </a:extLst>
+                </p:cNvPr>
+                <p:cNvSpPr>
+                  <a:spLocks noRot="1" noChangeAspect="1" noMove="1" noResize="1" noEditPoints="1" noAdjustHandles="1" noChangeArrowheads="1" noChangeShapeType="1" noTextEdit="1"/>
+                </p:cNvSpPr>
+                <p:nvPr/>
+              </p:nvSpPr>
+              <p:spPr>
+                <a:xfrm>
+                  <a:off x="2190081" y="1480459"/>
+                  <a:ext cx="148045" cy="365760"/>
+                </a:xfrm>
+                <a:prstGeom prst="rect">
+                  <a:avLst/>
+                </a:prstGeom>
+                <a:blipFill>
+                  <a:blip r:embed="rId12"/>
+                  <a:stretch>
+                    <a:fillRect l="-61538" r="-23077"/>
+                  </a:stretch>
+                </a:blipFill>
+                <a:ln>
+                  <a:noFill/>
+                </a:ln>
+              </p:spPr>
+              <p:txBody>
+                <a:bodyPr/>
+                <a:lstStyle/>
+                <a:p>
+                  <a:r>
+                    <a:rPr lang="zh-CN" altLang="en-US">
+                      <a:noFill/>
+                    </a:rPr>
+                    <a:t> </a:t>
+                  </a:r>
+                </a:p>
+              </p:txBody>
+            </p:sp>
+          </mc:Fallback>
+        </mc:AlternateContent>
+        <mc:AlternateContent xmlns:mc="http://schemas.openxmlformats.org/markup-compatibility/2006" xmlns:a14="http://schemas.microsoft.com/office/drawing/2010/main">
+          <mc:Choice Requires="a14">
+            <p:sp>
+              <p:nvSpPr>
+                <p:cNvPr id="25" name="矩形 24">
+                  <a:extLst>
+                    <a:ext uri="{FF2B5EF4-FFF2-40B4-BE49-F238E27FC236}">
+                      <a16:creationId xmlns:a16="http://schemas.microsoft.com/office/drawing/2014/main" id="{7C2D439D-0B68-88E7-FB26-C2FACE0769ED}"/>
+                    </a:ext>
+                  </a:extLst>
+                </p:cNvPr>
+                <p:cNvSpPr/>
+                <p:nvPr/>
+              </p:nvSpPr>
+              <p:spPr>
+                <a:xfrm>
+                  <a:off x="2844405" y="1480459"/>
+                  <a:ext cx="148045" cy="365760"/>
+                </a:xfrm>
+                <a:prstGeom prst="rect">
+                  <a:avLst/>
+                </a:prstGeom>
+                <a:noFill/>
+                <a:ln>
+                  <a:noFill/>
+                </a:ln>
+              </p:spPr>
+              <p:style>
+                <a:lnRef idx="2">
+                  <a:schemeClr val="accent1">
+                    <a:shade val="15000"/>
+                  </a:schemeClr>
+                </a:lnRef>
+                <a:fillRef idx="1">
+                  <a:schemeClr val="accent1"/>
+                </a:fillRef>
+                <a:effectRef idx="0">
+                  <a:schemeClr val="accent1"/>
+                </a:effectRef>
+                <a:fontRef idx="minor">
+                  <a:schemeClr val="lt1"/>
+                </a:fontRef>
+              </p:style>
+              <p:txBody>
+                <a:bodyPr rtlCol="0" anchor="ctr"/>
+                <a:lstStyle/>
+                <a:p>
+                  <a:pPr algn="ctr"/>
+                  <a14:m>
+                    <m:oMathPara xmlns:m="http://schemas.openxmlformats.org/officeDocument/2006/math">
+                      <m:oMathParaPr>
+                        <m:jc m:val="center"/>
+                      </m:oMathParaPr>
+                      <m:oMath xmlns:m="http://schemas.openxmlformats.org/officeDocument/2006/math">
+                        <m:r>
+                          <a:rPr kumimoji="1" lang="en-US" altLang="zh-CN" b="0" i="1" smtClean="0">
+                            <a:solidFill>
+                              <a:schemeClr val="tx1"/>
+                            </a:solidFill>
+                            <a:latin typeface="Cambria Math" panose="02040503050406030204" pitchFamily="18" charset="0"/>
+                          </a:rPr>
+                          <m:t>1</m:t>
+                        </m:r>
+                      </m:oMath>
+                    </m:oMathPara>
+                  </a14:m>
+                  <a:endParaRPr kumimoji="1" lang="zh-CN" altLang="en-US" dirty="0">
+                    <a:solidFill>
+                      <a:schemeClr val="tx1"/>
+                    </a:solidFill>
+                  </a:endParaRPr>
+                </a:p>
+              </p:txBody>
+            </p:sp>
+          </mc:Choice>
+          <mc:Fallback xmlns="">
+            <p:sp>
+              <p:nvSpPr>
+                <p:cNvPr id="25" name="矩形 24">
+                  <a:extLst>
+                    <a:ext uri="{FF2B5EF4-FFF2-40B4-BE49-F238E27FC236}">
+                      <a16:creationId xmlns:a16="http://schemas.microsoft.com/office/drawing/2014/main" id="{7C2D439D-0B68-88E7-FB26-C2FACE0769ED}"/>
+                    </a:ext>
+                  </a:extLst>
+                </p:cNvPr>
+                <p:cNvSpPr>
+                  <a:spLocks noRot="1" noChangeAspect="1" noMove="1" noResize="1" noEditPoints="1" noAdjustHandles="1" noChangeArrowheads="1" noChangeShapeType="1" noTextEdit="1"/>
+                </p:cNvSpPr>
+                <p:nvPr/>
+              </p:nvSpPr>
+              <p:spPr>
+                <a:xfrm>
+                  <a:off x="2844405" y="1480459"/>
+                  <a:ext cx="148045" cy="365760"/>
+                </a:xfrm>
+                <a:prstGeom prst="rect">
+                  <a:avLst/>
+                </a:prstGeom>
+                <a:blipFill>
+                  <a:blip r:embed="rId8"/>
+                  <a:stretch>
+                    <a:fillRect l="-66667" r="-25000"/>
+                  </a:stretch>
+                </a:blipFill>
+                <a:ln>
+                  <a:noFill/>
+                </a:ln>
+              </p:spPr>
+              <p:txBody>
+                <a:bodyPr/>
+                <a:lstStyle/>
+                <a:p>
+                  <a:r>
+                    <a:rPr lang="zh-CN" altLang="en-US">
+                      <a:noFill/>
+                    </a:rPr>
+                    <a:t> </a:t>
+                  </a:r>
+                </a:p>
+              </p:txBody>
+            </p:sp>
+          </mc:Fallback>
+        </mc:AlternateContent>
+        <mc:AlternateContent xmlns:mc="http://schemas.openxmlformats.org/markup-compatibility/2006" xmlns:a14="http://schemas.microsoft.com/office/drawing/2010/main">
+          <mc:Choice Requires="a14">
+            <p:sp>
+              <p:nvSpPr>
+                <p:cNvPr id="28" name="矩形 27">
+                  <a:extLst>
+                    <a:ext uri="{FF2B5EF4-FFF2-40B4-BE49-F238E27FC236}">
+                      <a16:creationId xmlns:a16="http://schemas.microsoft.com/office/drawing/2014/main" id="{B9609BDB-248D-46FE-03A6-1678B07991AF}"/>
+                    </a:ext>
+                  </a:extLst>
+                </p:cNvPr>
+                <p:cNvSpPr/>
+                <p:nvPr/>
+              </p:nvSpPr>
+              <p:spPr>
+                <a:xfrm>
+                  <a:off x="2994536" y="1480459"/>
+                  <a:ext cx="148045" cy="365760"/>
+                </a:xfrm>
+                <a:prstGeom prst="rect">
+                  <a:avLst/>
+                </a:prstGeom>
+                <a:noFill/>
+                <a:ln>
+                  <a:noFill/>
+                </a:ln>
+              </p:spPr>
+              <p:style>
+                <a:lnRef idx="2">
+                  <a:schemeClr val="accent1">
+                    <a:shade val="15000"/>
+                  </a:schemeClr>
+                </a:lnRef>
+                <a:fillRef idx="1">
+                  <a:schemeClr val="accent1"/>
+                </a:fillRef>
+                <a:effectRef idx="0">
+                  <a:schemeClr val="accent1"/>
+                </a:effectRef>
+                <a:fontRef idx="minor">
+                  <a:schemeClr val="lt1"/>
+                </a:fontRef>
+              </p:style>
+              <p:txBody>
+                <a:bodyPr rtlCol="0" anchor="ctr"/>
+                <a:lstStyle/>
+                <a:p>
+                  <a:pPr algn="ctr"/>
+                  <a14:m>
+                    <m:oMathPara xmlns:m="http://schemas.openxmlformats.org/officeDocument/2006/math">
+                      <m:oMathParaPr>
+                        <m:jc m:val="center"/>
+                      </m:oMathParaPr>
+                      <m:oMath xmlns:m="http://schemas.openxmlformats.org/officeDocument/2006/math">
+                        <m:r>
+                          <a:rPr kumimoji="1" lang="en-US" altLang="zh-CN" b="0" i="1" smtClean="0">
+                            <a:solidFill>
+                              <a:schemeClr val="tx1"/>
+                            </a:solidFill>
+                            <a:latin typeface="Cambria Math" panose="02040503050406030204" pitchFamily="18" charset="0"/>
+                          </a:rPr>
+                          <m:t>1</m:t>
+                        </m:r>
+                      </m:oMath>
+                    </m:oMathPara>
+                  </a14:m>
+                  <a:endParaRPr kumimoji="1" lang="zh-CN" altLang="en-US" dirty="0">
+                    <a:solidFill>
+                      <a:schemeClr val="tx1"/>
+                    </a:solidFill>
+                  </a:endParaRPr>
+                </a:p>
+              </p:txBody>
+            </p:sp>
+          </mc:Choice>
+          <mc:Fallback xmlns="">
+            <p:sp>
+              <p:nvSpPr>
+                <p:cNvPr id="28" name="矩形 27">
+                  <a:extLst>
+                    <a:ext uri="{FF2B5EF4-FFF2-40B4-BE49-F238E27FC236}">
+                      <a16:creationId xmlns:a16="http://schemas.microsoft.com/office/drawing/2014/main" id="{B9609BDB-248D-46FE-03A6-1678B07991AF}"/>
+                    </a:ext>
+                  </a:extLst>
+                </p:cNvPr>
+                <p:cNvSpPr>
+                  <a:spLocks noRot="1" noChangeAspect="1" noMove="1" noResize="1" noEditPoints="1" noAdjustHandles="1" noChangeArrowheads="1" noChangeShapeType="1" noTextEdit="1"/>
+                </p:cNvSpPr>
+                <p:nvPr/>
+              </p:nvSpPr>
+              <p:spPr>
+                <a:xfrm>
+                  <a:off x="2994536" y="1480459"/>
+                  <a:ext cx="148045" cy="365760"/>
+                </a:xfrm>
+                <a:prstGeom prst="rect">
+                  <a:avLst/>
+                </a:prstGeom>
+                <a:blipFill>
+                  <a:blip r:embed="rId7"/>
+                  <a:stretch>
+                    <a:fillRect l="-53846" r="-23077"/>
+                  </a:stretch>
+                </a:blipFill>
+                <a:ln>
+                  <a:noFill/>
+                </a:ln>
+              </p:spPr>
+              <p:txBody>
+                <a:bodyPr/>
+                <a:lstStyle/>
+                <a:p>
+                  <a:r>
+                    <a:rPr lang="zh-CN" altLang="en-US">
+                      <a:noFill/>
+                    </a:rPr>
+                    <a:t> </a:t>
+                  </a:r>
+                </a:p>
+              </p:txBody>
+            </p:sp>
+          </mc:Fallback>
+        </mc:AlternateContent>
+        <p:cxnSp>
+          <p:nvCxnSpPr>
+            <p:cNvPr id="30" name="直线箭头连接符 29">
+              <a:extLst>
+                <a:ext uri="{FF2B5EF4-FFF2-40B4-BE49-F238E27FC236}">
+                  <a16:creationId xmlns:a16="http://schemas.microsoft.com/office/drawing/2014/main" id="{9AE38AD1-19A5-A482-1E54-672C35ABD873}"/>
+                </a:ext>
+              </a:extLst>
+            </p:cNvPr>
+            <p:cNvCxnSpPr>
+              <a:cxnSpLocks/>
+            </p:cNvCxnSpPr>
+            <p:nvPr/>
+          </p:nvCxnSpPr>
+          <p:spPr>
+            <a:xfrm flipH="1">
+              <a:off x="2020900" y="1801130"/>
+              <a:ext cx="266839" cy="0"/>
+            </a:xfrm>
+            <a:prstGeom prst="straightConnector1">
+              <a:avLst/>
+            </a:prstGeom>
+            <a:ln w="9525">
+              <a:solidFill>
+                <a:schemeClr val="tx1"/>
+              </a:solidFill>
+              <a:headEnd type="triangle" w="sm" len="med"/>
+              <a:tailEnd type="triangle" w="sm" len="med"/>
+            </a:ln>
+          </p:spPr>
+          <p:style>
+            <a:lnRef idx="2">
+              <a:schemeClr val="accent1"/>
+            </a:lnRef>
+            <a:fillRef idx="0">
+              <a:schemeClr val="accent1"/>
+            </a:fillRef>
+            <a:effectRef idx="1">
+              <a:schemeClr val="accent1"/>
+            </a:effectRef>
+            <a:fontRef idx="minor">
+              <a:schemeClr val="tx1"/>
+            </a:fontRef>
+          </p:style>
+        </p:cxnSp>
+        <mc:AlternateContent xmlns:mc="http://schemas.openxmlformats.org/markup-compatibility/2006" xmlns:a14="http://schemas.microsoft.com/office/drawing/2010/main">
+          <mc:Choice Requires="a14">
+            <p:sp>
+              <p:nvSpPr>
+                <p:cNvPr id="32" name="文本框 31">
+                  <a:extLst>
+                    <a:ext uri="{FF2B5EF4-FFF2-40B4-BE49-F238E27FC236}">
+                      <a16:creationId xmlns:a16="http://schemas.microsoft.com/office/drawing/2014/main" id="{89F85568-0BF1-195C-FD22-C6A15132B25C}"/>
+                    </a:ext>
+                  </a:extLst>
+                </p:cNvPr>
+                <p:cNvSpPr txBox="1"/>
+                <p:nvPr/>
+              </p:nvSpPr>
+              <p:spPr>
+                <a:xfrm>
+                  <a:off x="1922655" y="1770795"/>
+                  <a:ext cx="514127" cy="338554"/>
+                </a:xfrm>
+                <a:prstGeom prst="rect">
+                  <a:avLst/>
+                </a:prstGeom>
+                <a:noFill/>
+              </p:spPr>
+              <p:txBody>
+                <a:bodyPr wrap="square" rtlCol="0">
+                  <a:spAutoFit/>
+                </a:bodyPr>
+                <a:lstStyle/>
+                <a:p>
+                  <a:pPr/>
+                  <a14:m>
+                    <m:oMathPara xmlns:m="http://schemas.openxmlformats.org/officeDocument/2006/math">
+                      <m:oMathParaPr>
+                        <m:jc m:val="centerGroup"/>
+                      </m:oMathParaPr>
+                      <m:oMath xmlns:m="http://schemas.openxmlformats.org/officeDocument/2006/math">
+                        <m:r>
+                          <a:rPr kumimoji="1" lang="en-US" altLang="zh-CN" sz="1600" b="1" i="1" dirty="0" smtClean="0">
+                            <a:solidFill>
+                              <a:srgbClr val="00B0F0"/>
+                            </a:solidFill>
+                            <a:latin typeface="Cambria Math" panose="02040503050406030204" pitchFamily="18" charset="0"/>
+                            <a:cs typeface="Calibri" panose="020F0502020204030204" pitchFamily="34" charset="0"/>
+                          </a:rPr>
+                          <m:t>𝑩</m:t>
+                        </m:r>
+                      </m:oMath>
+                    </m:oMathPara>
+                  </a14:m>
+                  <a:endParaRPr kumimoji="1" lang="zh-CN" altLang="en-US" sz="1600" b="1" dirty="0">
+                    <a:solidFill>
+                      <a:srgbClr val="00B0F0"/>
+                    </a:solidFill>
+                    <a:latin typeface="Calibri" panose="020F0502020204030204" pitchFamily="34" charset="0"/>
+                    <a:cs typeface="Calibri" panose="020F0502020204030204" pitchFamily="34" charset="0"/>
+                  </a:endParaRPr>
+                </a:p>
+              </p:txBody>
+            </p:sp>
+          </mc:Choice>
+          <mc:Fallback xmlns="">
+            <p:sp>
+              <p:nvSpPr>
+                <p:cNvPr id="32" name="文本框 31">
+                  <a:extLst>
+                    <a:ext uri="{FF2B5EF4-FFF2-40B4-BE49-F238E27FC236}">
+                      <a16:creationId xmlns:a16="http://schemas.microsoft.com/office/drawing/2014/main" id="{89F85568-0BF1-195C-FD22-C6A15132B25C}"/>
+                    </a:ext>
+                  </a:extLst>
+                </p:cNvPr>
+                <p:cNvSpPr txBox="1">
+                  <a:spLocks noRot="1" noChangeAspect="1" noMove="1" noResize="1" noEditPoints="1" noAdjustHandles="1" noChangeArrowheads="1" noChangeShapeType="1" noTextEdit="1"/>
+                </p:cNvSpPr>
+                <p:nvPr/>
+              </p:nvSpPr>
+              <p:spPr>
+                <a:xfrm>
+                  <a:off x="1922655" y="1770795"/>
+                  <a:ext cx="514127" cy="338554"/>
+                </a:xfrm>
+                <a:prstGeom prst="rect">
+                  <a:avLst/>
+                </a:prstGeom>
+                <a:blipFill>
+                  <a:blip r:embed="rId13"/>
+                  <a:stretch>
+                    <a:fillRect/>
+                  </a:stretch>
+                </a:blipFill>
+              </p:spPr>
+              <p:txBody>
+                <a:bodyPr/>
+                <a:lstStyle/>
+                <a:p>
+                  <a:r>
+                    <a:rPr lang="zh-CN" altLang="en-US">
+                      <a:noFill/>
+                    </a:rPr>
+                    <a:t> </a:t>
+                  </a:r>
+                </a:p>
+              </p:txBody>
+            </p:sp>
+          </mc:Fallback>
+        </mc:AlternateContent>
+        <p:cxnSp>
+          <p:nvCxnSpPr>
+            <p:cNvPr id="41" name="直线连接符 40">
+              <a:extLst>
+                <a:ext uri="{FF2B5EF4-FFF2-40B4-BE49-F238E27FC236}">
+                  <a16:creationId xmlns:a16="http://schemas.microsoft.com/office/drawing/2014/main" id="{104D4ADD-DC29-C18C-3C4B-B3952B6867D5}"/>
+                </a:ext>
+              </a:extLst>
+            </p:cNvPr>
+            <p:cNvCxnSpPr>
+              <a:cxnSpLocks/>
+            </p:cNvCxnSpPr>
+            <p:nvPr/>
+          </p:nvCxnSpPr>
+          <p:spPr>
+            <a:xfrm>
+              <a:off x="2087606" y="1204782"/>
+              <a:ext cx="0" cy="513851"/>
+            </a:xfrm>
+            <a:prstGeom prst="line">
+              <a:avLst/>
+            </a:prstGeom>
+            <a:ln w="12700">
+              <a:solidFill>
+                <a:schemeClr val="tx1"/>
+              </a:solidFill>
+            </a:ln>
+          </p:spPr>
+          <p:style>
+            <a:lnRef idx="2">
+              <a:schemeClr val="accent1"/>
+            </a:lnRef>
+            <a:fillRef idx="0">
+              <a:schemeClr val="accent1"/>
+            </a:fillRef>
+            <a:effectRef idx="1">
+              <a:schemeClr val="accent1"/>
+            </a:effectRef>
+            <a:fontRef idx="minor">
+              <a:schemeClr val="tx1"/>
+            </a:fontRef>
+          </p:style>
+        </p:cxnSp>
+        <p:cxnSp>
+          <p:nvCxnSpPr>
+            <p:cNvPr id="45" name="直线连接符 44">
+              <a:extLst>
+                <a:ext uri="{FF2B5EF4-FFF2-40B4-BE49-F238E27FC236}">
+                  <a16:creationId xmlns:a16="http://schemas.microsoft.com/office/drawing/2014/main" id="{88760DAF-8924-862C-797D-0CAA01D247F5}"/>
+                </a:ext>
+              </a:extLst>
+            </p:cNvPr>
+            <p:cNvCxnSpPr>
+              <a:cxnSpLocks/>
+            </p:cNvCxnSpPr>
+            <p:nvPr/>
+          </p:nvCxnSpPr>
+          <p:spPr>
+            <a:xfrm>
+              <a:off x="2888741" y="1176950"/>
+              <a:ext cx="0" cy="486389"/>
+            </a:xfrm>
+            <a:prstGeom prst="line">
+              <a:avLst/>
+            </a:prstGeom>
+            <a:ln w="12700">
+              <a:solidFill>
+                <a:schemeClr val="tx1"/>
+              </a:solidFill>
+            </a:ln>
+          </p:spPr>
+          <p:style>
+            <a:lnRef idx="2">
+              <a:schemeClr val="accent1"/>
+            </a:lnRef>
+            <a:fillRef idx="0">
+              <a:schemeClr val="accent1"/>
+            </a:fillRef>
+            <a:effectRef idx="1">
+              <a:schemeClr val="accent1"/>
+            </a:effectRef>
+            <a:fontRef idx="minor">
+              <a:schemeClr val="tx1"/>
+            </a:fontRef>
+          </p:style>
+        </p:cxnSp>
+        <p:cxnSp>
+          <p:nvCxnSpPr>
+            <p:cNvPr id="47" name="直线箭头连接符 46">
+              <a:extLst>
+                <a:ext uri="{FF2B5EF4-FFF2-40B4-BE49-F238E27FC236}">
+                  <a16:creationId xmlns:a16="http://schemas.microsoft.com/office/drawing/2014/main" id="{E0BBA7D9-8318-23BF-F362-7C2E39B15E6A}"/>
+                </a:ext>
+              </a:extLst>
+            </p:cNvPr>
+            <p:cNvCxnSpPr>
+              <a:cxnSpLocks/>
+            </p:cNvCxnSpPr>
+            <p:nvPr/>
+          </p:nvCxnSpPr>
+          <p:spPr>
+            <a:xfrm flipH="1">
+              <a:off x="2100306" y="1204495"/>
+              <a:ext cx="782085" cy="0"/>
+            </a:xfrm>
+            <a:prstGeom prst="straightConnector1">
+              <a:avLst/>
+            </a:prstGeom>
+            <a:ln w="9525">
+              <a:solidFill>
+                <a:schemeClr val="tx1"/>
+              </a:solidFill>
+              <a:headEnd type="triangle" w="sm" len="med"/>
+              <a:tailEnd type="triangle" w="sm" len="med"/>
+            </a:ln>
+          </p:spPr>
+          <p:style>
+            <a:lnRef idx="2">
+              <a:schemeClr val="accent1"/>
+            </a:lnRef>
+            <a:fillRef idx="0">
+              <a:schemeClr val="accent1"/>
+            </a:fillRef>
+            <a:effectRef idx="1">
+              <a:schemeClr val="accent1"/>
+            </a:effectRef>
+            <a:fontRef idx="minor">
+              <a:schemeClr val="tx1"/>
+            </a:fontRef>
+          </p:style>
+        </p:cxnSp>
+        <mc:AlternateContent xmlns:mc="http://schemas.openxmlformats.org/markup-compatibility/2006" xmlns:a14="http://schemas.microsoft.com/office/drawing/2010/main">
+          <mc:Choice Requires="a14">
+            <p:sp>
+              <p:nvSpPr>
+                <p:cNvPr id="49" name="文本框 48">
+                  <a:extLst>
+                    <a:ext uri="{FF2B5EF4-FFF2-40B4-BE49-F238E27FC236}">
+                      <a16:creationId xmlns:a16="http://schemas.microsoft.com/office/drawing/2014/main" id="{62ADCD32-112E-1F5E-7E40-0A0BE194D383}"/>
+                    </a:ext>
+                  </a:extLst>
+                </p:cNvPr>
+                <p:cNvSpPr txBox="1"/>
+                <p:nvPr/>
+              </p:nvSpPr>
+              <p:spPr>
+                <a:xfrm>
+                  <a:off x="2133146" y="801144"/>
+                  <a:ext cx="774644" cy="338554"/>
+                </a:xfrm>
+                <a:prstGeom prst="rect">
+                  <a:avLst/>
+                </a:prstGeom>
+                <a:noFill/>
+              </p:spPr>
+              <p:txBody>
+                <a:bodyPr wrap="square" rtlCol="0">
+                  <a:spAutoFit/>
+                </a:bodyPr>
+                <a:lstStyle/>
+                <a:p>
+                  <a:pPr/>
+                  <a14:m>
+                    <m:oMathPara xmlns:m="http://schemas.openxmlformats.org/officeDocument/2006/math">
+                      <m:oMathParaPr>
+                        <m:jc m:val="centerGroup"/>
+                      </m:oMathParaPr>
+                      <m:oMath xmlns:m="http://schemas.openxmlformats.org/officeDocument/2006/math">
+                        <m:r>
+                          <a:rPr kumimoji="1" lang="en-US" altLang="zh-CN" sz="1600" b="1" i="1" dirty="0" smtClean="0">
+                            <a:solidFill>
+                              <a:srgbClr val="00B0F0"/>
+                            </a:solidFill>
+                            <a:latin typeface="Cambria Math" panose="02040503050406030204" pitchFamily="18" charset="0"/>
+                            <a:cs typeface="Calibri" panose="020F0502020204030204" pitchFamily="34" charset="0"/>
+                          </a:rPr>
+                          <m:t>𝑺</m:t>
+                        </m:r>
+                      </m:oMath>
+                    </m:oMathPara>
+                  </a14:m>
+                  <a:endParaRPr kumimoji="1" lang="zh-CN" altLang="en-US" sz="1600" b="1" dirty="0">
+                    <a:solidFill>
+                      <a:srgbClr val="00B0F0"/>
+                    </a:solidFill>
+                    <a:latin typeface="Calibri" panose="020F0502020204030204" pitchFamily="34" charset="0"/>
+                    <a:cs typeface="Calibri" panose="020F0502020204030204" pitchFamily="34" charset="0"/>
+                  </a:endParaRPr>
+                </a:p>
+              </p:txBody>
+            </p:sp>
+          </mc:Choice>
+          <mc:Fallback xmlns="">
+            <p:sp>
+              <p:nvSpPr>
+                <p:cNvPr id="49" name="文本框 48">
+                  <a:extLst>
+                    <a:ext uri="{FF2B5EF4-FFF2-40B4-BE49-F238E27FC236}">
+                      <a16:creationId xmlns:a16="http://schemas.microsoft.com/office/drawing/2014/main" id="{62ADCD32-112E-1F5E-7E40-0A0BE194D383}"/>
+                    </a:ext>
+                  </a:extLst>
+                </p:cNvPr>
+                <p:cNvSpPr txBox="1">
+                  <a:spLocks noRot="1" noChangeAspect="1" noMove="1" noResize="1" noEditPoints="1" noAdjustHandles="1" noChangeArrowheads="1" noChangeShapeType="1" noTextEdit="1"/>
+                </p:cNvSpPr>
+                <p:nvPr/>
+              </p:nvSpPr>
+              <p:spPr>
+                <a:xfrm>
+                  <a:off x="2133146" y="801144"/>
+                  <a:ext cx="774644" cy="338554"/>
+                </a:xfrm>
+                <a:prstGeom prst="rect">
+                  <a:avLst/>
+                </a:prstGeom>
+                <a:blipFill>
+                  <a:blip r:embed="rId14"/>
+                  <a:stretch>
+                    <a:fillRect/>
+                  </a:stretch>
+                </a:blipFill>
+              </p:spPr>
+              <p:txBody>
+                <a:bodyPr/>
+                <a:lstStyle/>
+                <a:p>
+                  <a:r>
+                    <a:rPr lang="zh-CN" altLang="en-US">
+                      <a:noFill/>
+                    </a:rPr>
+                    <a:t> </a:t>
+                  </a:r>
+                </a:p>
+              </p:txBody>
+            </p:sp>
+          </mc:Fallback>
+        </mc:AlternateContent>
+        <p:cxnSp>
+          <p:nvCxnSpPr>
+            <p:cNvPr id="10" name="直线箭头连接符 9">
+              <a:extLst>
+                <a:ext uri="{FF2B5EF4-FFF2-40B4-BE49-F238E27FC236}">
+                  <a16:creationId xmlns:a16="http://schemas.microsoft.com/office/drawing/2014/main" id="{E4EE5EDE-6F81-4DEA-B915-7DA4A23F5A55}"/>
+                </a:ext>
+              </a:extLst>
+            </p:cNvPr>
+            <p:cNvCxnSpPr>
+              <a:cxnSpLocks/>
+            </p:cNvCxnSpPr>
+            <p:nvPr/>
+          </p:nvCxnSpPr>
+          <p:spPr>
+            <a:xfrm flipH="1">
+              <a:off x="2813247" y="1794780"/>
+              <a:ext cx="266839" cy="0"/>
+            </a:xfrm>
+            <a:prstGeom prst="straightConnector1">
+              <a:avLst/>
+            </a:prstGeom>
+            <a:ln w="9525">
+              <a:solidFill>
+                <a:schemeClr val="tx1"/>
+              </a:solidFill>
+              <a:headEnd type="triangle" w="sm" len="med"/>
+              <a:tailEnd type="triangle" w="sm" len="med"/>
+            </a:ln>
+          </p:spPr>
+          <p:style>
+            <a:lnRef idx="2">
+              <a:schemeClr val="accent1"/>
+            </a:lnRef>
+            <a:fillRef idx="0">
+              <a:schemeClr val="accent1"/>
+            </a:fillRef>
+            <a:effectRef idx="1">
+              <a:schemeClr val="accent1"/>
+            </a:effectRef>
+            <a:fontRef idx="minor">
+              <a:schemeClr val="tx1"/>
+            </a:fontRef>
+          </p:style>
+        </p:cxnSp>
+        <mc:AlternateContent xmlns:mc="http://schemas.openxmlformats.org/markup-compatibility/2006" xmlns:a14="http://schemas.microsoft.com/office/drawing/2010/main">
+          <mc:Choice Requires="a14">
+            <p:sp>
+              <p:nvSpPr>
+                <p:cNvPr id="11" name="文本框 10">
+                  <a:extLst>
+                    <a:ext uri="{FF2B5EF4-FFF2-40B4-BE49-F238E27FC236}">
+                      <a16:creationId xmlns:a16="http://schemas.microsoft.com/office/drawing/2014/main" id="{443C5B95-50B0-FF35-F1E2-456725B711F4}"/>
+                    </a:ext>
+                  </a:extLst>
+                </p:cNvPr>
+                <p:cNvSpPr txBox="1"/>
+                <p:nvPr/>
+              </p:nvSpPr>
+              <p:spPr>
+                <a:xfrm>
+                  <a:off x="2726349" y="1770795"/>
+                  <a:ext cx="514127" cy="338554"/>
+                </a:xfrm>
+                <a:prstGeom prst="rect">
+                  <a:avLst/>
+                </a:prstGeom>
+                <a:noFill/>
+              </p:spPr>
+              <p:txBody>
+                <a:bodyPr wrap="square" rtlCol="0">
+                  <a:spAutoFit/>
+                </a:bodyPr>
+                <a:lstStyle/>
+                <a:p>
+                  <a:pPr/>
+                  <a14:m>
+                    <m:oMathPara xmlns:m="http://schemas.openxmlformats.org/officeDocument/2006/math">
+                      <m:oMathParaPr>
+                        <m:jc m:val="centerGroup"/>
+                      </m:oMathParaPr>
+                      <m:oMath xmlns:m="http://schemas.openxmlformats.org/officeDocument/2006/math">
+                        <m:r>
+                          <a:rPr kumimoji="1" lang="en-US" altLang="zh-CN" sz="1600" b="1" i="1" dirty="0" smtClean="0">
+                            <a:solidFill>
+                              <a:srgbClr val="00B0F0"/>
+                            </a:solidFill>
+                            <a:latin typeface="Cambria Math" panose="02040503050406030204" pitchFamily="18" charset="0"/>
+                            <a:cs typeface="Calibri" panose="020F0502020204030204" pitchFamily="34" charset="0"/>
+                          </a:rPr>
+                          <m:t>𝑩</m:t>
+                        </m:r>
+                      </m:oMath>
+                    </m:oMathPara>
+                  </a14:m>
+                  <a:endParaRPr kumimoji="1" lang="zh-CN" altLang="en-US" sz="1600" b="1" dirty="0">
+                    <a:solidFill>
+                      <a:srgbClr val="00B0F0"/>
+                    </a:solidFill>
+                    <a:latin typeface="Calibri" panose="020F0502020204030204" pitchFamily="34" charset="0"/>
+                    <a:cs typeface="Calibri" panose="020F0502020204030204" pitchFamily="34" charset="0"/>
+                  </a:endParaRPr>
+                </a:p>
+              </p:txBody>
+            </p:sp>
+          </mc:Choice>
+          <mc:Fallback xmlns="">
+            <p:sp>
+              <p:nvSpPr>
+                <p:cNvPr id="11" name="文本框 10">
+                  <a:extLst>
+                    <a:ext uri="{FF2B5EF4-FFF2-40B4-BE49-F238E27FC236}">
+                      <a16:creationId xmlns:a16="http://schemas.microsoft.com/office/drawing/2014/main" id="{443C5B95-50B0-FF35-F1E2-456725B711F4}"/>
+                    </a:ext>
+                  </a:extLst>
+                </p:cNvPr>
+                <p:cNvSpPr txBox="1">
+                  <a:spLocks noRot="1" noChangeAspect="1" noMove="1" noResize="1" noEditPoints="1" noAdjustHandles="1" noChangeArrowheads="1" noChangeShapeType="1" noTextEdit="1"/>
+                </p:cNvSpPr>
+                <p:nvPr/>
+              </p:nvSpPr>
+              <p:spPr>
+                <a:xfrm>
+                  <a:off x="2726349" y="1770795"/>
+                  <a:ext cx="514127" cy="338554"/>
+                </a:xfrm>
+                <a:prstGeom prst="rect">
+                  <a:avLst/>
+                </a:prstGeom>
+                <a:blipFill>
+                  <a:blip r:embed="rId15"/>
+                  <a:stretch>
+                    <a:fillRect/>
+                  </a:stretch>
+                </a:blipFill>
+              </p:spPr>
+              <p:txBody>
+                <a:bodyPr/>
+                <a:lstStyle/>
+                <a:p>
+                  <a:r>
+                    <a:rPr lang="zh-CN" altLang="en-US">
+                      <a:noFill/>
+                    </a:rPr>
+                    <a:t> </a:t>
+                  </a:r>
+                </a:p>
+              </p:txBody>
+            </p:sp>
+          </mc:Fallback>
+        </mc:AlternateContent>
+        <mc:AlternateContent xmlns:mc="http://schemas.openxmlformats.org/markup-compatibility/2006" xmlns:a14="http://schemas.microsoft.com/office/drawing/2010/main">
+          <mc:Choice Requires="a14">
+            <p:sp>
+              <p:nvSpPr>
+                <p:cNvPr id="40" name="矩形 39">
+                  <a:extLst>
+                    <a:ext uri="{FF2B5EF4-FFF2-40B4-BE49-F238E27FC236}">
+                      <a16:creationId xmlns:a16="http://schemas.microsoft.com/office/drawing/2014/main" id="{5F67A573-36AE-6EE6-2A9E-1A9291AE7F11}"/>
+                    </a:ext>
+                  </a:extLst>
+                </p:cNvPr>
+                <p:cNvSpPr/>
+                <p:nvPr/>
+              </p:nvSpPr>
+              <p:spPr>
+                <a:xfrm>
+                  <a:off x="3155497" y="1480198"/>
+                  <a:ext cx="148045" cy="365760"/>
+                </a:xfrm>
+                <a:prstGeom prst="rect">
+                  <a:avLst/>
+                </a:prstGeom>
+                <a:noFill/>
+                <a:ln>
+                  <a:noFill/>
+                </a:ln>
+              </p:spPr>
+              <p:style>
+                <a:lnRef idx="2">
+                  <a:schemeClr val="accent1">
+                    <a:shade val="15000"/>
+                  </a:schemeClr>
+                </a:lnRef>
+                <a:fillRef idx="1">
+                  <a:schemeClr val="accent1"/>
+                </a:fillRef>
+                <a:effectRef idx="0">
+                  <a:schemeClr val="accent1"/>
+                </a:effectRef>
+                <a:fontRef idx="minor">
+                  <a:schemeClr val="lt1"/>
+                </a:fontRef>
+              </p:style>
+              <p:txBody>
+                <a:bodyPr rtlCol="0" anchor="ctr"/>
+                <a:lstStyle/>
+                <a:p>
+                  <a:pPr algn="ctr"/>
+                  <a14:m>
+                    <m:oMathPara xmlns:m="http://schemas.openxmlformats.org/officeDocument/2006/math">
+                      <m:oMathParaPr>
+                        <m:jc m:val="center"/>
+                      </m:oMathParaPr>
+                      <m:oMath xmlns:m="http://schemas.openxmlformats.org/officeDocument/2006/math">
+                        <m:r>
+                          <a:rPr kumimoji="1" lang="en-US" altLang="zh-CN" b="0" i="1" smtClean="0">
+                            <a:solidFill>
+                              <a:schemeClr val="tx1"/>
+                            </a:solidFill>
+                            <a:latin typeface="Cambria Math" panose="02040503050406030204" pitchFamily="18" charset="0"/>
+                          </a:rPr>
+                          <m:t>0</m:t>
+                        </m:r>
+                      </m:oMath>
+                    </m:oMathPara>
+                  </a14:m>
+                  <a:endParaRPr kumimoji="1" lang="zh-CN" altLang="en-US" dirty="0">
+                    <a:solidFill>
+                      <a:schemeClr val="tx1"/>
+                    </a:solidFill>
+                  </a:endParaRPr>
+                </a:p>
+              </p:txBody>
+            </p:sp>
+          </mc:Choice>
+          <mc:Fallback xmlns="">
+            <p:sp>
+              <p:nvSpPr>
+                <p:cNvPr id="40" name="矩形 39">
+                  <a:extLst>
+                    <a:ext uri="{FF2B5EF4-FFF2-40B4-BE49-F238E27FC236}">
+                      <a16:creationId xmlns:a16="http://schemas.microsoft.com/office/drawing/2014/main" id="{5F67A573-36AE-6EE6-2A9E-1A9291AE7F11}"/>
+                    </a:ext>
+                  </a:extLst>
+                </p:cNvPr>
+                <p:cNvSpPr>
+                  <a:spLocks noRot="1" noChangeAspect="1" noMove="1" noResize="1" noEditPoints="1" noAdjustHandles="1" noChangeArrowheads="1" noChangeShapeType="1" noTextEdit="1"/>
+                </p:cNvSpPr>
+                <p:nvPr/>
+              </p:nvSpPr>
+              <p:spPr>
+                <a:xfrm>
+                  <a:off x="3155497" y="1480198"/>
+                  <a:ext cx="148045" cy="365760"/>
+                </a:xfrm>
+                <a:prstGeom prst="rect">
+                  <a:avLst/>
+                </a:prstGeom>
+                <a:blipFill>
+                  <a:blip r:embed="rId11"/>
+                  <a:stretch>
+                    <a:fillRect l="-61538" r="-23077"/>
+                  </a:stretch>
+                </a:blipFill>
+                <a:ln>
+                  <a:noFill/>
+                </a:ln>
+              </p:spPr>
+              <p:txBody>
+                <a:bodyPr/>
+                <a:lstStyle/>
+                <a:p>
+                  <a:r>
+                    <a:rPr lang="zh-CN" altLang="en-US">
+                      <a:noFill/>
+                    </a:rPr>
+                    <a:t> </a:t>
+                  </a:r>
+                </a:p>
+              </p:txBody>
+            </p:sp>
+          </mc:Fallback>
+        </mc:AlternateContent>
+        <mc:AlternateContent xmlns:mc="http://schemas.openxmlformats.org/markup-compatibility/2006" xmlns:a14="http://schemas.microsoft.com/office/drawing/2010/main">
+          <mc:Choice Requires="a14">
+            <p:sp>
+              <p:nvSpPr>
+                <p:cNvPr id="42" name="矩形 41">
+                  <a:extLst>
+                    <a:ext uri="{FF2B5EF4-FFF2-40B4-BE49-F238E27FC236}">
+                      <a16:creationId xmlns:a16="http://schemas.microsoft.com/office/drawing/2014/main" id="{94FAF6B1-F03B-355B-83DC-E3C10A1DF7F8}"/>
+                    </a:ext>
+                  </a:extLst>
+                </p:cNvPr>
+                <p:cNvSpPr/>
+                <p:nvPr/>
+              </p:nvSpPr>
+              <p:spPr>
+                <a:xfrm>
+                  <a:off x="3301481" y="1480198"/>
+                  <a:ext cx="148045" cy="365760"/>
+                </a:xfrm>
+                <a:prstGeom prst="rect">
+                  <a:avLst/>
+                </a:prstGeom>
+                <a:noFill/>
+                <a:ln>
+                  <a:noFill/>
+                </a:ln>
+              </p:spPr>
+              <p:style>
+                <a:lnRef idx="2">
+                  <a:schemeClr val="accent1">
+                    <a:shade val="15000"/>
+                  </a:schemeClr>
+                </a:lnRef>
+                <a:fillRef idx="1">
+                  <a:schemeClr val="accent1"/>
+                </a:fillRef>
+                <a:effectRef idx="0">
+                  <a:schemeClr val="accent1"/>
+                </a:effectRef>
+                <a:fontRef idx="minor">
+                  <a:schemeClr val="lt1"/>
+                </a:fontRef>
+              </p:style>
+              <p:txBody>
+                <a:bodyPr rtlCol="0" anchor="ctr"/>
+                <a:lstStyle/>
+                <a:p>
+                  <a:pPr algn="ctr"/>
+                  <a14:m>
+                    <m:oMathPara xmlns:m="http://schemas.openxmlformats.org/officeDocument/2006/math">
+                      <m:oMathParaPr>
+                        <m:jc m:val="center"/>
+                      </m:oMathParaPr>
+                      <m:oMath xmlns:m="http://schemas.openxmlformats.org/officeDocument/2006/math">
+                        <m:r>
+                          <a:rPr kumimoji="1" lang="en-US" altLang="zh-CN" b="0" i="1" smtClean="0">
+                            <a:solidFill>
+                              <a:schemeClr val="tx1"/>
+                            </a:solidFill>
+                            <a:latin typeface="Cambria Math" panose="02040503050406030204" pitchFamily="18" charset="0"/>
+                          </a:rPr>
+                          <m:t>0</m:t>
+                        </m:r>
+                      </m:oMath>
+                    </m:oMathPara>
+                  </a14:m>
+                  <a:endParaRPr kumimoji="1" lang="zh-CN" altLang="en-US" dirty="0">
+                    <a:solidFill>
+                      <a:schemeClr val="tx1"/>
+                    </a:solidFill>
+                  </a:endParaRPr>
+                </a:p>
+              </p:txBody>
+            </p:sp>
+          </mc:Choice>
+          <mc:Fallback xmlns="">
+            <p:sp>
+              <p:nvSpPr>
+                <p:cNvPr id="42" name="矩形 41">
+                  <a:extLst>
+                    <a:ext uri="{FF2B5EF4-FFF2-40B4-BE49-F238E27FC236}">
+                      <a16:creationId xmlns:a16="http://schemas.microsoft.com/office/drawing/2014/main" id="{94FAF6B1-F03B-355B-83DC-E3C10A1DF7F8}"/>
+                    </a:ext>
+                  </a:extLst>
+                </p:cNvPr>
+                <p:cNvSpPr>
+                  <a:spLocks noRot="1" noChangeAspect="1" noMove="1" noResize="1" noEditPoints="1" noAdjustHandles="1" noChangeArrowheads="1" noChangeShapeType="1" noTextEdit="1"/>
+                </p:cNvSpPr>
+                <p:nvPr/>
+              </p:nvSpPr>
+              <p:spPr>
+                <a:xfrm>
+                  <a:off x="3301481" y="1480198"/>
+                  <a:ext cx="148045" cy="365760"/>
+                </a:xfrm>
+                <a:prstGeom prst="rect">
+                  <a:avLst/>
+                </a:prstGeom>
+                <a:blipFill>
+                  <a:blip r:embed="rId10"/>
+                  <a:stretch>
+                    <a:fillRect l="-66667" r="-25000"/>
+                  </a:stretch>
+                </a:blipFill>
+                <a:ln>
+                  <a:noFill/>
+                </a:ln>
+              </p:spPr>
+              <p:txBody>
+                <a:bodyPr/>
+                <a:lstStyle/>
+                <a:p>
+                  <a:r>
+                    <a:rPr lang="zh-CN" altLang="en-US">
+                      <a:noFill/>
+                    </a:rPr>
+                    <a:t> </a:t>
+                  </a:r>
+                </a:p>
+              </p:txBody>
+            </p:sp>
+          </mc:Fallback>
+        </mc:AlternateContent>
+        <mc:AlternateContent xmlns:mc="http://schemas.openxmlformats.org/markup-compatibility/2006" xmlns:a14="http://schemas.microsoft.com/office/drawing/2010/main">
+          <mc:Choice Requires="a14">
+            <p:sp>
+              <p:nvSpPr>
+                <p:cNvPr id="43" name="矩形 42">
+                  <a:extLst>
+                    <a:ext uri="{FF2B5EF4-FFF2-40B4-BE49-F238E27FC236}">
+                      <a16:creationId xmlns:a16="http://schemas.microsoft.com/office/drawing/2014/main" id="{95B5575D-6CF0-9E45-7BD8-2F7E090AB80A}"/>
+                    </a:ext>
+                  </a:extLst>
+                </p:cNvPr>
+                <p:cNvSpPr/>
+                <p:nvPr/>
+              </p:nvSpPr>
+              <p:spPr>
+                <a:xfrm>
+                  <a:off x="3447464" y="1480198"/>
+                  <a:ext cx="148045" cy="365760"/>
+                </a:xfrm>
+                <a:prstGeom prst="rect">
+                  <a:avLst/>
+                </a:prstGeom>
+                <a:noFill/>
+                <a:ln>
+                  <a:noFill/>
+                </a:ln>
+              </p:spPr>
+              <p:style>
+                <a:lnRef idx="2">
+                  <a:schemeClr val="accent1">
+                    <a:shade val="15000"/>
+                  </a:schemeClr>
+                </a:lnRef>
+                <a:fillRef idx="1">
+                  <a:schemeClr val="accent1"/>
+                </a:fillRef>
+                <a:effectRef idx="0">
+                  <a:schemeClr val="accent1"/>
+                </a:effectRef>
+                <a:fontRef idx="minor">
+                  <a:schemeClr val="lt1"/>
+                </a:fontRef>
+              </p:style>
+              <p:txBody>
+                <a:bodyPr rtlCol="0" anchor="ctr"/>
+                <a:lstStyle/>
+                <a:p>
+                  <a:pPr algn="ctr"/>
+                  <a14:m>
+                    <m:oMathPara xmlns:m="http://schemas.openxmlformats.org/officeDocument/2006/math">
+                      <m:oMathParaPr>
+                        <m:jc m:val="center"/>
+                      </m:oMathParaPr>
+                      <m:oMath xmlns:m="http://schemas.openxmlformats.org/officeDocument/2006/math">
+                        <m:r>
+                          <a:rPr kumimoji="1" lang="en-US" altLang="zh-CN" b="0" i="1" smtClean="0">
+                            <a:solidFill>
+                              <a:schemeClr val="tx1"/>
+                            </a:solidFill>
+                            <a:latin typeface="Cambria Math" panose="02040503050406030204" pitchFamily="18" charset="0"/>
+                          </a:rPr>
+                          <m:t>0</m:t>
+                        </m:r>
+                      </m:oMath>
+                    </m:oMathPara>
+                  </a14:m>
+                  <a:endParaRPr kumimoji="1" lang="zh-CN" altLang="en-US" dirty="0">
+                    <a:solidFill>
+                      <a:schemeClr val="tx1"/>
+                    </a:solidFill>
+                  </a:endParaRPr>
+                </a:p>
+              </p:txBody>
+            </p:sp>
+          </mc:Choice>
+          <mc:Fallback xmlns="">
+            <p:sp>
+              <p:nvSpPr>
+                <p:cNvPr id="43" name="矩形 42">
+                  <a:extLst>
+                    <a:ext uri="{FF2B5EF4-FFF2-40B4-BE49-F238E27FC236}">
+                      <a16:creationId xmlns:a16="http://schemas.microsoft.com/office/drawing/2014/main" id="{95B5575D-6CF0-9E45-7BD8-2F7E090AB80A}"/>
+                    </a:ext>
+                  </a:extLst>
+                </p:cNvPr>
+                <p:cNvSpPr>
+                  <a:spLocks noRot="1" noChangeAspect="1" noMove="1" noResize="1" noEditPoints="1" noAdjustHandles="1" noChangeArrowheads="1" noChangeShapeType="1" noTextEdit="1"/>
+                </p:cNvSpPr>
+                <p:nvPr/>
+              </p:nvSpPr>
+              <p:spPr>
+                <a:xfrm>
+                  <a:off x="3447464" y="1480198"/>
+                  <a:ext cx="148045" cy="365760"/>
+                </a:xfrm>
+                <a:prstGeom prst="rect">
+                  <a:avLst/>
+                </a:prstGeom>
+                <a:blipFill>
+                  <a:blip r:embed="rId11"/>
+                  <a:stretch>
+                    <a:fillRect l="-61538" r="-23077"/>
+                  </a:stretch>
+                </a:blipFill>
+                <a:ln>
+                  <a:noFill/>
+                </a:ln>
+              </p:spPr>
+              <p:txBody>
+                <a:bodyPr/>
+                <a:lstStyle/>
+                <a:p>
+                  <a:r>
+                    <a:rPr lang="zh-CN" altLang="en-US">
+                      <a:noFill/>
+                    </a:rPr>
+                    <a:t> </a:t>
+                  </a:r>
+                </a:p>
+              </p:txBody>
+            </p:sp>
+          </mc:Fallback>
+        </mc:AlternateContent>
+        <p:cxnSp>
+          <p:nvCxnSpPr>
+            <p:cNvPr id="44" name="直线箭头连接符 43">
+              <a:extLst>
+                <a:ext uri="{FF2B5EF4-FFF2-40B4-BE49-F238E27FC236}">
+                  <a16:creationId xmlns:a16="http://schemas.microsoft.com/office/drawing/2014/main" id="{87AECED8-5E10-DEEC-9364-1430A25C923E}"/>
+                </a:ext>
+              </a:extLst>
+            </p:cNvPr>
+            <p:cNvCxnSpPr>
+              <a:cxnSpLocks/>
+            </p:cNvCxnSpPr>
+            <p:nvPr/>
+          </p:nvCxnSpPr>
+          <p:spPr>
+            <a:xfrm flipH="1">
+              <a:off x="3135171" y="1517798"/>
+              <a:ext cx="380244" cy="0"/>
+            </a:xfrm>
+            <a:prstGeom prst="straightConnector1">
+              <a:avLst/>
+            </a:prstGeom>
+            <a:ln w="9525">
+              <a:solidFill>
+                <a:schemeClr val="tx1"/>
+              </a:solidFill>
+              <a:headEnd type="triangle" w="sm" len="med"/>
+              <a:tailEnd type="triangle" w="sm" len="med"/>
+            </a:ln>
+          </p:spPr>
+          <p:style>
+            <a:lnRef idx="2">
+              <a:schemeClr val="accent1"/>
+            </a:lnRef>
+            <a:fillRef idx="0">
+              <a:schemeClr val="accent1"/>
+            </a:fillRef>
+            <a:effectRef idx="1">
+              <a:schemeClr val="accent1"/>
+            </a:effectRef>
+            <a:fontRef idx="minor">
+              <a:schemeClr val="tx1"/>
+            </a:fontRef>
+          </p:style>
+        </p:cxnSp>
+        <mc:AlternateContent xmlns:mc="http://schemas.openxmlformats.org/markup-compatibility/2006" xmlns:a14="http://schemas.microsoft.com/office/drawing/2010/main">
+          <mc:Choice Requires="a14">
+            <p:sp>
+              <p:nvSpPr>
+                <p:cNvPr id="46" name="文本框 45">
+                  <a:extLst>
+                    <a:ext uri="{FF2B5EF4-FFF2-40B4-BE49-F238E27FC236}">
+                      <a16:creationId xmlns:a16="http://schemas.microsoft.com/office/drawing/2014/main" id="{741CBF2F-6509-8D39-57EA-DBEA523E9084}"/>
+                    </a:ext>
+                  </a:extLst>
+                </p:cNvPr>
+                <p:cNvSpPr txBox="1"/>
+                <p:nvPr/>
+              </p:nvSpPr>
+              <p:spPr>
+                <a:xfrm>
+                  <a:off x="2987747" y="1211132"/>
+                  <a:ext cx="778369" cy="338554"/>
+                </a:xfrm>
+                <a:prstGeom prst="rect">
+                  <a:avLst/>
+                </a:prstGeom>
+                <a:noFill/>
+              </p:spPr>
+              <p:txBody>
+                <a:bodyPr wrap="square" rtlCol="0">
+                  <a:spAutoFit/>
+                </a:bodyPr>
+                <a:lstStyle/>
+                <a:p>
+                  <a:pPr/>
+                  <a14:m>
+                    <m:oMathPara xmlns:m="http://schemas.openxmlformats.org/officeDocument/2006/math">
+                      <m:oMathParaPr>
+                        <m:jc m:val="centerGroup"/>
+                      </m:oMathParaPr>
+                      <m:oMath xmlns:m="http://schemas.openxmlformats.org/officeDocument/2006/math">
+                        <m:r>
+                          <a:rPr kumimoji="1" lang="en-US" altLang="zh-CN" sz="1600" b="1" i="1" dirty="0" smtClean="0">
+                            <a:solidFill>
+                              <a:srgbClr val="00B0F0"/>
+                            </a:solidFill>
+                            <a:latin typeface="Cambria Math" panose="02040503050406030204" pitchFamily="18" charset="0"/>
+                            <a:cs typeface="Calibri" panose="020F0502020204030204" pitchFamily="34" charset="0"/>
+                          </a:rPr>
+                          <m:t>𝑴</m:t>
+                        </m:r>
+                      </m:oMath>
+                    </m:oMathPara>
+                  </a14:m>
+                  <a:endParaRPr kumimoji="1" lang="zh-CN" altLang="en-US" sz="1600" b="1" dirty="0">
+                    <a:solidFill>
+                      <a:srgbClr val="00B0F0"/>
+                    </a:solidFill>
+                    <a:latin typeface="Calibri" panose="020F0502020204030204" pitchFamily="34" charset="0"/>
+                    <a:cs typeface="Calibri" panose="020F0502020204030204" pitchFamily="34" charset="0"/>
+                  </a:endParaRPr>
+                </a:p>
+              </p:txBody>
+            </p:sp>
+          </mc:Choice>
+          <mc:Fallback xmlns="">
+            <p:sp>
+              <p:nvSpPr>
+                <p:cNvPr id="46" name="文本框 45">
+                  <a:extLst>
+                    <a:ext uri="{FF2B5EF4-FFF2-40B4-BE49-F238E27FC236}">
+                      <a16:creationId xmlns:a16="http://schemas.microsoft.com/office/drawing/2014/main" id="{741CBF2F-6509-8D39-57EA-DBEA523E9084}"/>
+                    </a:ext>
+                  </a:extLst>
+                </p:cNvPr>
+                <p:cNvSpPr txBox="1">
+                  <a:spLocks noRot="1" noChangeAspect="1" noMove="1" noResize="1" noEditPoints="1" noAdjustHandles="1" noChangeArrowheads="1" noChangeShapeType="1" noTextEdit="1"/>
+                </p:cNvSpPr>
+                <p:nvPr/>
+              </p:nvSpPr>
+              <p:spPr>
+                <a:xfrm>
+                  <a:off x="2987747" y="1211132"/>
+                  <a:ext cx="778369" cy="338554"/>
+                </a:xfrm>
+                <a:prstGeom prst="rect">
+                  <a:avLst/>
+                </a:prstGeom>
+                <a:blipFill>
+                  <a:blip r:embed="rId16"/>
+                  <a:stretch>
+                    <a:fillRect/>
+                  </a:stretch>
+                </a:blipFill>
+              </p:spPr>
+              <p:txBody>
+                <a:bodyPr/>
+                <a:lstStyle/>
+                <a:p>
+                  <a:r>
+                    <a:rPr lang="zh-CN" altLang="en-US">
+                      <a:noFill/>
+                    </a:rPr>
+                    <a:t> </a:t>
+                  </a:r>
+                </a:p>
+              </p:txBody>
+            </p:sp>
+          </mc:Fallback>
+        </mc:AlternateContent>
+        <p:sp>
+          <p:nvSpPr>
+            <p:cNvPr id="87" name="文本框 86">
+              <a:extLst>
+                <a:ext uri="{FF2B5EF4-FFF2-40B4-BE49-F238E27FC236}">
+                  <a16:creationId xmlns:a16="http://schemas.microsoft.com/office/drawing/2014/main" id="{23E327EE-2345-1AFB-7293-347B1DC47A80}"/>
+                </a:ext>
+              </a:extLst>
+            </p:cNvPr>
+            <p:cNvSpPr txBox="1"/>
+            <p:nvPr/>
+          </p:nvSpPr>
+          <p:spPr>
+            <a:xfrm>
+              <a:off x="1371019" y="2013943"/>
+              <a:ext cx="2712948" cy="338554"/>
+            </a:xfrm>
+            <a:prstGeom prst="rect">
+              <a:avLst/>
+            </a:prstGeom>
+            <a:noFill/>
+          </p:spPr>
+          <p:txBody>
+            <a:bodyPr wrap="square" rtlCol="0">
+              <a:spAutoFit/>
+            </a:bodyPr>
+            <a:lstStyle/>
+            <a:p>
+              <a:r>
+                <a:rPr kumimoji="1" lang="zh-CN" altLang="en-US" sz="1600" dirty="0">
+                  <a:latin typeface="Calibri" panose="020F0502020204030204" pitchFamily="34" charset="0"/>
+                  <a:cs typeface="Calibri" panose="020F0502020204030204" pitchFamily="34" charset="0"/>
+                </a:rPr>
+                <a:t>（</a:t>
+              </a:r>
+              <a:r>
+                <a:rPr kumimoji="1" lang="en-US" altLang="zh-CN" sz="1600" dirty="0">
+                  <a:latin typeface="Calibri" panose="020F0502020204030204" pitchFamily="34" charset="0"/>
+                  <a:cs typeface="Calibri" panose="020F0502020204030204" pitchFamily="34" charset="0"/>
+                </a:rPr>
+                <a:t>a</a:t>
+              </a:r>
+              <a:r>
+                <a:rPr kumimoji="1" lang="zh-CN" altLang="en-US" sz="1600" dirty="0">
+                  <a:latin typeface="Calibri" panose="020F0502020204030204" pitchFamily="34" charset="0"/>
+                  <a:cs typeface="Calibri" panose="020F0502020204030204" pitchFamily="34" charset="0"/>
+                </a:rPr>
+                <a:t>）</a:t>
+              </a:r>
+              <a:r>
+                <a:rPr kumimoji="1" lang="en-US" altLang="zh-CN" sz="1600" dirty="0">
+                  <a:latin typeface="Calibri" panose="020F0502020204030204" pitchFamily="34" charset="0"/>
+                  <a:cs typeface="Calibri" panose="020F0502020204030204" pitchFamily="34" charset="0"/>
+                </a:rPr>
+                <a:t>swizzle</a:t>
+              </a:r>
+              <a:r>
+                <a:rPr kumimoji="1" lang="zh-CN" altLang="en-US" sz="1600" dirty="0">
+                  <a:latin typeface="Calibri" panose="020F0502020204030204" pitchFamily="34" charset="0"/>
+                  <a:cs typeface="Calibri" panose="020F0502020204030204" pitchFamily="34" charset="0"/>
+                </a:rPr>
+                <a:t>函数的三个参数</a:t>
+              </a:r>
+            </a:p>
+          </p:txBody>
+        </p:sp>
+      </p:grpSp>
+      <p:cxnSp>
+        <p:nvCxnSpPr>
+          <p:cNvPr id="90" name="直线箭头连接符 89">
+            <a:extLst>
+              <a:ext uri="{FF2B5EF4-FFF2-40B4-BE49-F238E27FC236}">
+                <a16:creationId xmlns:a16="http://schemas.microsoft.com/office/drawing/2014/main" id="{C3FAA589-8109-C68A-6A0E-8021121BE100}"/>
+              </a:ext>
+            </a:extLst>
+          </p:cNvPr>
+          <p:cNvCxnSpPr>
+            <a:cxnSpLocks/>
+          </p:cNvCxnSpPr>
+          <p:nvPr/>
+        </p:nvCxnSpPr>
+        <p:spPr>
+          <a:xfrm flipH="1">
+            <a:off x="2833833" y="2611852"/>
+            <a:ext cx="430994" cy="0"/>
+          </a:xfrm>
+          <a:prstGeom prst="straightConnector1">
+            <a:avLst/>
+          </a:prstGeom>
+          <a:ln w="9525">
+            <a:solidFill>
+              <a:schemeClr val="tx1"/>
+            </a:solidFill>
+            <a:headEnd type="triangle" w="sm" len="med"/>
+            <a:tailEnd type="triangle" w="sm" len="med"/>
+          </a:ln>
+        </p:spPr>
+        <p:style>
+          <a:lnRef idx="2">
+            <a:schemeClr val="accent1"/>
+          </a:lnRef>
+          <a:fillRef idx="0">
+            <a:schemeClr val="accent1"/>
+          </a:fillRef>
+          <a:effectRef idx="1">
+            <a:schemeClr val="accent1"/>
+          </a:effectRef>
+          <a:fontRef idx="minor">
+            <a:schemeClr val="tx1"/>
+          </a:fontRef>
+        </p:style>
+      </p:cxnSp>
+      <p:cxnSp>
+        <p:nvCxnSpPr>
+          <p:cNvPr id="13" name="直线箭头连接符 12">
+            <a:extLst>
+              <a:ext uri="{FF2B5EF4-FFF2-40B4-BE49-F238E27FC236}">
+                <a16:creationId xmlns:a16="http://schemas.microsoft.com/office/drawing/2014/main" id="{478A6116-BA67-071E-E7CB-5412DC75BD3A}"/>
+              </a:ext>
+            </a:extLst>
+          </p:cNvPr>
+          <p:cNvCxnSpPr>
+            <a:cxnSpLocks/>
+          </p:cNvCxnSpPr>
+          <p:nvPr/>
+        </p:nvCxnSpPr>
+        <p:spPr>
+          <a:xfrm flipH="1">
+            <a:off x="1152426" y="4465200"/>
+            <a:ext cx="3309974" cy="0"/>
+          </a:xfrm>
+          <a:prstGeom prst="straightConnector1">
+            <a:avLst/>
+          </a:prstGeom>
+          <a:ln w="9525">
+            <a:solidFill>
+              <a:schemeClr val="tx1"/>
+            </a:solidFill>
+            <a:headEnd type="triangle" w="sm" len="med"/>
+            <a:tailEnd type="triangle" w="sm" len="med"/>
+          </a:ln>
+        </p:spPr>
+        <p:style>
+          <a:lnRef idx="2">
+            <a:schemeClr val="accent1"/>
+          </a:lnRef>
+          <a:fillRef idx="0">
+            <a:schemeClr val="accent1"/>
+          </a:fillRef>
+          <a:effectRef idx="1">
+            <a:schemeClr val="accent1"/>
+          </a:effectRef>
+          <a:fontRef idx="minor">
+            <a:schemeClr val="tx1"/>
+          </a:fontRef>
+        </p:style>
+      </p:cxnSp>
+      <p:sp>
+        <p:nvSpPr>
+          <p:cNvPr id="71" name="文本框 70">
+            <a:extLst>
+              <a:ext uri="{FF2B5EF4-FFF2-40B4-BE49-F238E27FC236}">
+                <a16:creationId xmlns:a16="http://schemas.microsoft.com/office/drawing/2014/main" id="{7635E259-8ED9-4150-0B1B-200BC84724A5}"/>
+              </a:ext>
+            </a:extLst>
+          </p:cNvPr>
+          <p:cNvSpPr txBox="1"/>
+          <p:nvPr/>
+        </p:nvSpPr>
+        <p:spPr>
+          <a:xfrm>
+            <a:off x="2134638" y="4742899"/>
+            <a:ext cx="1122829" cy="307777"/>
+          </a:xfrm>
+          <a:prstGeom prst="rect">
+            <a:avLst/>
+          </a:prstGeom>
+          <a:noFill/>
+        </p:spPr>
+        <p:txBody>
+          <a:bodyPr wrap="square" rtlCol="0">
+            <a:spAutoFit/>
+          </a:bodyPr>
+          <a:lstStyle/>
+          <a:p>
+            <a:r>
+              <a:rPr kumimoji="1" lang="en-US" altLang="zh-CN" sz="1400" b="1" dirty="0"/>
+              <a:t>&lt;2,3,3&gt;</a:t>
+            </a:r>
+            <a:endParaRPr kumimoji="1" lang="zh-CN" altLang="en-US" sz="1400" b="1" dirty="0"/>
+          </a:p>
+        </p:txBody>
+      </p:sp>
+      <p:grpSp>
+        <p:nvGrpSpPr>
+          <p:cNvPr id="72" name="组合 71">
+            <a:extLst>
+              <a:ext uri="{FF2B5EF4-FFF2-40B4-BE49-F238E27FC236}">
+                <a16:creationId xmlns:a16="http://schemas.microsoft.com/office/drawing/2014/main" id="{8D7EB50B-8BB6-D3C8-A2ED-7DA326202371}"/>
+              </a:ext>
+            </a:extLst>
+          </p:cNvPr>
+          <p:cNvGrpSpPr/>
+          <p:nvPr/>
+        </p:nvGrpSpPr>
+        <p:grpSpPr>
+          <a:xfrm>
+            <a:off x="4607888" y="4150569"/>
+            <a:ext cx="986112" cy="599262"/>
+            <a:chOff x="5219763" y="4710540"/>
+            <a:chExt cx="986112" cy="599262"/>
+          </a:xfrm>
+        </p:grpSpPr>
+        <p:sp>
+          <p:nvSpPr>
+            <p:cNvPr id="73" name="矩形 72">
+              <a:extLst>
+                <a:ext uri="{FF2B5EF4-FFF2-40B4-BE49-F238E27FC236}">
+                  <a16:creationId xmlns:a16="http://schemas.microsoft.com/office/drawing/2014/main" id="{E5CB0B7B-6C4E-DE0B-8406-04CD5DA66EDB}"/>
+                </a:ext>
+              </a:extLst>
+            </p:cNvPr>
+            <p:cNvSpPr/>
+            <p:nvPr/>
+          </p:nvSpPr>
+          <p:spPr>
+            <a:xfrm>
+              <a:off x="5219763" y="5065004"/>
+              <a:ext cx="329453" cy="237866"/>
+            </a:xfrm>
+            <a:prstGeom prst="rect">
+              <a:avLst/>
+            </a:prstGeom>
+            <a:solidFill>
+              <a:schemeClr val="tx2">
+                <a:lumMod val="20000"/>
+                <a:lumOff val="80000"/>
+              </a:schemeClr>
+            </a:solidFill>
+            <a:ln w="9525">
+              <a:noFill/>
+            </a:ln>
+          </p:spPr>
+          <p:style>
+            <a:lnRef idx="2">
+              <a:schemeClr val="accent1">
+                <a:shade val="15000"/>
+              </a:schemeClr>
+            </a:lnRef>
+            <a:fillRef idx="1">
+              <a:schemeClr val="accent1"/>
+            </a:fillRef>
+            <a:effectRef idx="0">
+              <a:schemeClr val="accent1"/>
+            </a:effectRef>
+            <a:fontRef idx="minor">
+              <a:schemeClr val="lt1"/>
+            </a:fontRef>
+          </p:style>
+          <p:txBody>
+            <a:bodyPr rtlCol="0" anchor="ctr"/>
+            <a:lstStyle/>
+            <a:p>
+              <a:pPr algn="ctr"/>
+              <a:endParaRPr kumimoji="1" lang="zh-CN" altLang="en-US"/>
+            </a:p>
+          </p:txBody>
+        </p:sp>
+        <p:sp>
+          <p:nvSpPr>
+            <p:cNvPr id="74" name="矩形 73">
+              <a:extLst>
+                <a:ext uri="{FF2B5EF4-FFF2-40B4-BE49-F238E27FC236}">
+                  <a16:creationId xmlns:a16="http://schemas.microsoft.com/office/drawing/2014/main" id="{5C933E4C-13A7-287F-1752-9E6F3DDFA6D8}"/>
+                </a:ext>
+              </a:extLst>
+            </p:cNvPr>
+            <p:cNvSpPr/>
+            <p:nvPr/>
+          </p:nvSpPr>
+          <p:spPr>
+            <a:xfrm>
+              <a:off x="5347515" y="4732959"/>
+              <a:ext cx="201701" cy="237866"/>
+            </a:xfrm>
+            <a:prstGeom prst="rect">
+              <a:avLst/>
+            </a:prstGeom>
+            <a:solidFill>
+              <a:schemeClr val="accent4">
+                <a:lumMod val="20000"/>
+                <a:lumOff val="80000"/>
+              </a:schemeClr>
+            </a:solidFill>
+            <a:ln w="9525">
+              <a:noFill/>
+            </a:ln>
+          </p:spPr>
+          <p:style>
+            <a:lnRef idx="2">
+              <a:schemeClr val="accent1">
+                <a:shade val="15000"/>
+              </a:schemeClr>
+            </a:lnRef>
+            <a:fillRef idx="1">
+              <a:schemeClr val="accent1"/>
+            </a:fillRef>
+            <a:effectRef idx="0">
+              <a:schemeClr val="accent1"/>
+            </a:effectRef>
+            <a:fontRef idx="minor">
+              <a:schemeClr val="lt1"/>
+            </a:fontRef>
+          </p:style>
+          <p:txBody>
+            <a:bodyPr rtlCol="0" anchor="ctr"/>
+            <a:lstStyle/>
+            <a:p>
+              <a:pPr algn="ctr"/>
+              <a:endParaRPr kumimoji="1" lang="zh-CN" altLang="en-US"/>
+            </a:p>
+          </p:txBody>
+        </p:sp>
+        <p:sp>
+          <p:nvSpPr>
+            <p:cNvPr id="75" name="文本框 74">
+              <a:extLst>
+                <a:ext uri="{FF2B5EF4-FFF2-40B4-BE49-F238E27FC236}">
+                  <a16:creationId xmlns:a16="http://schemas.microsoft.com/office/drawing/2014/main" id="{E0AC1E8A-BBA4-98E7-3D22-496AC7D98601}"/>
+                </a:ext>
+              </a:extLst>
+            </p:cNvPr>
+            <p:cNvSpPr txBox="1"/>
+            <p:nvPr/>
+          </p:nvSpPr>
+          <p:spPr>
+            <a:xfrm>
+              <a:off x="5553693" y="4710540"/>
+              <a:ext cx="652182" cy="276999"/>
+            </a:xfrm>
+            <a:prstGeom prst="rect">
+              <a:avLst/>
+            </a:prstGeom>
+            <a:noFill/>
+          </p:spPr>
+          <p:txBody>
+            <a:bodyPr wrap="square" rtlCol="0">
+              <a:spAutoFit/>
+            </a:bodyPr>
+            <a:lstStyle/>
+            <a:p>
+              <a:r>
+                <a:rPr kumimoji="1" lang="en-US" altLang="zh-CN" sz="1200" dirty="0">
+                  <a:latin typeface="Calibri" panose="020F0502020204030204" pitchFamily="34" charset="0"/>
+                  <a:cs typeface="Calibri" panose="020F0502020204030204" pitchFamily="34" charset="0"/>
+                </a:rPr>
+                <a:t>Bits</a:t>
+              </a:r>
+              <a:endParaRPr kumimoji="1" lang="zh-CN" altLang="en-US" sz="1200" dirty="0">
+                <a:latin typeface="Calibri" panose="020F0502020204030204" pitchFamily="34" charset="0"/>
+                <a:cs typeface="Calibri" panose="020F0502020204030204" pitchFamily="34" charset="0"/>
+              </a:endParaRPr>
+            </a:p>
+          </p:txBody>
+        </p:sp>
+        <p:sp>
+          <p:nvSpPr>
+            <p:cNvPr id="76" name="文本框 75">
+              <a:extLst>
+                <a:ext uri="{FF2B5EF4-FFF2-40B4-BE49-F238E27FC236}">
+                  <a16:creationId xmlns:a16="http://schemas.microsoft.com/office/drawing/2014/main" id="{890D3D1D-71D7-035E-2003-F1A2A22652B8}"/>
+                </a:ext>
+              </a:extLst>
+            </p:cNvPr>
+            <p:cNvSpPr txBox="1"/>
+            <p:nvPr/>
+          </p:nvSpPr>
+          <p:spPr>
+            <a:xfrm>
+              <a:off x="5553693" y="5032803"/>
+              <a:ext cx="652182" cy="276999"/>
+            </a:xfrm>
+            <a:prstGeom prst="rect">
+              <a:avLst/>
+            </a:prstGeom>
+            <a:noFill/>
+          </p:spPr>
+          <p:txBody>
+            <a:bodyPr wrap="square" rtlCol="0">
+              <a:spAutoFit/>
+            </a:bodyPr>
+            <a:lstStyle/>
+            <a:p>
+              <a:r>
+                <a:rPr kumimoji="1" lang="en-US" altLang="zh-CN" sz="1200" dirty="0">
+                  <a:latin typeface="Calibri" panose="020F0502020204030204" pitchFamily="34" charset="0"/>
+                  <a:cs typeface="Calibri" panose="020F0502020204030204" pitchFamily="34" charset="0"/>
+                </a:rPr>
+                <a:t>B</a:t>
+              </a:r>
+              <a:r>
+                <a:rPr kumimoji="1" lang="en-US" altLang="zh-CN" sz="1200">
+                  <a:latin typeface="Calibri" panose="020F0502020204030204" pitchFamily="34" charset="0"/>
+                  <a:cs typeface="Calibri" panose="020F0502020204030204" pitchFamily="34" charset="0"/>
+                </a:rPr>
+                <a:t>ase</a:t>
+              </a:r>
+              <a:endParaRPr kumimoji="1" lang="zh-CN" altLang="en-US" sz="1200" dirty="0">
+                <a:latin typeface="Calibri" panose="020F0502020204030204" pitchFamily="34" charset="0"/>
+                <a:cs typeface="Calibri" panose="020F0502020204030204" pitchFamily="34" charset="0"/>
+              </a:endParaRPr>
+            </a:p>
+          </p:txBody>
+        </p:sp>
+      </p:grpSp>
+      <p:cxnSp>
+        <p:nvCxnSpPr>
+          <p:cNvPr id="77" name="直线箭头连接符 76">
+            <a:extLst>
+              <a:ext uri="{FF2B5EF4-FFF2-40B4-BE49-F238E27FC236}">
+                <a16:creationId xmlns:a16="http://schemas.microsoft.com/office/drawing/2014/main" id="{4A557B7E-9A6A-741B-5B63-30DC41447ED6}"/>
+              </a:ext>
+            </a:extLst>
+          </p:cNvPr>
+          <p:cNvCxnSpPr>
+            <a:cxnSpLocks/>
+          </p:cNvCxnSpPr>
+          <p:nvPr/>
+        </p:nvCxnSpPr>
+        <p:spPr>
+          <a:xfrm flipH="1">
+            <a:off x="3769629" y="4082420"/>
+            <a:ext cx="363316" cy="0"/>
+          </a:xfrm>
+          <a:prstGeom prst="straightConnector1">
+            <a:avLst/>
+          </a:prstGeom>
+          <a:ln w="9525">
+            <a:solidFill>
+              <a:schemeClr val="tx1"/>
+            </a:solidFill>
+            <a:headEnd type="triangle" w="sm" len="med"/>
+            <a:tailEnd type="triangle" w="sm" len="med"/>
+          </a:ln>
+        </p:spPr>
+        <p:style>
+          <a:lnRef idx="2">
+            <a:schemeClr val="accent1"/>
+          </a:lnRef>
+          <a:fillRef idx="0">
+            <a:schemeClr val="accent1"/>
+          </a:fillRef>
+          <a:effectRef idx="1">
+            <a:schemeClr val="accent1"/>
+          </a:effectRef>
+          <a:fontRef idx="minor">
+            <a:schemeClr val="tx1"/>
+          </a:fontRef>
+        </p:style>
+      </p:cxnSp>
+      <p:cxnSp>
+        <p:nvCxnSpPr>
+          <p:cNvPr id="78" name="直线连接符 77">
+            <a:extLst>
+              <a:ext uri="{FF2B5EF4-FFF2-40B4-BE49-F238E27FC236}">
+                <a16:creationId xmlns:a16="http://schemas.microsoft.com/office/drawing/2014/main" id="{7112F638-AC10-F583-38CF-DECB8ED0190D}"/>
+              </a:ext>
+            </a:extLst>
+          </p:cNvPr>
+          <p:cNvCxnSpPr>
+            <a:cxnSpLocks/>
+          </p:cNvCxnSpPr>
+          <p:nvPr/>
+        </p:nvCxnSpPr>
+        <p:spPr>
+          <a:xfrm>
+            <a:off x="3773811" y="3934161"/>
+            <a:ext cx="0" cy="222381"/>
+          </a:xfrm>
+          <a:prstGeom prst="line">
+            <a:avLst/>
+          </a:prstGeom>
+          <a:ln w="12700">
+            <a:solidFill>
+              <a:schemeClr val="tx1"/>
+            </a:solidFill>
+          </a:ln>
+        </p:spPr>
+        <p:style>
+          <a:lnRef idx="2">
+            <a:schemeClr val="accent1"/>
+          </a:lnRef>
+          <a:fillRef idx="0">
+            <a:schemeClr val="accent1"/>
+          </a:fillRef>
+          <a:effectRef idx="1">
+            <a:schemeClr val="accent1"/>
+          </a:effectRef>
+          <a:fontRef idx="minor">
+            <a:schemeClr val="tx1"/>
+          </a:fontRef>
+        </p:style>
+      </p:cxnSp>
+      <p:cxnSp>
+        <p:nvCxnSpPr>
+          <p:cNvPr id="79" name="直线连接符 78">
+            <a:extLst>
+              <a:ext uri="{FF2B5EF4-FFF2-40B4-BE49-F238E27FC236}">
+                <a16:creationId xmlns:a16="http://schemas.microsoft.com/office/drawing/2014/main" id="{6DCE9FC8-ED52-6242-C572-6C9CA544330B}"/>
+              </a:ext>
+            </a:extLst>
+          </p:cNvPr>
+          <p:cNvCxnSpPr>
+            <a:cxnSpLocks/>
+          </p:cNvCxnSpPr>
+          <p:nvPr/>
+        </p:nvCxnSpPr>
+        <p:spPr>
+          <a:xfrm>
+            <a:off x="4132945" y="3934161"/>
+            <a:ext cx="0" cy="222381"/>
+          </a:xfrm>
+          <a:prstGeom prst="line">
+            <a:avLst/>
+          </a:prstGeom>
+          <a:ln w="12700">
+            <a:solidFill>
+              <a:schemeClr val="tx1"/>
+            </a:solidFill>
+          </a:ln>
+        </p:spPr>
+        <p:style>
+          <a:lnRef idx="2">
+            <a:schemeClr val="accent1"/>
+          </a:lnRef>
+          <a:fillRef idx="0">
+            <a:schemeClr val="accent1"/>
+          </a:fillRef>
+          <a:effectRef idx="1">
+            <a:schemeClr val="accent1"/>
+          </a:effectRef>
+          <a:fontRef idx="minor">
+            <a:schemeClr val="tx1"/>
+          </a:fontRef>
+        </p:style>
+      </p:cxnSp>
+      <p:sp>
+        <p:nvSpPr>
+          <p:cNvPr id="80" name="文本框 79">
+            <a:extLst>
+              <a:ext uri="{FF2B5EF4-FFF2-40B4-BE49-F238E27FC236}">
+                <a16:creationId xmlns:a16="http://schemas.microsoft.com/office/drawing/2014/main" id="{1181EA14-F2E8-835A-C593-7D35FF487A56}"/>
+              </a:ext>
+            </a:extLst>
+          </p:cNvPr>
+          <p:cNvSpPr txBox="1"/>
+          <p:nvPr/>
+        </p:nvSpPr>
+        <p:spPr>
+          <a:xfrm>
+            <a:off x="3702647" y="3825943"/>
+            <a:ext cx="647414" cy="276999"/>
+          </a:xfrm>
+          <a:prstGeom prst="rect">
+            <a:avLst/>
+          </a:prstGeom>
+          <a:noFill/>
+        </p:spPr>
+        <p:txBody>
+          <a:bodyPr wrap="square" rtlCol="0">
+            <a:spAutoFit/>
+          </a:bodyPr>
+          <a:lstStyle/>
+          <a:p>
+            <a:r>
+              <a:rPr kumimoji="1" lang="en-US" altLang="zh-CN" sz="1200" dirty="0">
+                <a:latin typeface="Calibri" panose="020F0502020204030204" pitchFamily="34" charset="0"/>
+                <a:cs typeface="Calibri" panose="020F0502020204030204" pitchFamily="34" charset="0"/>
+              </a:rPr>
+              <a:t>Shifts</a:t>
+            </a:r>
+            <a:endParaRPr kumimoji="1" lang="zh-CN" altLang="en-US" sz="1200" dirty="0">
+              <a:latin typeface="Calibri" panose="020F0502020204030204" pitchFamily="34" charset="0"/>
+              <a:cs typeface="Calibri" panose="020F0502020204030204" pitchFamily="34" charset="0"/>
+            </a:endParaRPr>
+          </a:p>
+        </p:txBody>
+      </p:sp>
+      <p:cxnSp>
+        <p:nvCxnSpPr>
+          <p:cNvPr id="3" name="直线连接符 2">
+            <a:extLst>
+              <a:ext uri="{FF2B5EF4-FFF2-40B4-BE49-F238E27FC236}">
+                <a16:creationId xmlns:a16="http://schemas.microsoft.com/office/drawing/2014/main" id="{5681E3AC-C84D-1B9F-63DD-59D1A95889E9}"/>
+              </a:ext>
+            </a:extLst>
+          </p:cNvPr>
+          <p:cNvCxnSpPr>
+            <a:cxnSpLocks/>
+          </p:cNvCxnSpPr>
+          <p:nvPr/>
+        </p:nvCxnSpPr>
+        <p:spPr>
+          <a:xfrm>
+            <a:off x="3563691" y="3743044"/>
+            <a:ext cx="0" cy="1312496"/>
+          </a:xfrm>
+          <a:prstGeom prst="line">
+            <a:avLst/>
+          </a:prstGeom>
+          <a:ln w="25400">
+            <a:solidFill>
+              <a:schemeClr val="accent6">
+                <a:lumMod val="75000"/>
+              </a:schemeClr>
+            </a:solidFill>
+          </a:ln>
+        </p:spPr>
+        <p:style>
+          <a:lnRef idx="2">
+            <a:schemeClr val="accent1"/>
+          </a:lnRef>
+          <a:fillRef idx="0">
+            <a:schemeClr val="accent1"/>
+          </a:fillRef>
+          <a:effectRef idx="1">
+            <a:schemeClr val="accent1"/>
+          </a:effectRef>
+          <a:fontRef idx="minor">
+            <a:schemeClr val="tx1"/>
+          </a:fontRef>
+        </p:style>
+      </p:cxnSp>
+      <p:sp>
+        <p:nvSpPr>
+          <p:cNvPr id="19" name="文本框 18">
+            <a:extLst>
+              <a:ext uri="{FF2B5EF4-FFF2-40B4-BE49-F238E27FC236}">
+                <a16:creationId xmlns:a16="http://schemas.microsoft.com/office/drawing/2014/main" id="{5B588D54-3842-D128-45CA-5EC1EBF4458B}"/>
+              </a:ext>
+            </a:extLst>
+          </p:cNvPr>
+          <p:cNvSpPr txBox="1"/>
+          <p:nvPr/>
+        </p:nvSpPr>
+        <p:spPr>
+          <a:xfrm>
+            <a:off x="1318743" y="4472175"/>
+            <a:ext cx="2468014" cy="338554"/>
+          </a:xfrm>
+          <a:prstGeom prst="rect">
+            <a:avLst/>
+          </a:prstGeom>
+          <a:noFill/>
+        </p:spPr>
+        <p:txBody>
+          <a:bodyPr wrap="square" rtlCol="0">
+            <a:spAutoFit/>
+          </a:bodyPr>
+          <a:lstStyle/>
+          <a:p>
+            <a:pPr algn="ctr"/>
+            <a:r>
+              <a:rPr kumimoji="1" lang="en-US" altLang="zh-CN" sz="1600" dirty="0">
+                <a:latin typeface="Calibri" panose="020F0502020204030204" pitchFamily="34" charset="0"/>
+                <a:cs typeface="Calibri" panose="020F0502020204030204" pitchFamily="34" charset="0"/>
+              </a:rPr>
+              <a:t>Offset</a:t>
+            </a:r>
+            <a:r>
+              <a:rPr kumimoji="1" lang="zh-CN" altLang="en-US" sz="1600" dirty="0">
+                <a:latin typeface="Calibri" panose="020F0502020204030204" pitchFamily="34" charset="0"/>
+                <a:cs typeface="Calibri" panose="020F0502020204030204" pitchFamily="34" charset="0"/>
+              </a:rPr>
+              <a:t>的</a:t>
+            </a:r>
+            <a:r>
+              <a:rPr kumimoji="1" lang="en-US" altLang="zh-CN" sz="1600" dirty="0">
+                <a:latin typeface="Calibri" panose="020F0502020204030204" pitchFamily="34" charset="0"/>
+                <a:cs typeface="Calibri" panose="020F0502020204030204" pitchFamily="34" charset="0"/>
+              </a:rPr>
+              <a:t>32</a:t>
+            </a:r>
+            <a:r>
+              <a:rPr kumimoji="1" lang="zh-CN" altLang="en-US" sz="1600" dirty="0">
+                <a:latin typeface="Calibri" panose="020F0502020204030204" pitchFamily="34" charset="0"/>
+                <a:cs typeface="Calibri" panose="020F0502020204030204" pitchFamily="34" charset="0"/>
+              </a:rPr>
+              <a:t>个</a:t>
+            </a:r>
+            <a:r>
+              <a:rPr kumimoji="1" lang="en-US" altLang="zh-CN" sz="1600" dirty="0">
+                <a:latin typeface="Calibri" panose="020F0502020204030204" pitchFamily="34" charset="0"/>
+                <a:cs typeface="Calibri" panose="020F0502020204030204" pitchFamily="34" charset="0"/>
+              </a:rPr>
+              <a:t>bit</a:t>
+            </a:r>
+            <a:r>
+              <a:rPr kumimoji="1" lang="zh-CN" altLang="en-US" sz="1600" dirty="0">
+                <a:latin typeface="Calibri" panose="020F0502020204030204" pitchFamily="34" charset="0"/>
+                <a:cs typeface="Calibri" panose="020F0502020204030204" pitchFamily="34" charset="0"/>
+              </a:rPr>
+              <a:t>位</a:t>
+            </a:r>
+          </a:p>
+        </p:txBody>
+      </p:sp>
+      <p:cxnSp>
+        <p:nvCxnSpPr>
+          <p:cNvPr id="7" name="直线箭头连接符 6">
+            <a:extLst>
+              <a:ext uri="{FF2B5EF4-FFF2-40B4-BE49-F238E27FC236}">
+                <a16:creationId xmlns:a16="http://schemas.microsoft.com/office/drawing/2014/main" id="{09A11A10-C09C-FCD4-719E-99D2BD5A2D37}"/>
+              </a:ext>
+            </a:extLst>
+          </p:cNvPr>
+          <p:cNvCxnSpPr>
+            <a:cxnSpLocks/>
+          </p:cNvCxnSpPr>
+          <p:nvPr/>
+        </p:nvCxnSpPr>
+        <p:spPr>
+          <a:xfrm flipH="1">
+            <a:off x="3563691" y="5009190"/>
+            <a:ext cx="898709" cy="0"/>
+          </a:xfrm>
+          <a:prstGeom prst="straightConnector1">
+            <a:avLst/>
+          </a:prstGeom>
+          <a:ln w="9525">
+            <a:solidFill>
+              <a:schemeClr val="tx1"/>
+            </a:solidFill>
+            <a:headEnd type="triangle" w="sm" len="med"/>
+            <a:tailEnd type="triangle" w="sm" len="med"/>
+          </a:ln>
+        </p:spPr>
+        <p:style>
+          <a:lnRef idx="2">
+            <a:schemeClr val="accent1"/>
+          </a:lnRef>
+          <a:fillRef idx="0">
+            <a:schemeClr val="accent1"/>
+          </a:fillRef>
+          <a:effectRef idx="1">
+            <a:schemeClr val="accent1"/>
+          </a:effectRef>
+          <a:fontRef idx="minor">
+            <a:schemeClr val="tx1"/>
+          </a:fontRef>
+        </p:style>
+      </p:cxnSp>
+      <p:cxnSp>
+        <p:nvCxnSpPr>
+          <p:cNvPr id="15" name="直线连接符 14">
+            <a:extLst>
+              <a:ext uri="{FF2B5EF4-FFF2-40B4-BE49-F238E27FC236}">
+                <a16:creationId xmlns:a16="http://schemas.microsoft.com/office/drawing/2014/main" id="{4A425FE2-9616-0722-0759-1D2B423746AB}"/>
+              </a:ext>
+            </a:extLst>
+          </p:cNvPr>
+          <p:cNvCxnSpPr>
+            <a:cxnSpLocks/>
+          </p:cNvCxnSpPr>
+          <p:nvPr/>
+        </p:nvCxnSpPr>
+        <p:spPr>
+          <a:xfrm>
+            <a:off x="4462400" y="3743044"/>
+            <a:ext cx="0" cy="1312496"/>
+          </a:xfrm>
+          <a:prstGeom prst="line">
+            <a:avLst/>
+          </a:prstGeom>
+          <a:ln w="25400">
+            <a:solidFill>
+              <a:schemeClr val="accent6">
+                <a:lumMod val="75000"/>
+              </a:schemeClr>
+            </a:solidFill>
+          </a:ln>
+        </p:spPr>
+        <p:style>
+          <a:lnRef idx="2">
+            <a:schemeClr val="accent1"/>
+          </a:lnRef>
+          <a:fillRef idx="0">
+            <a:schemeClr val="accent1"/>
+          </a:fillRef>
+          <a:effectRef idx="1">
+            <a:schemeClr val="accent1"/>
+          </a:effectRef>
+          <a:fontRef idx="minor">
+            <a:schemeClr val="tx1"/>
+          </a:fontRef>
+        </p:style>
+      </p:cxnSp>
+      <p:sp>
+        <p:nvSpPr>
+          <p:cNvPr id="16" name="文本框 15">
+            <a:extLst>
+              <a:ext uri="{FF2B5EF4-FFF2-40B4-BE49-F238E27FC236}">
+                <a16:creationId xmlns:a16="http://schemas.microsoft.com/office/drawing/2014/main" id="{AAE82EAB-81BD-0AFF-F209-9A6AED85C3D7}"/>
+              </a:ext>
+            </a:extLst>
+          </p:cNvPr>
+          <p:cNvSpPr txBox="1"/>
+          <p:nvPr/>
+        </p:nvSpPr>
+        <p:spPr>
+          <a:xfrm>
+            <a:off x="3419711" y="5059456"/>
+            <a:ext cx="1223647" cy="338554"/>
+          </a:xfrm>
+          <a:prstGeom prst="rect">
+            <a:avLst/>
+          </a:prstGeom>
+          <a:noFill/>
+        </p:spPr>
+        <p:txBody>
+          <a:bodyPr wrap="square" rtlCol="0">
+            <a:spAutoFit/>
+          </a:bodyPr>
+          <a:lstStyle/>
+          <a:p>
+            <a:pPr algn="ctr"/>
+            <a:r>
+              <a:rPr kumimoji="1" lang="en-US" altLang="zh-CN" sz="1600" b="1" dirty="0">
+                <a:solidFill>
+                  <a:srgbClr val="C00000"/>
+                </a:solidFill>
+                <a:latin typeface="Calibri" panose="020F0502020204030204" pitchFamily="34" charset="0"/>
+                <a:cs typeface="Calibri" panose="020F0502020204030204" pitchFamily="34" charset="0"/>
+              </a:rPr>
+              <a:t>swizzle</a:t>
+            </a:r>
+            <a:r>
+              <a:rPr kumimoji="1" lang="zh-CN" altLang="en-US" sz="1600" b="1" dirty="0">
+                <a:solidFill>
+                  <a:srgbClr val="C00000"/>
+                </a:solidFill>
+                <a:latin typeface="Calibri" panose="020F0502020204030204" pitchFamily="34" charset="0"/>
+                <a:cs typeface="Calibri" panose="020F0502020204030204" pitchFamily="34" charset="0"/>
+              </a:rPr>
+              <a:t>空间</a:t>
+            </a:r>
+          </a:p>
+        </p:txBody>
+      </p:sp>
+      <p:cxnSp>
+        <p:nvCxnSpPr>
+          <p:cNvPr id="17" name="直线箭头连接符 16">
+            <a:extLst>
+              <a:ext uri="{FF2B5EF4-FFF2-40B4-BE49-F238E27FC236}">
+                <a16:creationId xmlns:a16="http://schemas.microsoft.com/office/drawing/2014/main" id="{BA19D52E-9BDB-FAD4-6018-E64C6A58F6AF}"/>
+              </a:ext>
+            </a:extLst>
+          </p:cNvPr>
+          <p:cNvCxnSpPr>
+            <a:cxnSpLocks/>
+          </p:cNvCxnSpPr>
+          <p:nvPr/>
+        </p:nvCxnSpPr>
+        <p:spPr>
+          <a:xfrm flipH="1">
+            <a:off x="1147225" y="3934161"/>
+            <a:ext cx="2416466" cy="0"/>
+          </a:xfrm>
+          <a:prstGeom prst="straightConnector1">
+            <a:avLst/>
+          </a:prstGeom>
+          <a:ln w="9525">
+            <a:solidFill>
+              <a:schemeClr val="tx1"/>
+            </a:solidFill>
+            <a:headEnd type="triangle" w="sm" len="med"/>
+            <a:tailEnd type="triangle" w="sm" len="med"/>
+          </a:ln>
+        </p:spPr>
+        <p:style>
+          <a:lnRef idx="2">
+            <a:schemeClr val="accent1"/>
+          </a:lnRef>
+          <a:fillRef idx="0">
+            <a:schemeClr val="accent1"/>
+          </a:fillRef>
+          <a:effectRef idx="1">
+            <a:schemeClr val="accent1"/>
+          </a:effectRef>
+          <a:fontRef idx="minor">
+            <a:schemeClr val="tx1"/>
+          </a:fontRef>
+        </p:style>
+      </p:cxnSp>
+      <mc:AlternateContent xmlns:mc="http://schemas.openxmlformats.org/markup-compatibility/2006">
+        <mc:Choice xmlns:a14="http://schemas.microsoft.com/office/drawing/2010/main" Requires="a14">
+          <p:sp>
+            <p:nvSpPr>
+              <p:cNvPr id="20" name="文本框 19">
+                <a:extLst>
+                  <a:ext uri="{FF2B5EF4-FFF2-40B4-BE49-F238E27FC236}">
+                    <a16:creationId xmlns:a16="http://schemas.microsoft.com/office/drawing/2014/main" id="{E391737C-A3A2-CCE6-7F69-DB041B420363}"/>
+                  </a:ext>
+                </a:extLst>
+              </p:cNvPr>
+              <p:cNvSpPr txBox="1"/>
+              <p:nvPr/>
+            </p:nvSpPr>
+            <p:spPr>
+              <a:xfrm>
+                <a:off x="1268585" y="3630054"/>
+                <a:ext cx="2127703" cy="338554"/>
+              </a:xfrm>
+              <a:prstGeom prst="rect">
+                <a:avLst/>
+              </a:prstGeom>
+              <a:noFill/>
+            </p:spPr>
+            <p:txBody>
+              <a:bodyPr wrap="square" rtlCol="0">
+                <a:spAutoFit/>
+              </a:bodyPr>
+              <a:lstStyle/>
+              <a:p>
+                <a:pPr algn="ctr"/>
+                <a:r>
+                  <a:rPr kumimoji="1" lang="zh-CN" altLang="en-US" sz="1600" b="1" dirty="0">
+                    <a:solidFill>
+                      <a:schemeClr val="bg1">
+                        <a:lumMod val="50000"/>
+                      </a:schemeClr>
+                    </a:solidFill>
+                    <a:latin typeface="Calibri" panose="020F0502020204030204" pitchFamily="34" charset="0"/>
+                    <a:cs typeface="Calibri" panose="020F0502020204030204" pitchFamily="34" charset="0"/>
+                  </a:rPr>
+                  <a:t>与</a:t>
+                </a:r>
+                <a14:m>
+                  <m:oMath xmlns:m="http://schemas.openxmlformats.org/officeDocument/2006/math">
+                    <m:r>
+                      <a:rPr kumimoji="1" lang="en-US" altLang="zh-CN" sz="1600" b="1" i="1" dirty="0" smtClean="0">
+                        <a:solidFill>
+                          <a:schemeClr val="bg1">
+                            <a:lumMod val="50000"/>
+                          </a:schemeClr>
+                        </a:solidFill>
+                        <a:latin typeface="Cambria Math" panose="02040503050406030204" pitchFamily="18" charset="0"/>
+                        <a:cs typeface="Calibri" panose="020F0502020204030204" pitchFamily="34" charset="0"/>
+                      </a:rPr>
+                      <m:t>𝟎</m:t>
+                    </m:r>
+                  </m:oMath>
+                </a14:m>
+                <a:r>
+                  <a:rPr kumimoji="1" lang="zh-CN" altLang="en-US" sz="1600" b="1" dirty="0">
+                    <a:solidFill>
+                      <a:schemeClr val="bg1">
+                        <a:lumMod val="50000"/>
+                      </a:schemeClr>
+                    </a:solidFill>
+                    <a:latin typeface="Calibri" panose="020F0502020204030204" pitchFamily="34" charset="0"/>
+                    <a:cs typeface="Calibri" panose="020F0502020204030204" pitchFamily="34" charset="0"/>
+                  </a:rPr>
+                  <a:t>异或不发生改变</a:t>
+                </a:r>
+              </a:p>
+            </p:txBody>
+          </p:sp>
+        </mc:Choice>
+        <mc:Fallback>
+          <p:sp>
+            <p:nvSpPr>
+              <p:cNvPr id="20" name="文本框 19">
+                <a:extLst>
+                  <a:ext uri="{FF2B5EF4-FFF2-40B4-BE49-F238E27FC236}">
+                    <a16:creationId xmlns:a16="http://schemas.microsoft.com/office/drawing/2014/main" id="{E391737C-A3A2-CCE6-7F69-DB041B420363}"/>
+                  </a:ext>
+                </a:extLst>
+              </p:cNvPr>
+              <p:cNvSpPr txBox="1">
+                <a:spLocks noRot="1" noChangeAspect="1" noMove="1" noResize="1" noEditPoints="1" noAdjustHandles="1" noChangeArrowheads="1" noChangeShapeType="1" noTextEdit="1"/>
+              </p:cNvSpPr>
+              <p:nvPr/>
+            </p:nvSpPr>
+            <p:spPr>
+              <a:xfrm>
+                <a:off x="1268585" y="3630054"/>
+                <a:ext cx="2127703" cy="338554"/>
+              </a:xfrm>
+              <a:prstGeom prst="rect">
+                <a:avLst/>
+              </a:prstGeom>
+              <a:blipFill>
+                <a:blip r:embed="rId17"/>
+                <a:stretch>
+                  <a:fillRect t="-3571" b="-21429"/>
+                </a:stretch>
+              </a:blipFill>
+            </p:spPr>
+            <p:txBody>
+              <a:bodyPr/>
+              <a:lstStyle/>
+              <a:p>
+                <a:r>
+                  <a:rPr lang="zh-CN" altLang="en-US">
+                    <a:noFill/>
+                  </a:rPr>
+                  <a:t> </a:t>
+                </a:r>
+              </a:p>
+            </p:txBody>
+          </p:sp>
+        </mc:Fallback>
+      </mc:AlternateContent>
+      <p:sp>
+        <p:nvSpPr>
+          <p:cNvPr id="81" name="文本框 80">
+            <a:extLst>
+              <a:ext uri="{FF2B5EF4-FFF2-40B4-BE49-F238E27FC236}">
+                <a16:creationId xmlns:a16="http://schemas.microsoft.com/office/drawing/2014/main" id="{E7E71FEA-BA44-12E7-517B-846C5C16DEF1}"/>
+              </a:ext>
+            </a:extLst>
+          </p:cNvPr>
+          <p:cNvSpPr txBox="1"/>
+          <p:nvPr/>
+        </p:nvSpPr>
+        <p:spPr>
+          <a:xfrm>
+            <a:off x="1060662" y="4094304"/>
+            <a:ext cx="3476062" cy="369332"/>
+          </a:xfrm>
+          <a:prstGeom prst="rect">
+            <a:avLst/>
+          </a:prstGeom>
+          <a:noFill/>
+        </p:spPr>
+        <p:txBody>
+          <a:bodyPr wrap="square" rtlCol="0">
+            <a:spAutoFit/>
+          </a:bodyPr>
+          <a:lstStyle/>
+          <a:p>
+            <a:r>
+              <a:rPr kumimoji="1" lang="en-US" altLang="zh-CN" dirty="0" err="1"/>
+              <a:t>xxxxxxxxxxxxxxxxxxxxxxxxaaxbbxxx</a:t>
+            </a:r>
+            <a:endParaRPr kumimoji="1" lang="zh-CN" altLang="en-US" dirty="0"/>
+          </a:p>
+        </p:txBody>
+      </p:sp>
+      <p:grpSp>
+        <p:nvGrpSpPr>
+          <p:cNvPr id="139" name="组合 138">
+            <a:extLst>
+              <a:ext uri="{FF2B5EF4-FFF2-40B4-BE49-F238E27FC236}">
+                <a16:creationId xmlns:a16="http://schemas.microsoft.com/office/drawing/2014/main" id="{7D5FDD65-F40E-4473-44E0-D5657416353C}"/>
+              </a:ext>
+            </a:extLst>
+          </p:cNvPr>
+          <p:cNvGrpSpPr/>
+          <p:nvPr/>
+        </p:nvGrpSpPr>
+        <p:grpSpPr>
+          <a:xfrm>
+            <a:off x="6540162" y="1308690"/>
+            <a:ext cx="5378459" cy="1459739"/>
+            <a:chOff x="6404834" y="2504703"/>
+            <a:chExt cx="5378459" cy="1459739"/>
+          </a:xfrm>
+        </p:grpSpPr>
+        <p:sp>
+          <p:nvSpPr>
+            <p:cNvPr id="110" name="文本框 109">
+              <a:extLst>
+                <a:ext uri="{FF2B5EF4-FFF2-40B4-BE49-F238E27FC236}">
+                  <a16:creationId xmlns:a16="http://schemas.microsoft.com/office/drawing/2014/main" id="{E1E867CC-7E0C-A026-7383-4AFE8BCF5260}"/>
+                </a:ext>
+              </a:extLst>
+            </p:cNvPr>
+            <p:cNvSpPr txBox="1"/>
+            <p:nvPr/>
+          </p:nvSpPr>
+          <p:spPr>
+            <a:xfrm>
+              <a:off x="8005426" y="3286612"/>
+              <a:ext cx="3543517" cy="369332"/>
+            </a:xfrm>
+            <a:prstGeom prst="rect">
+              <a:avLst/>
+            </a:prstGeom>
+            <a:noFill/>
+          </p:spPr>
+          <p:txBody>
+            <a:bodyPr wrap="square" rtlCol="0">
+              <a:spAutoFit/>
+            </a:bodyPr>
+            <a:lstStyle/>
+            <a:p>
+              <a:r>
+                <a:rPr kumimoji="1" lang="en-US" altLang="zh-CN" dirty="0" err="1"/>
+                <a:t>xxxxxxxxxxxxxxxxxxxxxxxxaax</a:t>
+              </a:r>
+              <a:r>
+                <a:rPr kumimoji="1" lang="en-US" altLang="zh-CN" dirty="0" err="1">
+                  <a:solidFill>
+                    <a:srgbClr val="FF0000"/>
+                  </a:solidFill>
+                </a:rPr>
+                <a:t>AA</a:t>
+              </a:r>
+              <a:r>
+                <a:rPr kumimoji="1" lang="en-US" altLang="zh-CN" dirty="0" err="1"/>
+                <a:t>xxx</a:t>
+              </a:r>
+              <a:endParaRPr kumimoji="1" lang="zh-CN" altLang="en-US" dirty="0"/>
+            </a:p>
+          </p:txBody>
+        </p:sp>
+        <p:sp>
+          <p:nvSpPr>
+            <p:cNvPr id="107" name="矩形 106">
+              <a:extLst>
+                <a:ext uri="{FF2B5EF4-FFF2-40B4-BE49-F238E27FC236}">
+                  <a16:creationId xmlns:a16="http://schemas.microsoft.com/office/drawing/2014/main" id="{CC1FCC87-76FE-0682-21B3-9CC1986848CA}"/>
+                </a:ext>
+              </a:extLst>
+            </p:cNvPr>
+            <p:cNvSpPr/>
+            <p:nvPr/>
+          </p:nvSpPr>
+          <p:spPr>
+            <a:xfrm>
+              <a:off x="10828935" y="3118849"/>
+              <a:ext cx="248775" cy="237866"/>
+            </a:xfrm>
+            <a:prstGeom prst="rect">
+              <a:avLst/>
+            </a:prstGeom>
+            <a:solidFill>
+              <a:schemeClr val="accent4">
+                <a:lumMod val="20000"/>
+                <a:lumOff val="80000"/>
+              </a:schemeClr>
+            </a:solidFill>
+            <a:ln w="9525">
+              <a:noFill/>
+            </a:ln>
+          </p:spPr>
+          <p:style>
+            <a:lnRef idx="2">
+              <a:schemeClr val="accent1">
+                <a:shade val="15000"/>
+              </a:schemeClr>
+            </a:lnRef>
+            <a:fillRef idx="1">
+              <a:schemeClr val="accent1"/>
+            </a:fillRef>
+            <a:effectRef idx="0">
+              <a:schemeClr val="accent1"/>
+            </a:effectRef>
+            <a:fontRef idx="minor">
+              <a:schemeClr val="lt1"/>
+            </a:fontRef>
+          </p:style>
+          <p:txBody>
+            <a:bodyPr rtlCol="0" anchor="ctr"/>
+            <a:lstStyle/>
+            <a:p>
+              <a:pPr algn="ctr"/>
+              <a:endParaRPr kumimoji="1" lang="zh-CN" altLang="en-US"/>
+            </a:p>
+          </p:txBody>
+        </p:sp>
+        <p:sp>
+          <p:nvSpPr>
+            <p:cNvPr id="21" name="矩形 20">
+              <a:extLst>
+                <a:ext uri="{FF2B5EF4-FFF2-40B4-BE49-F238E27FC236}">
+                  <a16:creationId xmlns:a16="http://schemas.microsoft.com/office/drawing/2014/main" id="{EFFA64FD-1F0D-B458-91E9-004F206A100D}"/>
+                </a:ext>
+              </a:extLst>
+            </p:cNvPr>
+            <p:cNvSpPr/>
+            <p:nvPr/>
+          </p:nvSpPr>
+          <p:spPr>
+            <a:xfrm>
+              <a:off x="11080887" y="2845445"/>
+              <a:ext cx="329453" cy="237866"/>
+            </a:xfrm>
+            <a:prstGeom prst="rect">
+              <a:avLst/>
+            </a:prstGeom>
+            <a:solidFill>
+              <a:schemeClr val="tx2">
+                <a:lumMod val="20000"/>
+                <a:lumOff val="80000"/>
+              </a:schemeClr>
+            </a:solidFill>
+            <a:ln w="9525">
+              <a:noFill/>
+            </a:ln>
+          </p:spPr>
+          <p:style>
+            <a:lnRef idx="2">
+              <a:schemeClr val="accent1">
+                <a:shade val="15000"/>
+              </a:schemeClr>
+            </a:lnRef>
+            <a:fillRef idx="1">
+              <a:schemeClr val="accent1"/>
+            </a:fillRef>
+            <a:effectRef idx="0">
+              <a:schemeClr val="accent1"/>
+            </a:effectRef>
+            <a:fontRef idx="minor">
+              <a:schemeClr val="lt1"/>
+            </a:fontRef>
+          </p:style>
+          <p:txBody>
+            <a:bodyPr rtlCol="0" anchor="ctr"/>
+            <a:lstStyle/>
+            <a:p>
+              <a:pPr algn="ctr"/>
+              <a:endParaRPr kumimoji="1" lang="zh-CN" altLang="en-US"/>
+            </a:p>
+          </p:txBody>
+        </p:sp>
+        <p:sp>
+          <p:nvSpPr>
+            <p:cNvPr id="22" name="矩形 21">
+              <a:extLst>
+                <a:ext uri="{FF2B5EF4-FFF2-40B4-BE49-F238E27FC236}">
+                  <a16:creationId xmlns:a16="http://schemas.microsoft.com/office/drawing/2014/main" id="{60A6EB27-9AF0-8E84-8825-40EB43A7248F}"/>
+                </a:ext>
+              </a:extLst>
+            </p:cNvPr>
+            <p:cNvSpPr/>
+            <p:nvPr/>
+          </p:nvSpPr>
+          <p:spPr>
+            <a:xfrm>
+              <a:off x="10832110" y="2845445"/>
+              <a:ext cx="248775" cy="237866"/>
+            </a:xfrm>
+            <a:prstGeom prst="rect">
+              <a:avLst/>
+            </a:prstGeom>
+            <a:solidFill>
+              <a:schemeClr val="accent4">
+                <a:lumMod val="20000"/>
+                <a:lumOff val="80000"/>
+              </a:schemeClr>
+            </a:solidFill>
+            <a:ln w="9525">
+              <a:noFill/>
+            </a:ln>
+          </p:spPr>
+          <p:style>
+            <a:lnRef idx="2">
+              <a:schemeClr val="accent1">
+                <a:shade val="15000"/>
+              </a:schemeClr>
+            </a:lnRef>
+            <a:fillRef idx="1">
+              <a:schemeClr val="accent1"/>
+            </a:fillRef>
+            <a:effectRef idx="0">
+              <a:schemeClr val="accent1"/>
+            </a:effectRef>
+            <a:fontRef idx="minor">
+              <a:schemeClr val="lt1"/>
+            </a:fontRef>
+          </p:style>
+          <p:txBody>
+            <a:bodyPr rtlCol="0" anchor="ctr"/>
+            <a:lstStyle/>
+            <a:p>
+              <a:pPr algn="ctr"/>
+              <a:endParaRPr kumimoji="1" lang="zh-CN" altLang="en-US"/>
+            </a:p>
+          </p:txBody>
+        </p:sp>
+        <p:sp>
+          <p:nvSpPr>
+            <p:cNvPr id="29" name="矩形 28">
+              <a:extLst>
+                <a:ext uri="{FF2B5EF4-FFF2-40B4-BE49-F238E27FC236}">
+                  <a16:creationId xmlns:a16="http://schemas.microsoft.com/office/drawing/2014/main" id="{3762C1FA-9973-5388-D881-0AEC6E97D2A3}"/>
+                </a:ext>
+              </a:extLst>
+            </p:cNvPr>
+            <p:cNvSpPr/>
+            <p:nvPr/>
+          </p:nvSpPr>
+          <p:spPr>
+            <a:xfrm>
+              <a:off x="10508456" y="2847905"/>
+              <a:ext cx="205938" cy="237866"/>
+            </a:xfrm>
+            <a:prstGeom prst="rect">
+              <a:avLst/>
+            </a:prstGeom>
+            <a:solidFill>
+              <a:schemeClr val="accent4">
+                <a:lumMod val="20000"/>
+                <a:lumOff val="80000"/>
+              </a:schemeClr>
+            </a:solidFill>
+            <a:ln w="9525">
+              <a:noFill/>
+            </a:ln>
+          </p:spPr>
+          <p:style>
+            <a:lnRef idx="2">
+              <a:schemeClr val="accent1">
+                <a:shade val="15000"/>
+              </a:schemeClr>
+            </a:lnRef>
+            <a:fillRef idx="1">
+              <a:schemeClr val="accent1"/>
+            </a:fillRef>
+            <a:effectRef idx="0">
+              <a:schemeClr val="accent1"/>
+            </a:effectRef>
+            <a:fontRef idx="minor">
+              <a:schemeClr val="lt1"/>
+            </a:fontRef>
+          </p:style>
+          <p:txBody>
+            <a:bodyPr rtlCol="0" anchor="ctr"/>
+            <a:lstStyle/>
+            <a:p>
+              <a:pPr algn="ctr"/>
+              <a:endParaRPr kumimoji="1" lang="zh-CN" altLang="en-US"/>
+            </a:p>
+          </p:txBody>
+        </p:sp>
+        <p:sp>
+          <p:nvSpPr>
+            <p:cNvPr id="35" name="矩形 34">
+              <a:extLst>
+                <a:ext uri="{FF2B5EF4-FFF2-40B4-BE49-F238E27FC236}">
+                  <a16:creationId xmlns:a16="http://schemas.microsoft.com/office/drawing/2014/main" id="{F77748C3-6FDF-765C-00E9-EA0F4187671C}"/>
+                </a:ext>
+              </a:extLst>
+            </p:cNvPr>
+            <p:cNvSpPr/>
+            <p:nvPr/>
+          </p:nvSpPr>
+          <p:spPr>
+            <a:xfrm>
+              <a:off x="8091990" y="2854154"/>
+              <a:ext cx="2420698" cy="242430"/>
+            </a:xfrm>
+            <a:prstGeom prst="rect">
+              <a:avLst/>
+            </a:prstGeom>
+            <a:solidFill>
+              <a:schemeClr val="bg1">
+                <a:lumMod val="95000"/>
+              </a:schemeClr>
+            </a:solidFill>
+            <a:ln w="9525">
+              <a:noFill/>
+            </a:ln>
+          </p:spPr>
+          <p:style>
+            <a:lnRef idx="2">
+              <a:schemeClr val="accent1">
+                <a:shade val="15000"/>
+              </a:schemeClr>
+            </a:lnRef>
+            <a:fillRef idx="1">
+              <a:schemeClr val="accent1"/>
+            </a:fillRef>
+            <a:effectRef idx="0">
+              <a:schemeClr val="accent1"/>
+            </a:effectRef>
+            <a:fontRef idx="minor">
+              <a:schemeClr val="lt1"/>
+            </a:fontRef>
+          </p:style>
+          <p:txBody>
+            <a:bodyPr rtlCol="0" anchor="ctr"/>
+            <a:lstStyle/>
+            <a:p>
+              <a:pPr algn="ctr"/>
+              <a:endParaRPr kumimoji="1" lang="zh-CN" altLang="en-US"/>
+            </a:p>
+          </p:txBody>
+        </p:sp>
+        <p:cxnSp>
+          <p:nvCxnSpPr>
+            <p:cNvPr id="56" name="直线箭头连接符 55">
+              <a:extLst>
+                <a:ext uri="{FF2B5EF4-FFF2-40B4-BE49-F238E27FC236}">
+                  <a16:creationId xmlns:a16="http://schemas.microsoft.com/office/drawing/2014/main" id="{9C0030DA-A749-ED88-B31C-CDA9809927B2}"/>
+                </a:ext>
+              </a:extLst>
+            </p:cNvPr>
+            <p:cNvCxnSpPr>
+              <a:cxnSpLocks/>
+            </p:cNvCxnSpPr>
+            <p:nvPr/>
+          </p:nvCxnSpPr>
+          <p:spPr>
+            <a:xfrm flipH="1">
+              <a:off x="10508456" y="2751360"/>
+              <a:ext cx="569254" cy="0"/>
+            </a:xfrm>
+            <a:prstGeom prst="straightConnector1">
+              <a:avLst/>
+            </a:prstGeom>
+            <a:ln w="9525">
+              <a:solidFill>
+                <a:schemeClr val="tx1"/>
+              </a:solidFill>
+              <a:headEnd type="triangle" w="sm" len="med"/>
+              <a:tailEnd type="triangle" w="sm" len="med"/>
+            </a:ln>
+          </p:spPr>
+          <p:style>
+            <a:lnRef idx="2">
+              <a:schemeClr val="accent1"/>
+            </a:lnRef>
+            <a:fillRef idx="0">
+              <a:schemeClr val="accent1"/>
+            </a:fillRef>
+            <a:effectRef idx="1">
+              <a:schemeClr val="accent1"/>
+            </a:effectRef>
+            <a:fontRef idx="minor">
+              <a:schemeClr val="tx1"/>
+            </a:fontRef>
+          </p:style>
+        </p:cxnSp>
+        <p:cxnSp>
+          <p:nvCxnSpPr>
+            <p:cNvPr id="57" name="直线连接符 56">
+              <a:extLst>
+                <a:ext uri="{FF2B5EF4-FFF2-40B4-BE49-F238E27FC236}">
+                  <a16:creationId xmlns:a16="http://schemas.microsoft.com/office/drawing/2014/main" id="{4635054B-0F8F-0663-D872-CE6A901679C2}"/>
+                </a:ext>
+              </a:extLst>
+            </p:cNvPr>
+            <p:cNvCxnSpPr>
+              <a:cxnSpLocks/>
+            </p:cNvCxnSpPr>
+            <p:nvPr/>
+          </p:nvCxnSpPr>
+          <p:spPr>
+            <a:xfrm>
+              <a:off x="10516501" y="2631453"/>
+              <a:ext cx="0" cy="222381"/>
+            </a:xfrm>
+            <a:prstGeom prst="line">
+              <a:avLst/>
+            </a:prstGeom>
+            <a:ln w="12700">
+              <a:solidFill>
+                <a:schemeClr val="tx1"/>
+              </a:solidFill>
+            </a:ln>
+          </p:spPr>
+          <p:style>
+            <a:lnRef idx="2">
+              <a:schemeClr val="accent1"/>
+            </a:lnRef>
+            <a:fillRef idx="0">
+              <a:schemeClr val="accent1"/>
+            </a:fillRef>
+            <a:effectRef idx="1">
+              <a:schemeClr val="accent1"/>
+            </a:effectRef>
+            <a:fontRef idx="minor">
+              <a:schemeClr val="tx1"/>
+            </a:fontRef>
+          </p:style>
+        </p:cxnSp>
+        <p:cxnSp>
+          <p:nvCxnSpPr>
+            <p:cNvPr id="58" name="直线连接符 57">
+              <a:extLst>
+                <a:ext uri="{FF2B5EF4-FFF2-40B4-BE49-F238E27FC236}">
+                  <a16:creationId xmlns:a16="http://schemas.microsoft.com/office/drawing/2014/main" id="{21CED66C-69FA-5FE6-74A1-EBFC39EC00E3}"/>
+                </a:ext>
+              </a:extLst>
+            </p:cNvPr>
+            <p:cNvCxnSpPr>
+              <a:cxnSpLocks/>
+            </p:cNvCxnSpPr>
+            <p:nvPr/>
+          </p:nvCxnSpPr>
+          <p:spPr>
+            <a:xfrm>
+              <a:off x="11077710" y="2631453"/>
+              <a:ext cx="0" cy="222381"/>
+            </a:xfrm>
+            <a:prstGeom prst="line">
+              <a:avLst/>
+            </a:prstGeom>
+            <a:ln w="12700">
+              <a:solidFill>
+                <a:schemeClr val="tx1"/>
+              </a:solidFill>
+            </a:ln>
+          </p:spPr>
+          <p:style>
+            <a:lnRef idx="2">
+              <a:schemeClr val="accent1"/>
+            </a:lnRef>
+            <a:fillRef idx="0">
+              <a:schemeClr val="accent1"/>
+            </a:fillRef>
+            <a:effectRef idx="1">
+              <a:schemeClr val="accent1"/>
+            </a:effectRef>
+            <a:fontRef idx="minor">
+              <a:schemeClr val="tx1"/>
+            </a:fontRef>
+          </p:style>
+        </p:cxnSp>
+        <mc:AlternateContent xmlns:mc="http://schemas.openxmlformats.org/markup-compatibility/2006">
+          <mc:Choice xmlns:a14="http://schemas.microsoft.com/office/drawing/2010/main" Requires="a14">
+            <p:sp>
+              <p:nvSpPr>
+                <p:cNvPr id="59" name="文本框 58">
+                  <a:extLst>
+                    <a:ext uri="{FF2B5EF4-FFF2-40B4-BE49-F238E27FC236}">
+                      <a16:creationId xmlns:a16="http://schemas.microsoft.com/office/drawing/2014/main" id="{E11BFDC8-D216-84F5-D025-257C2EDF9E65}"/>
+                    </a:ext>
+                  </a:extLst>
+                </p:cNvPr>
+                <p:cNvSpPr txBox="1"/>
+                <p:nvPr/>
+              </p:nvSpPr>
+              <p:spPr>
+                <a:xfrm>
+                  <a:off x="10504934" y="2504703"/>
+                  <a:ext cx="647414" cy="276999"/>
+                </a:xfrm>
+                <a:prstGeom prst="rect">
+                  <a:avLst/>
+                </a:prstGeom>
+                <a:noFill/>
+              </p:spPr>
+              <p:txBody>
+                <a:bodyPr wrap="square" rtlCol="0">
+                  <a:spAutoFit/>
+                </a:bodyPr>
+                <a:lstStyle/>
+                <a:p>
+                  <a14:m>
+                    <m:oMathPara xmlns:m="http://schemas.openxmlformats.org/officeDocument/2006/math">
+                      <m:oMathParaPr>
+                        <m:jc m:val="centerGroup"/>
+                      </m:oMathParaPr>
+                      <m:oMath xmlns:m="http://schemas.openxmlformats.org/officeDocument/2006/math">
+                        <m:r>
+                          <a:rPr kumimoji="1" lang="en-US" altLang="zh-CN" sz="1200" i="1" dirty="0" smtClean="0">
+                            <a:latin typeface="Cambria Math" panose="02040503050406030204" pitchFamily="18" charset="0"/>
+                            <a:cs typeface="Calibri" panose="020F0502020204030204" pitchFamily="34" charset="0"/>
+                          </a:rPr>
+                          <m:t>𝑆</m:t>
+                        </m:r>
+                        <m:r>
+                          <a:rPr kumimoji="1" lang="en-US" altLang="zh-CN" sz="1200" i="1" dirty="0" smtClean="0">
+                            <a:latin typeface="Cambria Math" panose="02040503050406030204" pitchFamily="18" charset="0"/>
+                            <a:cs typeface="Calibri" panose="020F0502020204030204" pitchFamily="34" charset="0"/>
+                          </a:rPr>
+                          <m:t>+</m:t>
+                        </m:r>
+                        <m:r>
+                          <a:rPr kumimoji="1" lang="en-US" altLang="zh-CN" sz="1200" i="1" dirty="0" smtClean="0">
+                            <a:latin typeface="Cambria Math" panose="02040503050406030204" pitchFamily="18" charset="0"/>
+                            <a:cs typeface="Calibri" panose="020F0502020204030204" pitchFamily="34" charset="0"/>
+                          </a:rPr>
+                          <m:t>𝐵</m:t>
+                        </m:r>
+                      </m:oMath>
+                    </m:oMathPara>
+                  </a14:m>
+                  <a:endParaRPr kumimoji="1" lang="zh-CN" altLang="en-US" sz="1200" dirty="0">
+                    <a:latin typeface="Calibri" panose="020F0502020204030204" pitchFamily="34" charset="0"/>
+                    <a:cs typeface="Calibri" panose="020F0502020204030204" pitchFamily="34" charset="0"/>
+                  </a:endParaRPr>
+                </a:p>
+              </p:txBody>
+            </p:sp>
+          </mc:Choice>
+          <mc:Fallback>
+            <p:sp>
+              <p:nvSpPr>
+                <p:cNvPr id="59" name="文本框 58">
+                  <a:extLst>
+                    <a:ext uri="{FF2B5EF4-FFF2-40B4-BE49-F238E27FC236}">
+                      <a16:creationId xmlns:a16="http://schemas.microsoft.com/office/drawing/2014/main" id="{E11BFDC8-D216-84F5-D025-257C2EDF9E65}"/>
+                    </a:ext>
+                  </a:extLst>
+                </p:cNvPr>
+                <p:cNvSpPr txBox="1">
+                  <a:spLocks noRot="1" noChangeAspect="1" noMove="1" noResize="1" noEditPoints="1" noAdjustHandles="1" noChangeArrowheads="1" noChangeShapeType="1" noTextEdit="1"/>
+                </p:cNvSpPr>
+                <p:nvPr/>
+              </p:nvSpPr>
+              <p:spPr>
+                <a:xfrm>
+                  <a:off x="10504934" y="2504703"/>
+                  <a:ext cx="647414" cy="276999"/>
+                </a:xfrm>
+                <a:prstGeom prst="rect">
+                  <a:avLst/>
+                </a:prstGeom>
+                <a:blipFill>
+                  <a:blip r:embed="rId18"/>
+                  <a:stretch>
+                    <a:fillRect/>
+                  </a:stretch>
+                </a:blipFill>
+              </p:spPr>
+              <p:txBody>
+                <a:bodyPr/>
+                <a:lstStyle/>
+                <a:p>
+                  <a:r>
+                    <a:rPr lang="zh-CN" altLang="en-US">
+                      <a:noFill/>
+                    </a:rPr>
+                    <a:t> </a:t>
+                  </a:r>
+                </a:p>
+              </p:txBody>
+            </p:sp>
+          </mc:Fallback>
+        </mc:AlternateContent>
+        <p:cxnSp>
+          <p:nvCxnSpPr>
+            <p:cNvPr id="86" name="直线箭头连接符 85">
+              <a:extLst>
+                <a:ext uri="{FF2B5EF4-FFF2-40B4-BE49-F238E27FC236}">
+                  <a16:creationId xmlns:a16="http://schemas.microsoft.com/office/drawing/2014/main" id="{9CDE240E-4A2C-E73A-C7B7-A567C93C4B36}"/>
+                </a:ext>
+              </a:extLst>
+            </p:cNvPr>
+            <p:cNvCxnSpPr>
+              <a:cxnSpLocks/>
+            </p:cNvCxnSpPr>
+            <p:nvPr/>
+          </p:nvCxnSpPr>
+          <p:spPr>
+            <a:xfrm flipH="1">
+              <a:off x="8091990" y="3619103"/>
+              <a:ext cx="2736945" cy="0"/>
+            </a:xfrm>
+            <a:prstGeom prst="straightConnector1">
+              <a:avLst/>
+            </a:prstGeom>
+            <a:ln w="12700">
+              <a:solidFill>
+                <a:schemeClr val="bg1">
+                  <a:lumMod val="50000"/>
+                </a:schemeClr>
+              </a:solidFill>
+              <a:headEnd type="triangle" w="sm" len="med"/>
+              <a:tailEnd type="triangle" w="sm" len="med"/>
+            </a:ln>
+          </p:spPr>
+          <p:style>
+            <a:lnRef idx="2">
+              <a:schemeClr val="accent1"/>
+            </a:lnRef>
+            <a:fillRef idx="0">
+              <a:schemeClr val="accent1"/>
+            </a:fillRef>
+            <a:effectRef idx="1">
+              <a:schemeClr val="accent1"/>
+            </a:effectRef>
+            <a:fontRef idx="minor">
+              <a:schemeClr val="tx1"/>
+            </a:fontRef>
+          </p:style>
+        </p:cxnSp>
+        <p:sp>
+          <p:nvSpPr>
+            <p:cNvPr id="88" name="文本框 87">
+              <a:extLst>
+                <a:ext uri="{FF2B5EF4-FFF2-40B4-BE49-F238E27FC236}">
+                  <a16:creationId xmlns:a16="http://schemas.microsoft.com/office/drawing/2014/main" id="{32008042-6C27-51C0-6D6F-4A082C624738}"/>
+                </a:ext>
+              </a:extLst>
+            </p:cNvPr>
+            <p:cNvSpPr txBox="1"/>
+            <p:nvPr/>
+          </p:nvSpPr>
+          <p:spPr>
+            <a:xfrm>
+              <a:off x="8005427" y="2791596"/>
+              <a:ext cx="3476062" cy="369332"/>
+            </a:xfrm>
+            <a:prstGeom prst="rect">
+              <a:avLst/>
+            </a:prstGeom>
+            <a:noFill/>
+          </p:spPr>
+          <p:txBody>
+            <a:bodyPr wrap="square" rtlCol="0">
+              <a:spAutoFit/>
+            </a:bodyPr>
+            <a:lstStyle/>
+            <a:p>
+              <a:r>
+                <a:rPr kumimoji="1" lang="en-US" altLang="zh-CN" dirty="0" err="1"/>
+                <a:t>xxxxxxxxxxxxxxxxxxxxxxxxaaxbbxxx</a:t>
+              </a:r>
+              <a:endParaRPr kumimoji="1" lang="zh-CN" altLang="en-US" dirty="0"/>
+            </a:p>
+          </p:txBody>
+        </p:sp>
+        <p:sp>
+          <p:nvSpPr>
+            <p:cNvPr id="103" name="文本框 102">
+              <a:extLst>
+                <a:ext uri="{FF2B5EF4-FFF2-40B4-BE49-F238E27FC236}">
+                  <a16:creationId xmlns:a16="http://schemas.microsoft.com/office/drawing/2014/main" id="{EE7AD9A2-C986-0C33-236B-69A0D84D8C12}"/>
+                </a:ext>
+              </a:extLst>
+            </p:cNvPr>
+            <p:cNvSpPr txBox="1"/>
+            <p:nvPr/>
+          </p:nvSpPr>
+          <p:spPr>
+            <a:xfrm>
+              <a:off x="10752546" y="3043862"/>
+              <a:ext cx="414902" cy="369332"/>
+            </a:xfrm>
+            <a:prstGeom prst="rect">
+              <a:avLst/>
+            </a:prstGeom>
+            <a:noFill/>
+          </p:spPr>
+          <p:txBody>
+            <a:bodyPr wrap="square">
+              <a:spAutoFit/>
+            </a:bodyPr>
+            <a:lstStyle/>
+            <a:p>
+              <a:r>
+                <a:rPr kumimoji="1" lang="en-US" altLang="zh-CN" dirty="0"/>
+                <a:t>aa</a:t>
+              </a:r>
+              <a:endParaRPr lang="zh-CN" altLang="en-US" dirty="0"/>
+            </a:p>
+          </p:txBody>
+        </p:sp>
+        <p:cxnSp>
+          <p:nvCxnSpPr>
+            <p:cNvPr id="115" name="直线箭头连接符 114">
+              <a:extLst>
+                <a:ext uri="{FF2B5EF4-FFF2-40B4-BE49-F238E27FC236}">
+                  <a16:creationId xmlns:a16="http://schemas.microsoft.com/office/drawing/2014/main" id="{6E1FAF29-6AA4-4F9D-4AF1-73AFF2B6CEB0}"/>
+                </a:ext>
+              </a:extLst>
+            </p:cNvPr>
+            <p:cNvCxnSpPr>
+              <a:cxnSpLocks/>
+            </p:cNvCxnSpPr>
+            <p:nvPr/>
+          </p:nvCxnSpPr>
+          <p:spPr>
+            <a:xfrm flipH="1">
+              <a:off x="11104210" y="3619103"/>
+              <a:ext cx="329453" cy="0"/>
+            </a:xfrm>
+            <a:prstGeom prst="straightConnector1">
+              <a:avLst/>
+            </a:prstGeom>
+            <a:ln w="12700">
+              <a:solidFill>
+                <a:schemeClr val="bg1">
+                  <a:lumMod val="50000"/>
+                </a:schemeClr>
+              </a:solidFill>
+              <a:headEnd type="triangle" w="sm" len="med"/>
+              <a:tailEnd type="triangle" w="sm" len="med"/>
+            </a:ln>
+          </p:spPr>
+          <p:style>
+            <a:lnRef idx="2">
+              <a:schemeClr val="accent1"/>
+            </a:lnRef>
+            <a:fillRef idx="0">
+              <a:schemeClr val="accent1"/>
+            </a:fillRef>
+            <a:effectRef idx="1">
+              <a:schemeClr val="accent1"/>
+            </a:effectRef>
+            <a:fontRef idx="minor">
+              <a:schemeClr val="tx1"/>
+            </a:fontRef>
+          </p:style>
+        </p:cxnSp>
+        <p:sp>
+          <p:nvSpPr>
+            <p:cNvPr id="120" name="文本框 119">
+              <a:extLst>
+                <a:ext uri="{FF2B5EF4-FFF2-40B4-BE49-F238E27FC236}">
+                  <a16:creationId xmlns:a16="http://schemas.microsoft.com/office/drawing/2014/main" id="{F5703681-B6A8-D521-B9A0-E6F2A7BCC71B}"/>
+                </a:ext>
+              </a:extLst>
+            </p:cNvPr>
+            <p:cNvSpPr txBox="1"/>
+            <p:nvPr/>
+          </p:nvSpPr>
+          <p:spPr>
+            <a:xfrm>
+              <a:off x="9163266" y="3656665"/>
+              <a:ext cx="807556" cy="307777"/>
+            </a:xfrm>
+            <a:prstGeom prst="rect">
+              <a:avLst/>
+            </a:prstGeom>
+            <a:noFill/>
+          </p:spPr>
+          <p:txBody>
+            <a:bodyPr wrap="square" rtlCol="0">
+              <a:spAutoFit/>
+            </a:bodyPr>
+            <a:lstStyle/>
+            <a:p>
+              <a:pPr algn="ctr"/>
+              <a:r>
+                <a:rPr kumimoji="1" lang="zh-CN" altLang="en-US" sz="1400" dirty="0">
+                  <a:solidFill>
+                    <a:schemeClr val="bg1">
+                      <a:lumMod val="50000"/>
+                    </a:schemeClr>
+                  </a:solidFill>
+                  <a:latin typeface="Calibri" panose="020F0502020204030204" pitchFamily="34" charset="0"/>
+                  <a:cs typeface="Calibri" panose="020F0502020204030204" pitchFamily="34" charset="0"/>
+                </a:rPr>
+                <a:t>不变位</a:t>
+              </a:r>
+            </a:p>
+          </p:txBody>
+        </p:sp>
+        <p:sp>
+          <p:nvSpPr>
+            <p:cNvPr id="121" name="文本框 120">
+              <a:extLst>
+                <a:ext uri="{FF2B5EF4-FFF2-40B4-BE49-F238E27FC236}">
+                  <a16:creationId xmlns:a16="http://schemas.microsoft.com/office/drawing/2014/main" id="{648574BD-A070-38D1-A66E-E7CF467C2690}"/>
+                </a:ext>
+              </a:extLst>
+            </p:cNvPr>
+            <p:cNvSpPr txBox="1"/>
+            <p:nvPr/>
+          </p:nvSpPr>
+          <p:spPr>
+            <a:xfrm>
+              <a:off x="10975737" y="3656665"/>
+              <a:ext cx="807556" cy="307777"/>
+            </a:xfrm>
+            <a:prstGeom prst="rect">
+              <a:avLst/>
+            </a:prstGeom>
+            <a:noFill/>
+          </p:spPr>
+          <p:txBody>
+            <a:bodyPr wrap="square" rtlCol="0">
+              <a:spAutoFit/>
+            </a:bodyPr>
+            <a:lstStyle/>
+            <a:p>
+              <a:pPr algn="ctr"/>
+              <a:r>
+                <a:rPr kumimoji="1" lang="zh-CN" altLang="en-US" sz="1400" dirty="0">
+                  <a:solidFill>
+                    <a:schemeClr val="bg1">
+                      <a:lumMod val="50000"/>
+                    </a:schemeClr>
+                  </a:solidFill>
+                  <a:latin typeface="Calibri" panose="020F0502020204030204" pitchFamily="34" charset="0"/>
+                  <a:cs typeface="Calibri" panose="020F0502020204030204" pitchFamily="34" charset="0"/>
+                </a:rPr>
+                <a:t>不变位</a:t>
+              </a:r>
+            </a:p>
+          </p:txBody>
+        </p:sp>
+        <p:sp>
+          <p:nvSpPr>
+            <p:cNvPr id="122" name="文本框 121">
+              <a:extLst>
+                <a:ext uri="{FF2B5EF4-FFF2-40B4-BE49-F238E27FC236}">
+                  <a16:creationId xmlns:a16="http://schemas.microsoft.com/office/drawing/2014/main" id="{F283082B-9345-D8D5-2E47-E2495BD9C499}"/>
+                </a:ext>
+              </a:extLst>
+            </p:cNvPr>
+            <p:cNvSpPr txBox="1"/>
+            <p:nvPr/>
+          </p:nvSpPr>
+          <p:spPr>
+            <a:xfrm>
+              <a:off x="10006148" y="3656665"/>
+              <a:ext cx="807556" cy="307777"/>
+            </a:xfrm>
+            <a:prstGeom prst="rect">
+              <a:avLst/>
+            </a:prstGeom>
+            <a:noFill/>
+          </p:spPr>
+          <p:txBody>
+            <a:bodyPr wrap="square" rtlCol="0">
+              <a:spAutoFit/>
+            </a:bodyPr>
+            <a:lstStyle/>
+            <a:p>
+              <a:pPr algn="r"/>
+              <a:r>
+                <a:rPr kumimoji="1" lang="zh-CN" altLang="en-US" sz="1400" dirty="0">
+                  <a:solidFill>
+                    <a:srgbClr val="FF0000"/>
+                  </a:solidFill>
+                  <a:latin typeface="Calibri" panose="020F0502020204030204" pitchFamily="34" charset="0"/>
+                  <a:cs typeface="Calibri" panose="020F0502020204030204" pitchFamily="34" charset="0"/>
+                </a:rPr>
+                <a:t>反转位</a:t>
+              </a:r>
+            </a:p>
+          </p:txBody>
+        </p:sp>
+        <p:cxnSp>
+          <p:nvCxnSpPr>
+            <p:cNvPr id="124" name="曲线连接符 123">
+              <a:extLst>
+                <a:ext uri="{FF2B5EF4-FFF2-40B4-BE49-F238E27FC236}">
+                  <a16:creationId xmlns:a16="http://schemas.microsoft.com/office/drawing/2014/main" id="{9305C66D-2C6E-6A00-E75A-6D4915E86159}"/>
+                </a:ext>
+              </a:extLst>
+            </p:cNvPr>
+            <p:cNvCxnSpPr>
+              <a:cxnSpLocks/>
+              <a:stCxn id="122" idx="3"/>
+              <a:endCxn id="128" idx="2"/>
+            </p:cNvCxnSpPr>
+            <p:nvPr/>
+          </p:nvCxnSpPr>
+          <p:spPr>
+            <a:xfrm flipV="1">
+              <a:off x="10813704" y="3559696"/>
+              <a:ext cx="152924" cy="250858"/>
+            </a:xfrm>
+            <a:prstGeom prst="curvedConnector2">
+              <a:avLst/>
+            </a:prstGeom>
+            <a:ln>
+              <a:solidFill>
+                <a:srgbClr val="FF0000"/>
+              </a:solidFill>
+              <a:tailEnd type="triangle" w="sm" len="lg"/>
+            </a:ln>
+          </p:spPr>
+          <p:style>
+            <a:lnRef idx="1">
+              <a:schemeClr val="accent1"/>
+            </a:lnRef>
+            <a:fillRef idx="0">
+              <a:schemeClr val="accent1"/>
+            </a:fillRef>
+            <a:effectRef idx="0">
+              <a:schemeClr val="accent1"/>
+            </a:effectRef>
+            <a:fontRef idx="minor">
+              <a:schemeClr val="tx1"/>
+            </a:fontRef>
+          </p:style>
+        </p:cxnSp>
+        <p:sp>
+          <p:nvSpPr>
+            <p:cNvPr id="128" name="矩形 127">
+              <a:extLst>
+                <a:ext uri="{FF2B5EF4-FFF2-40B4-BE49-F238E27FC236}">
+                  <a16:creationId xmlns:a16="http://schemas.microsoft.com/office/drawing/2014/main" id="{E7E37319-9FDE-20F2-AED7-261FC24BCD77}"/>
+                </a:ext>
+              </a:extLst>
+            </p:cNvPr>
+            <p:cNvSpPr/>
+            <p:nvPr/>
+          </p:nvSpPr>
+          <p:spPr>
+            <a:xfrm>
+              <a:off x="10801901" y="3321830"/>
+              <a:ext cx="329453" cy="237866"/>
+            </a:xfrm>
+            <a:prstGeom prst="rect">
+              <a:avLst/>
+            </a:prstGeom>
+            <a:noFill/>
+            <a:ln w="9525">
+              <a:noFill/>
+            </a:ln>
+          </p:spPr>
+          <p:style>
+            <a:lnRef idx="2">
+              <a:schemeClr val="accent1">
+                <a:shade val="15000"/>
+              </a:schemeClr>
+            </a:lnRef>
+            <a:fillRef idx="1">
+              <a:schemeClr val="accent1"/>
+            </a:fillRef>
+            <a:effectRef idx="0">
+              <a:schemeClr val="accent1"/>
+            </a:effectRef>
+            <a:fontRef idx="minor">
+              <a:schemeClr val="lt1"/>
+            </a:fontRef>
+          </p:style>
+          <p:txBody>
+            <a:bodyPr rtlCol="0" anchor="ctr"/>
+            <a:lstStyle/>
+            <a:p>
+              <a:pPr algn="ctr"/>
+              <a:endParaRPr kumimoji="1" lang="zh-CN" altLang="en-US"/>
+            </a:p>
+          </p:txBody>
+        </p:sp>
+        <p:sp>
+          <p:nvSpPr>
+            <p:cNvPr id="133" name="文本框 132">
+              <a:extLst>
+                <a:ext uri="{FF2B5EF4-FFF2-40B4-BE49-F238E27FC236}">
+                  <a16:creationId xmlns:a16="http://schemas.microsoft.com/office/drawing/2014/main" id="{F85FC266-DB5C-5C0B-69C3-DDCFED6A5E8E}"/>
+                </a:ext>
+              </a:extLst>
+            </p:cNvPr>
+            <p:cNvSpPr txBox="1"/>
+            <p:nvPr/>
+          </p:nvSpPr>
+          <p:spPr>
+            <a:xfrm>
+              <a:off x="7270558" y="2807322"/>
+              <a:ext cx="998327" cy="338554"/>
+            </a:xfrm>
+            <a:prstGeom prst="rect">
+              <a:avLst/>
+            </a:prstGeom>
+            <a:noFill/>
+          </p:spPr>
+          <p:txBody>
+            <a:bodyPr wrap="square" rtlCol="0">
+              <a:spAutoFit/>
+            </a:bodyPr>
+            <a:lstStyle/>
+            <a:p>
+              <a:pPr algn="r"/>
+              <a:r>
+                <a:rPr kumimoji="1" lang="en-US" altLang="zh-CN" sz="1600" b="1" dirty="0">
+                  <a:solidFill>
+                    <a:schemeClr val="bg1">
+                      <a:lumMod val="50000"/>
+                    </a:schemeClr>
+                  </a:solidFill>
+                  <a:latin typeface="Calibri" panose="020F0502020204030204" pitchFamily="34" charset="0"/>
+                  <a:cs typeface="Calibri" panose="020F0502020204030204" pitchFamily="34" charset="0"/>
+                </a:rPr>
+                <a:t>Offset</a:t>
+              </a:r>
+              <a:r>
+                <a:rPr kumimoji="1" lang="zh-CN" altLang="en-US" sz="1600" b="1" dirty="0">
+                  <a:solidFill>
+                    <a:schemeClr val="bg1">
+                      <a:lumMod val="50000"/>
+                    </a:schemeClr>
+                  </a:solidFill>
+                  <a:latin typeface="Calibri" panose="020F0502020204030204" pitchFamily="34" charset="0"/>
+                  <a:cs typeface="Calibri" panose="020F0502020204030204" pitchFamily="34" charset="0"/>
+                </a:rPr>
+                <a:t>：</a:t>
+              </a:r>
+            </a:p>
+          </p:txBody>
+        </p:sp>
+        <p:sp>
+          <p:nvSpPr>
+            <p:cNvPr id="134" name="文本框 133">
+              <a:extLst>
+                <a:ext uri="{FF2B5EF4-FFF2-40B4-BE49-F238E27FC236}">
+                  <a16:creationId xmlns:a16="http://schemas.microsoft.com/office/drawing/2014/main" id="{2828781B-1F2C-3A43-911F-EADFC8B7AD0A}"/>
+                </a:ext>
+              </a:extLst>
+            </p:cNvPr>
+            <p:cNvSpPr txBox="1"/>
+            <p:nvPr/>
+          </p:nvSpPr>
+          <p:spPr>
+            <a:xfrm>
+              <a:off x="6404834" y="3317390"/>
+              <a:ext cx="1665581" cy="338554"/>
+            </a:xfrm>
+            <a:prstGeom prst="rect">
+              <a:avLst/>
+            </a:prstGeom>
+            <a:noFill/>
+          </p:spPr>
+          <p:txBody>
+            <a:bodyPr wrap="square" rtlCol="0">
+              <a:spAutoFit/>
+            </a:bodyPr>
+            <a:lstStyle/>
+            <a:p>
+              <a:pPr algn="r"/>
+              <a:r>
+                <a:rPr kumimoji="1" lang="en-US" altLang="zh-CN" sz="1600" b="1" dirty="0">
+                  <a:solidFill>
+                    <a:schemeClr val="bg1">
+                      <a:lumMod val="50000"/>
+                    </a:schemeClr>
+                  </a:solidFill>
+                  <a:latin typeface="Calibri" panose="020F0502020204030204" pitchFamily="34" charset="0"/>
+                  <a:cs typeface="Calibri" panose="020F0502020204030204" pitchFamily="34" charset="0"/>
+                </a:rPr>
+                <a:t>Permuted</a:t>
+              </a:r>
+              <a:r>
+                <a:rPr kumimoji="1" lang="zh-CN" altLang="en-US" sz="1600" b="1" dirty="0">
+                  <a:solidFill>
+                    <a:schemeClr val="bg1">
+                      <a:lumMod val="50000"/>
+                    </a:schemeClr>
+                  </a:solidFill>
+                  <a:latin typeface="Calibri" panose="020F0502020204030204" pitchFamily="34" charset="0"/>
+                  <a:cs typeface="Calibri" panose="020F0502020204030204" pitchFamily="34" charset="0"/>
+                </a:rPr>
+                <a:t> </a:t>
+              </a:r>
+              <a:r>
+                <a:rPr kumimoji="1" lang="en-US" altLang="zh-CN" sz="1600" b="1" dirty="0">
+                  <a:solidFill>
+                    <a:schemeClr val="bg1">
+                      <a:lumMod val="50000"/>
+                    </a:schemeClr>
+                  </a:solidFill>
+                  <a:latin typeface="Calibri" panose="020F0502020204030204" pitchFamily="34" charset="0"/>
+                  <a:cs typeface="Calibri" panose="020F0502020204030204" pitchFamily="34" charset="0"/>
+                </a:rPr>
+                <a:t>Offset</a:t>
+              </a:r>
+              <a:r>
+                <a:rPr kumimoji="1" lang="zh-CN" altLang="en-US" sz="1600" b="1" dirty="0">
+                  <a:solidFill>
+                    <a:schemeClr val="bg1">
+                      <a:lumMod val="50000"/>
+                    </a:schemeClr>
+                  </a:solidFill>
+                  <a:latin typeface="Calibri" panose="020F0502020204030204" pitchFamily="34" charset="0"/>
+                  <a:cs typeface="Calibri" panose="020F0502020204030204" pitchFamily="34" charset="0"/>
+                </a:rPr>
+                <a:t>：</a:t>
+              </a:r>
+            </a:p>
+          </p:txBody>
+        </p:sp>
+        <p:cxnSp>
+          <p:nvCxnSpPr>
+            <p:cNvPr id="137" name="直线连接符 136">
+              <a:extLst>
+                <a:ext uri="{FF2B5EF4-FFF2-40B4-BE49-F238E27FC236}">
+                  <a16:creationId xmlns:a16="http://schemas.microsoft.com/office/drawing/2014/main" id="{E4AC7EA8-DE58-4637-5368-6FFEFB084188}"/>
+                </a:ext>
+              </a:extLst>
+            </p:cNvPr>
+            <p:cNvCxnSpPr>
+              <a:cxnSpLocks/>
+            </p:cNvCxnSpPr>
+            <p:nvPr/>
+          </p:nvCxnSpPr>
+          <p:spPr>
+            <a:xfrm flipH="1">
+              <a:off x="10512022" y="2504703"/>
+              <a:ext cx="666" cy="1113457"/>
+            </a:xfrm>
+            <a:prstGeom prst="line">
+              <a:avLst/>
+            </a:prstGeom>
+            <a:ln w="25400">
+              <a:solidFill>
+                <a:schemeClr val="accent6">
+                  <a:lumMod val="75000"/>
+                </a:schemeClr>
+              </a:solidFill>
+            </a:ln>
+          </p:spPr>
+          <p:style>
+            <a:lnRef idx="2">
+              <a:schemeClr val="accent1"/>
+            </a:lnRef>
+            <a:fillRef idx="0">
+              <a:schemeClr val="accent1"/>
+            </a:fillRef>
+            <a:effectRef idx="1">
+              <a:schemeClr val="accent1"/>
+            </a:effectRef>
+            <a:fontRef idx="minor">
+              <a:schemeClr val="tx1"/>
+            </a:fontRef>
+          </p:style>
+        </p:cxnSp>
+        <mc:AlternateContent xmlns:mc="http://schemas.openxmlformats.org/markup-compatibility/2006">
+          <mc:Choice xmlns:a14="http://schemas.microsoft.com/office/drawing/2010/main" Requires="a14">
+            <p:sp>
+              <p:nvSpPr>
+                <p:cNvPr id="104" name="文本框 103">
+                  <a:extLst>
+                    <a:ext uri="{FF2B5EF4-FFF2-40B4-BE49-F238E27FC236}">
+                      <a16:creationId xmlns:a16="http://schemas.microsoft.com/office/drawing/2014/main" id="{28CB874E-9C69-3DC1-AC78-EBBDF0C52E8C}"/>
+                    </a:ext>
+                  </a:extLst>
+                </p:cNvPr>
+                <p:cNvSpPr txBox="1"/>
+                <p:nvPr/>
+              </p:nvSpPr>
+              <p:spPr>
+                <a:xfrm>
+                  <a:off x="10295291" y="3038820"/>
+                  <a:ext cx="671337" cy="369332"/>
+                </a:xfrm>
+                <a:prstGeom prst="rect">
+                  <a:avLst/>
+                </a:prstGeom>
+                <a:noFill/>
+              </p:spPr>
+              <p:txBody>
+                <a:bodyPr wrap="square" rtlCol="0">
+                  <a:spAutoFit/>
+                </a:bodyPr>
+                <a:lstStyle/>
+                <a:p>
+                  <a14:m>
+                    <m:oMathPara xmlns:m="http://schemas.openxmlformats.org/officeDocument/2006/math">
+                      <m:oMathParaPr>
+                        <m:jc m:val="centerGroup"/>
+                      </m:oMathParaPr>
+                      <m:oMath xmlns:m="http://schemas.openxmlformats.org/officeDocument/2006/math">
+                        <m:r>
+                          <m:rPr>
+                            <m:sty m:val="p"/>
+                          </m:rPr>
+                          <a:rPr kumimoji="1" lang="en-US" altLang="zh-CN" b="0" i="0" smtClean="0">
+                            <a:solidFill>
+                              <a:srgbClr val="00B0F0"/>
+                            </a:solidFill>
+                            <a:latin typeface="Cambria Math" panose="02040503050406030204" pitchFamily="18" charset="0"/>
+                          </a:rPr>
+                          <m:t>xor</m:t>
+                        </m:r>
+                      </m:oMath>
+                    </m:oMathPara>
+                  </a14:m>
+                  <a:endParaRPr kumimoji="1" lang="zh-CN" altLang="en-US" dirty="0">
+                    <a:solidFill>
+                      <a:srgbClr val="00B0F0"/>
+                    </a:solidFill>
+                  </a:endParaRPr>
+                </a:p>
+              </p:txBody>
+            </p:sp>
+          </mc:Choice>
+          <mc:Fallback>
+            <p:sp>
+              <p:nvSpPr>
+                <p:cNvPr id="104" name="文本框 103">
+                  <a:extLst>
+                    <a:ext uri="{FF2B5EF4-FFF2-40B4-BE49-F238E27FC236}">
+                      <a16:creationId xmlns:a16="http://schemas.microsoft.com/office/drawing/2014/main" id="{28CB874E-9C69-3DC1-AC78-EBBDF0C52E8C}"/>
+                    </a:ext>
+                  </a:extLst>
+                </p:cNvPr>
+                <p:cNvSpPr txBox="1">
+                  <a:spLocks noRot="1" noChangeAspect="1" noMove="1" noResize="1" noEditPoints="1" noAdjustHandles="1" noChangeArrowheads="1" noChangeShapeType="1" noTextEdit="1"/>
+                </p:cNvSpPr>
+                <p:nvPr/>
+              </p:nvSpPr>
+              <p:spPr>
+                <a:xfrm>
+                  <a:off x="10295291" y="3038820"/>
+                  <a:ext cx="671337" cy="369332"/>
+                </a:xfrm>
+                <a:prstGeom prst="rect">
+                  <a:avLst/>
+                </a:prstGeom>
+                <a:blipFill>
+                  <a:blip r:embed="rId19"/>
+                  <a:stretch>
+                    <a:fillRect/>
+                  </a:stretch>
+                </a:blipFill>
+              </p:spPr>
+              <p:txBody>
+                <a:bodyPr/>
+                <a:lstStyle/>
+                <a:p>
+                  <a:r>
+                    <a:rPr lang="zh-CN" altLang="en-US">
+                      <a:noFill/>
+                    </a:rPr>
+                    <a:t> </a:t>
+                  </a:r>
+                </a:p>
+              </p:txBody>
+            </p:sp>
+          </mc:Fallback>
+        </mc:AlternateContent>
+      </p:grpSp>
+      <p:grpSp>
+        <p:nvGrpSpPr>
+          <p:cNvPr id="157" name="组合 156">
+            <a:extLst>
+              <a:ext uri="{FF2B5EF4-FFF2-40B4-BE49-F238E27FC236}">
+                <a16:creationId xmlns:a16="http://schemas.microsoft.com/office/drawing/2014/main" id="{BC6C2ECC-E75C-A053-380A-6CBD7F8D0D10}"/>
+              </a:ext>
+            </a:extLst>
+          </p:cNvPr>
+          <p:cNvGrpSpPr/>
+          <p:nvPr/>
+        </p:nvGrpSpPr>
+        <p:grpSpPr>
+          <a:xfrm>
+            <a:off x="7054623" y="3262574"/>
+            <a:ext cx="2468014" cy="2009023"/>
+            <a:chOff x="7048756" y="3000166"/>
+            <a:chExt cx="2468014" cy="2009023"/>
+          </a:xfrm>
+        </p:grpSpPr>
+        <p:sp>
+          <p:nvSpPr>
+            <p:cNvPr id="141" name="文档 140">
+              <a:extLst>
+                <a:ext uri="{FF2B5EF4-FFF2-40B4-BE49-F238E27FC236}">
+                  <a16:creationId xmlns:a16="http://schemas.microsoft.com/office/drawing/2014/main" id="{F5ACFA66-FA09-4964-1AED-6F1D7C434E53}"/>
+                </a:ext>
+              </a:extLst>
+            </p:cNvPr>
+            <p:cNvSpPr/>
+            <p:nvPr/>
+          </p:nvSpPr>
+          <p:spPr>
+            <a:xfrm>
+              <a:off x="7095461" y="3934160"/>
+              <a:ext cx="1176670" cy="1075029"/>
+            </a:xfrm>
+            <a:prstGeom prst="flowChartDocument">
+              <a:avLst/>
+            </a:prstGeom>
+            <a:solidFill>
+              <a:schemeClr val="accent5">
+                <a:lumMod val="20000"/>
+                <a:lumOff val="80000"/>
+              </a:schemeClr>
+            </a:solidFill>
+          </p:spPr>
+          <p:style>
+            <a:lnRef idx="2">
+              <a:schemeClr val="accent1">
+                <a:shade val="15000"/>
+              </a:schemeClr>
+            </a:lnRef>
+            <a:fillRef idx="1">
+              <a:schemeClr val="accent1"/>
+            </a:fillRef>
+            <a:effectRef idx="0">
+              <a:schemeClr val="accent1"/>
+            </a:effectRef>
+            <a:fontRef idx="minor">
+              <a:schemeClr val="lt1"/>
+            </a:fontRef>
+          </p:style>
+          <p:txBody>
+            <a:bodyPr rtlCol="0" anchor="ctr"/>
+            <a:lstStyle/>
+            <a:p>
+              <a:pPr algn="ctr"/>
+              <a:endParaRPr kumimoji="1" lang="zh-CN" altLang="en-US"/>
+            </a:p>
+          </p:txBody>
+        </p:sp>
+        <p:sp>
+          <p:nvSpPr>
+            <p:cNvPr id="142" name="文档 141">
+              <a:extLst>
+                <a:ext uri="{FF2B5EF4-FFF2-40B4-BE49-F238E27FC236}">
+                  <a16:creationId xmlns:a16="http://schemas.microsoft.com/office/drawing/2014/main" id="{36E24752-78E7-ABBC-4139-48E94F0C4AA4}"/>
+                </a:ext>
+              </a:extLst>
+            </p:cNvPr>
+            <p:cNvSpPr/>
+            <p:nvPr/>
+          </p:nvSpPr>
+          <p:spPr>
+            <a:xfrm>
+              <a:off x="8272131" y="3934160"/>
+              <a:ext cx="1176670" cy="1075029"/>
+            </a:xfrm>
+            <a:prstGeom prst="flowChartDocument">
+              <a:avLst/>
+            </a:prstGeom>
+            <a:solidFill>
+              <a:schemeClr val="accent5">
+                <a:lumMod val="20000"/>
+                <a:lumOff val="80000"/>
+              </a:schemeClr>
+            </a:solidFill>
+          </p:spPr>
+          <p:style>
+            <a:lnRef idx="2">
+              <a:schemeClr val="accent1">
+                <a:shade val="15000"/>
+              </a:schemeClr>
+            </a:lnRef>
+            <a:fillRef idx="1">
+              <a:schemeClr val="accent1"/>
+            </a:fillRef>
+            <a:effectRef idx="0">
+              <a:schemeClr val="accent1"/>
+            </a:effectRef>
+            <a:fontRef idx="minor">
+              <a:schemeClr val="lt1"/>
+            </a:fontRef>
+          </p:style>
+          <p:txBody>
+            <a:bodyPr rtlCol="0" anchor="ctr"/>
+            <a:lstStyle/>
+            <a:p>
+              <a:pPr algn="ctr"/>
+              <a:endParaRPr kumimoji="1" lang="zh-CN" altLang="en-US"/>
+            </a:p>
+          </p:txBody>
+        </p:sp>
+        <p:cxnSp>
+          <p:nvCxnSpPr>
+            <p:cNvPr id="143" name="直线箭头连接符 142">
+              <a:extLst>
+                <a:ext uri="{FF2B5EF4-FFF2-40B4-BE49-F238E27FC236}">
+                  <a16:creationId xmlns:a16="http://schemas.microsoft.com/office/drawing/2014/main" id="{C3A962AB-D729-2559-366A-DF2A023155FA}"/>
+                </a:ext>
+              </a:extLst>
+            </p:cNvPr>
+            <p:cNvCxnSpPr>
+              <a:cxnSpLocks/>
+            </p:cNvCxnSpPr>
+            <p:nvPr/>
+          </p:nvCxnSpPr>
+          <p:spPr>
+            <a:xfrm flipH="1">
+              <a:off x="7097233" y="3703309"/>
+              <a:ext cx="1173126" cy="0"/>
+            </a:xfrm>
+            <a:prstGeom prst="straightConnector1">
+              <a:avLst/>
+            </a:prstGeom>
+            <a:ln w="12700">
+              <a:solidFill>
+                <a:schemeClr val="bg1">
+                  <a:lumMod val="50000"/>
+                </a:schemeClr>
+              </a:solidFill>
+              <a:headEnd type="triangle" w="sm" len="med"/>
+              <a:tailEnd type="triangle" w="sm" len="med"/>
+            </a:ln>
+          </p:spPr>
+          <p:style>
+            <a:lnRef idx="2">
+              <a:schemeClr val="accent1"/>
+            </a:lnRef>
+            <a:fillRef idx="0">
+              <a:schemeClr val="accent1"/>
+            </a:fillRef>
+            <a:effectRef idx="1">
+              <a:schemeClr val="accent1"/>
+            </a:effectRef>
+            <a:fontRef idx="minor">
+              <a:schemeClr val="tx1"/>
+            </a:fontRef>
+          </p:style>
+        </p:cxnSp>
+        <p:cxnSp>
+          <p:nvCxnSpPr>
+            <p:cNvPr id="144" name="直线连接符 143">
+              <a:extLst>
+                <a:ext uri="{FF2B5EF4-FFF2-40B4-BE49-F238E27FC236}">
+                  <a16:creationId xmlns:a16="http://schemas.microsoft.com/office/drawing/2014/main" id="{C8861C37-8D7E-78F4-7424-CB59322A9DBA}"/>
+                </a:ext>
+              </a:extLst>
+            </p:cNvPr>
+            <p:cNvCxnSpPr>
+              <a:cxnSpLocks/>
+            </p:cNvCxnSpPr>
+            <p:nvPr/>
+          </p:nvCxnSpPr>
+          <p:spPr>
+            <a:xfrm>
+              <a:off x="7095461" y="3484854"/>
+              <a:ext cx="0" cy="449306"/>
+            </a:xfrm>
+            <a:prstGeom prst="line">
+              <a:avLst/>
+            </a:prstGeom>
+            <a:ln w="9525">
+              <a:solidFill>
+                <a:schemeClr val="bg1">
+                  <a:lumMod val="50000"/>
+                </a:schemeClr>
+              </a:solidFill>
+            </a:ln>
+          </p:spPr>
+          <p:style>
+            <a:lnRef idx="2">
+              <a:schemeClr val="accent1"/>
+            </a:lnRef>
+            <a:fillRef idx="0">
+              <a:schemeClr val="accent1"/>
+            </a:fillRef>
+            <a:effectRef idx="1">
+              <a:schemeClr val="accent1"/>
+            </a:effectRef>
+            <a:fontRef idx="minor">
+              <a:schemeClr val="tx1"/>
+            </a:fontRef>
+          </p:style>
+        </p:cxnSp>
+        <p:cxnSp>
+          <p:nvCxnSpPr>
+            <p:cNvPr id="146" name="直线连接符 145">
+              <a:extLst>
+                <a:ext uri="{FF2B5EF4-FFF2-40B4-BE49-F238E27FC236}">
+                  <a16:creationId xmlns:a16="http://schemas.microsoft.com/office/drawing/2014/main" id="{799E4856-4CD0-26B1-8FDC-BA40BF0ADD43}"/>
+                </a:ext>
+              </a:extLst>
+            </p:cNvPr>
+            <p:cNvCxnSpPr>
+              <a:cxnSpLocks/>
+            </p:cNvCxnSpPr>
+            <p:nvPr/>
+          </p:nvCxnSpPr>
+          <p:spPr>
+            <a:xfrm>
+              <a:off x="8268587" y="3484854"/>
+              <a:ext cx="0" cy="449306"/>
+            </a:xfrm>
+            <a:prstGeom prst="line">
+              <a:avLst/>
+            </a:prstGeom>
+            <a:ln w="9525">
+              <a:solidFill>
+                <a:schemeClr val="bg1">
+                  <a:lumMod val="50000"/>
+                </a:schemeClr>
+              </a:solidFill>
+            </a:ln>
+          </p:spPr>
+          <p:style>
+            <a:lnRef idx="2">
+              <a:schemeClr val="accent1"/>
+            </a:lnRef>
+            <a:fillRef idx="0">
+              <a:schemeClr val="accent1"/>
+            </a:fillRef>
+            <a:effectRef idx="1">
+              <a:schemeClr val="accent1"/>
+            </a:effectRef>
+            <a:fontRef idx="minor">
+              <a:schemeClr val="tx1"/>
+            </a:fontRef>
+          </p:style>
+        </p:cxnSp>
+        <p:cxnSp>
+          <p:nvCxnSpPr>
+            <p:cNvPr id="148" name="直线箭头连接符 147">
+              <a:extLst>
+                <a:ext uri="{FF2B5EF4-FFF2-40B4-BE49-F238E27FC236}">
+                  <a16:creationId xmlns:a16="http://schemas.microsoft.com/office/drawing/2014/main" id="{D2751832-8FB6-E081-0F29-60501731C566}"/>
+                </a:ext>
+              </a:extLst>
+            </p:cNvPr>
+            <p:cNvCxnSpPr>
+              <a:cxnSpLocks/>
+            </p:cNvCxnSpPr>
+            <p:nvPr/>
+          </p:nvCxnSpPr>
+          <p:spPr>
+            <a:xfrm flipH="1">
+              <a:off x="8268587" y="3702944"/>
+              <a:ext cx="1173126" cy="0"/>
+            </a:xfrm>
+            <a:prstGeom prst="straightConnector1">
+              <a:avLst/>
+            </a:prstGeom>
+            <a:ln w="12700">
+              <a:solidFill>
+                <a:schemeClr val="bg1">
+                  <a:lumMod val="50000"/>
+                </a:schemeClr>
+              </a:solidFill>
+              <a:headEnd type="triangle" w="sm" len="med"/>
+              <a:tailEnd type="triangle" w="sm" len="med"/>
+            </a:ln>
+          </p:spPr>
+          <p:style>
+            <a:lnRef idx="2">
+              <a:schemeClr val="accent1"/>
+            </a:lnRef>
+            <a:fillRef idx="0">
+              <a:schemeClr val="accent1"/>
+            </a:fillRef>
+            <a:effectRef idx="1">
+              <a:schemeClr val="accent1"/>
+            </a:effectRef>
+            <a:fontRef idx="minor">
+              <a:schemeClr val="tx1"/>
+            </a:fontRef>
+          </p:style>
+        </p:cxnSp>
+        <p:cxnSp>
+          <p:nvCxnSpPr>
+            <p:cNvPr id="150" name="直线连接符 149">
+              <a:extLst>
+                <a:ext uri="{FF2B5EF4-FFF2-40B4-BE49-F238E27FC236}">
+                  <a16:creationId xmlns:a16="http://schemas.microsoft.com/office/drawing/2014/main" id="{3C851A95-3CBC-368B-FC01-A9E83AC93663}"/>
+                </a:ext>
+              </a:extLst>
+            </p:cNvPr>
+            <p:cNvCxnSpPr>
+              <a:cxnSpLocks/>
+            </p:cNvCxnSpPr>
+            <p:nvPr/>
+          </p:nvCxnSpPr>
+          <p:spPr>
+            <a:xfrm>
+              <a:off x="9447029" y="3491577"/>
+              <a:ext cx="0" cy="449306"/>
+            </a:xfrm>
+            <a:prstGeom prst="line">
+              <a:avLst/>
+            </a:prstGeom>
+            <a:ln w="9525">
+              <a:solidFill>
+                <a:schemeClr val="bg1">
+                  <a:lumMod val="50000"/>
+                </a:schemeClr>
+              </a:solidFill>
+            </a:ln>
+          </p:spPr>
+          <p:style>
+            <a:lnRef idx="2">
+              <a:schemeClr val="accent1"/>
+            </a:lnRef>
+            <a:fillRef idx="0">
+              <a:schemeClr val="accent1"/>
+            </a:fillRef>
+            <a:effectRef idx="1">
+              <a:schemeClr val="accent1"/>
+            </a:effectRef>
+            <a:fontRef idx="minor">
+              <a:schemeClr val="tx1"/>
+            </a:fontRef>
+          </p:style>
+        </p:cxnSp>
+        <mc:AlternateContent xmlns:mc="http://schemas.openxmlformats.org/markup-compatibility/2006">
+          <mc:Choice xmlns:a14="http://schemas.microsoft.com/office/drawing/2010/main" Requires="a14">
+            <p:sp>
+              <p:nvSpPr>
+                <p:cNvPr id="151" name="文本框 150">
+                  <a:extLst>
+                    <a:ext uri="{FF2B5EF4-FFF2-40B4-BE49-F238E27FC236}">
+                      <a16:creationId xmlns:a16="http://schemas.microsoft.com/office/drawing/2014/main" id="{278A9D77-2A60-88FB-4523-CDDDF1DFB260}"/>
+                    </a:ext>
+                  </a:extLst>
+                </p:cNvPr>
+                <p:cNvSpPr txBox="1"/>
+                <p:nvPr/>
+              </p:nvSpPr>
+              <p:spPr>
+                <a:xfrm>
+                  <a:off x="7208876" y="3382338"/>
+                  <a:ext cx="907312" cy="338554"/>
+                </a:xfrm>
+                <a:prstGeom prst="rect">
+                  <a:avLst/>
+                </a:prstGeom>
+                <a:noFill/>
+              </p:spPr>
+              <p:txBody>
+                <a:bodyPr wrap="square" rtlCol="0">
+                  <a:spAutoFit/>
+                </a:bodyPr>
+                <a:lstStyle/>
+                <a:p>
+                  <a14:m>
+                    <m:oMathPara xmlns:m="http://schemas.openxmlformats.org/officeDocument/2006/math">
+                      <m:oMathParaPr>
+                        <m:jc m:val="centerGroup"/>
+                      </m:oMathParaPr>
+                      <m:oMath xmlns:m="http://schemas.openxmlformats.org/officeDocument/2006/math">
+                        <m:r>
+                          <a:rPr kumimoji="1" lang="en-US" altLang="zh-CN" sz="1600" b="0" i="1" smtClean="0">
+                            <a:latin typeface="Cambria Math" panose="02040503050406030204" pitchFamily="18" charset="0"/>
+                          </a:rPr>
+                          <m:t>00~11</m:t>
+                        </m:r>
+                      </m:oMath>
+                    </m:oMathPara>
+                  </a14:m>
+                  <a:endParaRPr kumimoji="1" lang="zh-CN" altLang="en-US" sz="1600" dirty="0"/>
+                </a:p>
+              </p:txBody>
+            </p:sp>
+          </mc:Choice>
+          <mc:Fallback>
+            <p:sp>
+              <p:nvSpPr>
+                <p:cNvPr id="151" name="文本框 150">
+                  <a:extLst>
+                    <a:ext uri="{FF2B5EF4-FFF2-40B4-BE49-F238E27FC236}">
+                      <a16:creationId xmlns:a16="http://schemas.microsoft.com/office/drawing/2014/main" id="{278A9D77-2A60-88FB-4523-CDDDF1DFB260}"/>
+                    </a:ext>
+                  </a:extLst>
+                </p:cNvPr>
+                <p:cNvSpPr txBox="1">
+                  <a:spLocks noRot="1" noChangeAspect="1" noMove="1" noResize="1" noEditPoints="1" noAdjustHandles="1" noChangeArrowheads="1" noChangeShapeType="1" noTextEdit="1"/>
+                </p:cNvSpPr>
+                <p:nvPr/>
+              </p:nvSpPr>
+              <p:spPr>
+                <a:xfrm>
+                  <a:off x="7208876" y="3382338"/>
+                  <a:ext cx="907312" cy="338554"/>
+                </a:xfrm>
+                <a:prstGeom prst="rect">
+                  <a:avLst/>
+                </a:prstGeom>
+                <a:blipFill>
+                  <a:blip r:embed="rId20"/>
+                  <a:stretch>
+                    <a:fillRect/>
+                  </a:stretch>
+                </a:blipFill>
+              </p:spPr>
+              <p:txBody>
+                <a:bodyPr/>
+                <a:lstStyle/>
+                <a:p>
+                  <a:r>
+                    <a:rPr lang="zh-CN" altLang="en-US">
+                      <a:noFill/>
+                    </a:rPr>
+                    <a:t> </a:t>
+                  </a:r>
+                </a:p>
+              </p:txBody>
+            </p:sp>
+          </mc:Fallback>
+        </mc:AlternateContent>
+        <mc:AlternateContent xmlns:mc="http://schemas.openxmlformats.org/markup-compatibility/2006">
+          <mc:Choice xmlns:a14="http://schemas.microsoft.com/office/drawing/2010/main" Requires="a14">
+            <p:sp>
+              <p:nvSpPr>
+                <p:cNvPr id="152" name="文本框 151">
+                  <a:extLst>
+                    <a:ext uri="{FF2B5EF4-FFF2-40B4-BE49-F238E27FC236}">
+                      <a16:creationId xmlns:a16="http://schemas.microsoft.com/office/drawing/2014/main" id="{156AAC3E-CDAF-CF80-8A04-F2FEBE08BE45}"/>
+                    </a:ext>
+                  </a:extLst>
+                </p:cNvPr>
+                <p:cNvSpPr txBox="1"/>
+                <p:nvPr/>
+              </p:nvSpPr>
+              <p:spPr>
+                <a:xfrm>
+                  <a:off x="8382002" y="3387897"/>
+                  <a:ext cx="907312" cy="338554"/>
+                </a:xfrm>
+                <a:prstGeom prst="rect">
+                  <a:avLst/>
+                </a:prstGeom>
+                <a:noFill/>
+              </p:spPr>
+              <p:txBody>
+                <a:bodyPr wrap="square" rtlCol="0">
+                  <a:spAutoFit/>
+                </a:bodyPr>
+                <a:lstStyle/>
+                <a:p>
+                  <a14:m>
+                    <m:oMathPara xmlns:m="http://schemas.openxmlformats.org/officeDocument/2006/math">
+                      <m:oMathParaPr>
+                        <m:jc m:val="centerGroup"/>
+                      </m:oMathParaPr>
+                      <m:oMath xmlns:m="http://schemas.openxmlformats.org/officeDocument/2006/math">
+                        <m:r>
+                          <a:rPr kumimoji="1" lang="en-US" altLang="zh-CN" sz="1600" b="0" i="1" smtClean="0">
+                            <a:latin typeface="Cambria Math" panose="02040503050406030204" pitchFamily="18" charset="0"/>
+                          </a:rPr>
+                          <m:t>00~11</m:t>
+                        </m:r>
+                      </m:oMath>
+                    </m:oMathPara>
+                  </a14:m>
+                  <a:endParaRPr kumimoji="1" lang="zh-CN" altLang="en-US" sz="1600" dirty="0"/>
+                </a:p>
+              </p:txBody>
+            </p:sp>
+          </mc:Choice>
+          <mc:Fallback>
+            <p:sp>
+              <p:nvSpPr>
+                <p:cNvPr id="152" name="文本框 151">
+                  <a:extLst>
+                    <a:ext uri="{FF2B5EF4-FFF2-40B4-BE49-F238E27FC236}">
+                      <a16:creationId xmlns:a16="http://schemas.microsoft.com/office/drawing/2014/main" id="{156AAC3E-CDAF-CF80-8A04-F2FEBE08BE45}"/>
+                    </a:ext>
+                  </a:extLst>
+                </p:cNvPr>
+                <p:cNvSpPr txBox="1">
+                  <a:spLocks noRot="1" noChangeAspect="1" noMove="1" noResize="1" noEditPoints="1" noAdjustHandles="1" noChangeArrowheads="1" noChangeShapeType="1" noTextEdit="1"/>
+                </p:cNvSpPr>
+                <p:nvPr/>
+              </p:nvSpPr>
+              <p:spPr>
+                <a:xfrm>
+                  <a:off x="8382002" y="3387897"/>
+                  <a:ext cx="907312" cy="338554"/>
+                </a:xfrm>
+                <a:prstGeom prst="rect">
+                  <a:avLst/>
+                </a:prstGeom>
+                <a:blipFill>
+                  <a:blip r:embed="rId21"/>
+                  <a:stretch>
+                    <a:fillRect/>
+                  </a:stretch>
+                </a:blipFill>
+              </p:spPr>
+              <p:txBody>
+                <a:bodyPr/>
+                <a:lstStyle/>
+                <a:p>
+                  <a:r>
+                    <a:rPr lang="zh-CN" altLang="en-US">
+                      <a:noFill/>
+                    </a:rPr>
+                    <a:t> </a:t>
+                  </a:r>
+                </a:p>
+              </p:txBody>
+            </p:sp>
+          </mc:Fallback>
+        </mc:AlternateContent>
+        <p:cxnSp>
+          <p:nvCxnSpPr>
+            <p:cNvPr id="154" name="直线箭头连接符 153">
+              <a:extLst>
+                <a:ext uri="{FF2B5EF4-FFF2-40B4-BE49-F238E27FC236}">
+                  <a16:creationId xmlns:a16="http://schemas.microsoft.com/office/drawing/2014/main" id="{36F51B37-E7CC-62A5-ACC9-A3A981197E6F}"/>
+                </a:ext>
+              </a:extLst>
+            </p:cNvPr>
+            <p:cNvCxnSpPr>
+              <a:cxnSpLocks/>
+            </p:cNvCxnSpPr>
+            <p:nvPr/>
+          </p:nvCxnSpPr>
+          <p:spPr>
+            <a:xfrm flipH="1">
+              <a:off x="7097233" y="3341419"/>
+              <a:ext cx="2349796" cy="0"/>
+            </a:xfrm>
+            <a:prstGeom prst="straightConnector1">
+              <a:avLst/>
+            </a:prstGeom>
+            <a:ln w="12700">
+              <a:solidFill>
+                <a:schemeClr val="bg1">
+                  <a:lumMod val="50000"/>
+                </a:schemeClr>
+              </a:solidFill>
+              <a:headEnd type="triangle" w="sm" len="med"/>
+              <a:tailEnd type="triangle" w="sm" len="med"/>
+            </a:ln>
+          </p:spPr>
+          <p:style>
+            <a:lnRef idx="2">
+              <a:schemeClr val="accent1"/>
+            </a:lnRef>
+            <a:fillRef idx="0">
+              <a:schemeClr val="accent1"/>
+            </a:fillRef>
+            <a:effectRef idx="1">
+              <a:schemeClr val="accent1"/>
+            </a:effectRef>
+            <a:fontRef idx="minor">
+              <a:schemeClr val="tx1"/>
+            </a:fontRef>
+          </p:style>
+        </p:cxnSp>
+        <p:sp>
+          <p:nvSpPr>
+            <p:cNvPr id="156" name="文本框 155">
+              <a:extLst>
+                <a:ext uri="{FF2B5EF4-FFF2-40B4-BE49-F238E27FC236}">
+                  <a16:creationId xmlns:a16="http://schemas.microsoft.com/office/drawing/2014/main" id="{6CB07DF1-68DA-EC02-D613-0FF599A574F7}"/>
+                </a:ext>
+              </a:extLst>
+            </p:cNvPr>
+            <p:cNvSpPr txBox="1"/>
+            <p:nvPr/>
+          </p:nvSpPr>
+          <p:spPr>
+            <a:xfrm>
+              <a:off x="7048756" y="3000166"/>
+              <a:ext cx="2468014" cy="338554"/>
+            </a:xfrm>
+            <a:prstGeom prst="rect">
+              <a:avLst/>
+            </a:prstGeom>
+            <a:noFill/>
+          </p:spPr>
+          <p:txBody>
+            <a:bodyPr wrap="square" rtlCol="0">
+              <a:spAutoFit/>
+            </a:bodyPr>
+            <a:lstStyle/>
+            <a:p>
+              <a:pPr algn="ctr"/>
+              <a:r>
+                <a:rPr kumimoji="1" lang="en-US" altLang="zh-CN" sz="1600" dirty="0">
+                  <a:latin typeface="Calibri" panose="020F0502020204030204" pitchFamily="34" charset="0"/>
+                  <a:cs typeface="Calibri" panose="020F0502020204030204" pitchFamily="34" charset="0"/>
+                </a:rPr>
+                <a:t>shared</a:t>
+              </a:r>
+              <a:r>
+                <a:rPr kumimoji="1" lang="zh-CN" altLang="en-US" sz="1600" dirty="0">
+                  <a:latin typeface="Calibri" panose="020F0502020204030204" pitchFamily="34" charset="0"/>
+                  <a:cs typeface="Calibri" panose="020F0502020204030204" pitchFamily="34" charset="0"/>
+                </a:rPr>
+                <a:t> </a:t>
+              </a:r>
+              <a:r>
+                <a:rPr kumimoji="1" lang="en-US" altLang="zh-CN" sz="1600" dirty="0">
+                  <a:latin typeface="Calibri" panose="020F0502020204030204" pitchFamily="34" charset="0"/>
+                  <a:cs typeface="Calibri" panose="020F0502020204030204" pitchFamily="34" charset="0"/>
+                </a:rPr>
+                <a:t>memory</a:t>
+              </a:r>
+              <a:r>
+                <a:rPr kumimoji="1" lang="zh-CN" altLang="en-US" sz="1600" dirty="0">
+                  <a:latin typeface="Calibri" panose="020F0502020204030204" pitchFamily="34" charset="0"/>
+                  <a:cs typeface="Calibri" panose="020F0502020204030204" pitchFamily="34" charset="0"/>
+                </a:rPr>
+                <a:t>的</a:t>
+              </a:r>
+              <a:r>
+                <a:rPr kumimoji="1" lang="en-US" altLang="zh-CN" sz="1600" dirty="0">
+                  <a:latin typeface="Calibri" panose="020F0502020204030204" pitchFamily="34" charset="0"/>
+                  <a:cs typeface="Calibri" panose="020F0502020204030204" pitchFamily="34" charset="0"/>
+                </a:rPr>
+                <a:t>8</a:t>
+              </a:r>
+              <a:r>
+                <a:rPr kumimoji="1" lang="zh-CN" altLang="en-US" sz="1600" dirty="0">
+                  <a:latin typeface="Calibri" panose="020F0502020204030204" pitchFamily="34" charset="0"/>
+                  <a:cs typeface="Calibri" panose="020F0502020204030204" pitchFamily="34" charset="0"/>
+                </a:rPr>
+                <a:t>个</a:t>
+              </a:r>
+              <a:r>
+                <a:rPr kumimoji="1" lang="en-US" altLang="zh-CN" sz="1600" dirty="0">
+                  <a:latin typeface="Calibri" panose="020F0502020204030204" pitchFamily="34" charset="0"/>
+                  <a:cs typeface="Calibri" panose="020F0502020204030204" pitchFamily="34" charset="0"/>
+                </a:rPr>
+                <a:t>bank</a:t>
+              </a:r>
+              <a:endParaRPr kumimoji="1" lang="zh-CN" altLang="en-US" sz="1600" dirty="0">
+                <a:latin typeface="Calibri" panose="020F0502020204030204" pitchFamily="34" charset="0"/>
+                <a:cs typeface="Calibri" panose="020F0502020204030204" pitchFamily="34" charset="0"/>
+              </a:endParaRPr>
+            </a:p>
+          </p:txBody>
+        </p:sp>
+      </p:grpSp>
+    </p:spTree>
+    <p:extLst>
+      <p:ext uri="{BB962C8B-B14F-4D97-AF65-F5344CB8AC3E}">
+        <p14:creationId xmlns:p14="http://schemas.microsoft.com/office/powerpoint/2010/main" val="1820639452"/>
+      </p:ext>
+    </p:extLst>
+  </p:cSld>
+  <p:clrMapOvr>
+    <a:masterClrMapping/>
+  </p:clrMapOvr>
+</p:sld>
+</file>
+
 <file path=ppt/theme/theme1.xml><?xml version="1.0" encoding="utf-8"?>
 <a:theme xmlns:a="http://schemas.openxmlformats.org/drawingml/2006/main" name="Office 主题​​">
   <a:themeElements>
-    <a:clrScheme name="Office">
+    <a:clrScheme name="纸张">
       <a:dk1>
         <a:sysClr val="windowText" lastClr="000000"/>
       </a:dk1>
@@ -18248,34 +25080,34 @@
         <a:sysClr val="window" lastClr="FFFFFF"/>
       </a:lt1>
       <a:dk2>
-        <a:srgbClr val="44546A"/>
+        <a:srgbClr val="444D26"/>
       </a:dk2>
       <a:lt2>
-        <a:srgbClr val="E7E6E6"/>
+        <a:srgbClr val="FEFAC9"/>
       </a:lt2>
       <a:accent1>
-        <a:srgbClr val="4472C4"/>
+        <a:srgbClr val="A5B592"/>
       </a:accent1>
       <a:accent2>
-        <a:srgbClr val="ED7D31"/>
+        <a:srgbClr val="F3A447"/>
       </a:accent2>
       <a:accent3>
-        <a:srgbClr val="A5A5A5"/>
+        <a:srgbClr val="E7BC29"/>
       </a:accent3>
       <a:accent4>
-        <a:srgbClr val="FFC000"/>
+        <a:srgbClr val="D092A7"/>
       </a:accent4>
       <a:accent5>
-        <a:srgbClr val="5B9BD5"/>
+        <a:srgbClr val="9C85C0"/>
       </a:accent5>
       <a:accent6>
-        <a:srgbClr val="70AD47"/>
+        <a:srgbClr val="809EC2"/>
       </a:accent6>
       <a:hlink>
-        <a:srgbClr val="0563C1"/>
+        <a:srgbClr val="8E58B6"/>
       </a:hlink>
       <a:folHlink>
-        <a:srgbClr val="954F72"/>
+        <a:srgbClr val="7F6F6F"/>
       </a:folHlink>
     </a:clrScheme>
     <a:fontScheme name="Office">
